--- a/Danilov_O_V.pptx
+++ b/Danilov_O_V.pptx
@@ -4,17 +4,21 @@
   <p:sldMasterIdLst>
     <p:sldMasterId id="2147483680" r:id="rId1"/>
   </p:sldMasterIdLst>
+  <p:notesMasterIdLst>
+    <p:notesMasterId r:id="rId13"/>
+  </p:notesMasterIdLst>
   <p:sldIdLst>
     <p:sldId id="256" r:id="rId2"/>
-    <p:sldId id="270" r:id="rId3"/>
-    <p:sldId id="257" r:id="rId4"/>
-    <p:sldId id="258" r:id="rId5"/>
-    <p:sldId id="273" r:id="rId6"/>
-    <p:sldId id="275" r:id="rId7"/>
-    <p:sldId id="276" r:id="rId8"/>
-    <p:sldId id="274" r:id="rId9"/>
-    <p:sldId id="277" r:id="rId10"/>
-    <p:sldId id="269" r:id="rId11"/>
+    <p:sldId id="278" r:id="rId3"/>
+    <p:sldId id="270" r:id="rId4"/>
+    <p:sldId id="257" r:id="rId5"/>
+    <p:sldId id="258" r:id="rId6"/>
+    <p:sldId id="273" r:id="rId7"/>
+    <p:sldId id="275" r:id="rId8"/>
+    <p:sldId id="276" r:id="rId9"/>
+    <p:sldId id="274" r:id="rId10"/>
+    <p:sldId id="277" r:id="rId11"/>
+    <p:sldId id="269" r:id="rId12"/>
   </p:sldIdLst>
   <p:sldSz cx="9144000" cy="6858000" type="screen4x3"/>
   <p:notesSz cx="6858000" cy="9144000"/>
@@ -1638,7 +1642,15 @@
                 <a:schemeClr val="bg1"/>
               </a:solidFill>
             </a:rPr>
-            <a:t>Raspberry Pi</a:t>
+            <a:t>Raspberry </a:t>
+          </a:r>
+          <a:r>
+            <a:rPr lang="en-US" sz="3600" dirty="0" smtClean="0">
+              <a:solidFill>
+                <a:schemeClr val="bg1"/>
+              </a:solidFill>
+            </a:rPr>
+            <a:t>Pi</a:t>
           </a:r>
           <a:endParaRPr lang="ru-RU" sz="3600" dirty="0">
             <a:solidFill>
@@ -1746,7 +1758,11 @@
     </dgm:pt>
     <dgm:pt modelId="{5BB97951-B1D9-4513-BF77-AFFCF458816E}">
       <dgm:prSet phldrT="[Текст]"/>
-      <dgm:spPr/>
+      <dgm:spPr>
+        <a:solidFill>
+          <a:schemeClr val="bg2"/>
+        </a:solidFill>
+      </dgm:spPr>
       <dgm:t>
         <a:bodyPr/>
         <a:lstStyle/>
@@ -1819,12 +1835,16 @@
       </dgm:t>
     </dgm:pt>
     <dgm:pt modelId="{EFA36495-0CD1-4EB0-A055-4D49CCAA9E37}">
-      <dgm:prSet phldrT="[Текст]" phldr="1"/>
+      <dgm:prSet phldrT="[Текст]"/>
       <dgm:spPr/>
       <dgm:t>
         <a:bodyPr/>
         <a:lstStyle/>
         <a:p>
+          <a:r>
+            <a:rPr lang="ru-RU" dirty="0" smtClean="0"/>
+            <a:t>Защита потока данных от внедрения третьи лиц</a:t>
+          </a:r>
           <a:endParaRPr lang="ru-RU" dirty="0"/>
         </a:p>
       </dgm:t>
@@ -1851,46 +1871,13 @@
         </a:p>
       </dgm:t>
     </dgm:pt>
-    <dgm:pt modelId="{B8C7E5EC-3AA9-4395-A4B8-BF6D100A624B}">
-      <dgm:prSet phldrT="[Текст]"/>
-      <dgm:spPr/>
-      <dgm:t>
-        <a:bodyPr/>
-        <a:lstStyle/>
-        <a:p>
-          <a:r>
-            <a:rPr lang="ru-RU" dirty="0" smtClean="0"/>
-            <a:t>Возможность легкого встраивания</a:t>
-          </a:r>
-          <a:endParaRPr lang="ru-RU" dirty="0"/>
-        </a:p>
-      </dgm:t>
-    </dgm:pt>
-    <dgm:pt modelId="{7D91DB15-B797-4D07-AEED-40B4E06C4B00}" type="parTrans" cxnId="{ECF9F691-AD87-4DD8-8663-DEC2328FE603}">
-      <dgm:prSet/>
-      <dgm:spPr/>
-      <dgm:t>
-        <a:bodyPr/>
-        <a:lstStyle/>
-        <a:p>
-          <a:endParaRPr lang="ru-RU"/>
-        </a:p>
-      </dgm:t>
-    </dgm:pt>
-    <dgm:pt modelId="{CACE5B48-EE4E-4D0A-94A4-AFBDD84F178C}" type="sibTrans" cxnId="{ECF9F691-AD87-4DD8-8663-DEC2328FE603}">
-      <dgm:prSet/>
-      <dgm:spPr/>
-      <dgm:t>
-        <a:bodyPr/>
-        <a:lstStyle/>
-        <a:p>
-          <a:endParaRPr lang="ru-RU"/>
-        </a:p>
-      </dgm:t>
-    </dgm:pt>
     <dgm:pt modelId="{DC22E362-1B56-4FE3-BC76-3587C39463D2}">
       <dgm:prSet phldrT="[Текст]"/>
-      <dgm:spPr/>
+      <dgm:spPr>
+        <a:solidFill>
+          <a:schemeClr val="bg2"/>
+        </a:solidFill>
+      </dgm:spPr>
       <dgm:t>
         <a:bodyPr/>
         <a:lstStyle/>
@@ -1915,6 +1902,43 @@
       </dgm:t>
     </dgm:pt>
     <dgm:pt modelId="{0ED6733C-F2A0-4CAF-9751-D4C83C376BEF}" type="parTrans" cxnId="{1AB0C23A-9C02-46AD-BA08-4C7A1B20A9D1}">
+      <dgm:prSet/>
+      <dgm:spPr/>
+      <dgm:t>
+        <a:bodyPr/>
+        <a:lstStyle/>
+        <a:p>
+          <a:endParaRPr lang="ru-RU"/>
+        </a:p>
+      </dgm:t>
+    </dgm:pt>
+    <dgm:pt modelId="{B8C7E5EC-3AA9-4395-A4B8-BF6D100A624B}">
+      <dgm:prSet phldrT="[Текст]"/>
+      <dgm:spPr/>
+      <dgm:t>
+        <a:bodyPr/>
+        <a:lstStyle/>
+        <a:p>
+          <a:r>
+            <a:rPr lang="ru-RU" dirty="0" smtClean="0"/>
+            <a:t>Возможность легкого встраивания</a:t>
+          </a:r>
+          <a:endParaRPr lang="ru-RU" dirty="0"/>
+        </a:p>
+      </dgm:t>
+    </dgm:pt>
+    <dgm:pt modelId="{CACE5B48-EE4E-4D0A-94A4-AFBDD84F178C}" type="sibTrans" cxnId="{ECF9F691-AD87-4DD8-8663-DEC2328FE603}">
+      <dgm:prSet/>
+      <dgm:spPr/>
+      <dgm:t>
+        <a:bodyPr/>
+        <a:lstStyle/>
+        <a:p>
+          <a:endParaRPr lang="ru-RU"/>
+        </a:p>
+      </dgm:t>
+    </dgm:pt>
+    <dgm:pt modelId="{7D91DB15-B797-4D07-AEED-40B4E06C4B00}" type="parTrans" cxnId="{ECF9F691-AD87-4DD8-8663-DEC2328FE603}">
       <dgm:prSet/>
       <dgm:spPr/>
       <dgm:t>
@@ -2020,17 +2044,17 @@
     </dgm:pt>
   </dgm:ptLst>
   <dgm:cxnLst>
-    <dgm:cxn modelId="{ECF9F691-AD87-4DD8-8663-DEC2328FE603}" srcId="{DC22E362-1B56-4FE3-BC76-3587C39463D2}" destId="{B8C7E5EC-3AA9-4395-A4B8-BF6D100A624B}" srcOrd="1" destOrd="0" parTransId="{7D91DB15-B797-4D07-AEED-40B4E06C4B00}" sibTransId="{CACE5B48-EE4E-4D0A-94A4-AFBDD84F178C}"/>
-    <dgm:cxn modelId="{54AADF90-BAB2-4123-A79B-8003AFF1AB64}" srcId="{E8981571-4B30-48BE-AB53-A77D8C88DD26}" destId="{5BB97951-B1D9-4513-BF77-AFFCF458816E}" srcOrd="0" destOrd="0" parTransId="{3594ABC9-794C-4A32-8BE9-A213B26BA108}" sibTransId="{88281537-BAE1-4560-AA48-80E9179176A2}"/>
-    <dgm:cxn modelId="{C0488E3D-69FA-439B-B5EA-A292DD5E1407}" srcId="{5BB97951-B1D9-4513-BF77-AFFCF458816E}" destId="{E2606766-5255-4799-B1E2-575D0A6FC66E}" srcOrd="0" destOrd="0" parTransId="{56F856AE-9359-47B2-8D8C-77E34C4BF2A9}" sibTransId="{CDCEAB5C-B9AF-493A-B6B5-4574D2FC871C}"/>
+    <dgm:cxn modelId="{4285453C-EE74-42F0-AA49-134F3C71F6C9}" srcId="{DC22E362-1B56-4FE3-BC76-3587C39463D2}" destId="{EFA36495-0CD1-4EB0-A055-4D49CCAA9E37}" srcOrd="0" destOrd="0" parTransId="{FAA75B10-E3B8-449B-BECF-9227DE56DD7E}" sibTransId="{4E85C018-C94D-44C7-9F4E-AD68F099A4FA}"/>
     <dgm:cxn modelId="{276760AE-E148-4403-A4AD-6FE6BE7C459F}" type="presOf" srcId="{EFA36495-0CD1-4EB0-A055-4D49CCAA9E37}" destId="{98854701-A7F9-4A74-AB71-F3297A715894}" srcOrd="0" destOrd="0" presId="urn:microsoft.com/office/officeart/2005/8/layout/hList1"/>
     <dgm:cxn modelId="{1AB0C23A-9C02-46AD-BA08-4C7A1B20A9D1}" srcId="{E8981571-4B30-48BE-AB53-A77D8C88DD26}" destId="{DC22E362-1B56-4FE3-BC76-3587C39463D2}" srcOrd="1" destOrd="0" parTransId="{0ED6733C-F2A0-4CAF-9751-D4C83C376BEF}" sibTransId="{9B197B5E-C95D-4238-B02D-CD6FF83122A9}"/>
-    <dgm:cxn modelId="{4285453C-EE74-42F0-AA49-134F3C71F6C9}" srcId="{DC22E362-1B56-4FE3-BC76-3587C39463D2}" destId="{EFA36495-0CD1-4EB0-A055-4D49CCAA9E37}" srcOrd="0" destOrd="0" parTransId="{FAA75B10-E3B8-449B-BECF-9227DE56DD7E}" sibTransId="{4E85C018-C94D-44C7-9F4E-AD68F099A4FA}"/>
+    <dgm:cxn modelId="{57CD3A96-0372-44EC-B19D-26490AD1DCA2}" type="presOf" srcId="{E8981571-4B30-48BE-AB53-A77D8C88DD26}" destId="{DA238B71-330F-4E33-9AE2-D39819134810}" srcOrd="0" destOrd="0" presId="urn:microsoft.com/office/officeart/2005/8/layout/hList1"/>
+    <dgm:cxn modelId="{54AADF90-BAB2-4123-A79B-8003AFF1AB64}" srcId="{E8981571-4B30-48BE-AB53-A77D8C88DD26}" destId="{5BB97951-B1D9-4513-BF77-AFFCF458816E}" srcOrd="0" destOrd="0" parTransId="{3594ABC9-794C-4A32-8BE9-A213B26BA108}" sibTransId="{88281537-BAE1-4560-AA48-80E9179176A2}"/>
+    <dgm:cxn modelId="{AF8AA440-8B0A-4E7E-A355-F5CCBFC73FC0}" type="presOf" srcId="{B8C7E5EC-3AA9-4395-A4B8-BF6D100A624B}" destId="{98854701-A7F9-4A74-AB71-F3297A715894}" srcOrd="0" destOrd="1" presId="urn:microsoft.com/office/officeart/2005/8/layout/hList1"/>
+    <dgm:cxn modelId="{C0488E3D-69FA-439B-B5EA-A292DD5E1407}" srcId="{5BB97951-B1D9-4513-BF77-AFFCF458816E}" destId="{E2606766-5255-4799-B1E2-575D0A6FC66E}" srcOrd="0" destOrd="0" parTransId="{56F856AE-9359-47B2-8D8C-77E34C4BF2A9}" sibTransId="{CDCEAB5C-B9AF-493A-B6B5-4574D2FC871C}"/>
+    <dgm:cxn modelId="{0A9C0509-1667-4C00-9E92-B05CCDD85F51}" type="presOf" srcId="{5BB97951-B1D9-4513-BF77-AFFCF458816E}" destId="{5914D28F-7E48-4807-9A8D-F110B7CCDF2F}" srcOrd="0" destOrd="0" presId="urn:microsoft.com/office/officeart/2005/8/layout/hList1"/>
+    <dgm:cxn modelId="{ECF9F691-AD87-4DD8-8663-DEC2328FE603}" srcId="{DC22E362-1B56-4FE3-BC76-3587C39463D2}" destId="{B8C7E5EC-3AA9-4395-A4B8-BF6D100A624B}" srcOrd="1" destOrd="0" parTransId="{7D91DB15-B797-4D07-AEED-40B4E06C4B00}" sibTransId="{CACE5B48-EE4E-4D0A-94A4-AFBDD84F178C}"/>
+    <dgm:cxn modelId="{A5CA3D49-C0DB-49B9-A6A5-C44BF9E2AD33}" type="presOf" srcId="{DC22E362-1B56-4FE3-BC76-3587C39463D2}" destId="{011F0678-E60A-43FD-BE77-AA0B30E72AA6}" srcOrd="0" destOrd="0" presId="urn:microsoft.com/office/officeart/2005/8/layout/hList1"/>
     <dgm:cxn modelId="{0787ADED-D2B0-412C-A555-B612E758D4A1}" type="presOf" srcId="{E2606766-5255-4799-B1E2-575D0A6FC66E}" destId="{3ED971AE-4D23-4EDC-8D38-56CA33C4E94D}" srcOrd="0" destOrd="0" presId="urn:microsoft.com/office/officeart/2005/8/layout/hList1"/>
-    <dgm:cxn modelId="{AF8AA440-8B0A-4E7E-A355-F5CCBFC73FC0}" type="presOf" srcId="{B8C7E5EC-3AA9-4395-A4B8-BF6D100A624B}" destId="{98854701-A7F9-4A74-AB71-F3297A715894}" srcOrd="0" destOrd="1" presId="urn:microsoft.com/office/officeart/2005/8/layout/hList1"/>
-    <dgm:cxn modelId="{0A9C0509-1667-4C00-9E92-B05CCDD85F51}" type="presOf" srcId="{5BB97951-B1D9-4513-BF77-AFFCF458816E}" destId="{5914D28F-7E48-4807-9A8D-F110B7CCDF2F}" srcOrd="0" destOrd="0" presId="urn:microsoft.com/office/officeart/2005/8/layout/hList1"/>
-    <dgm:cxn modelId="{57CD3A96-0372-44EC-B19D-26490AD1DCA2}" type="presOf" srcId="{E8981571-4B30-48BE-AB53-A77D8C88DD26}" destId="{DA238B71-330F-4E33-9AE2-D39819134810}" srcOrd="0" destOrd="0" presId="urn:microsoft.com/office/officeart/2005/8/layout/hList1"/>
-    <dgm:cxn modelId="{A5CA3D49-C0DB-49B9-A6A5-C44BF9E2AD33}" type="presOf" srcId="{DC22E362-1B56-4FE3-BC76-3587C39463D2}" destId="{011F0678-E60A-43FD-BE77-AA0B30E72AA6}" srcOrd="0" destOrd="0" presId="urn:microsoft.com/office/officeart/2005/8/layout/hList1"/>
     <dgm:cxn modelId="{D1577723-6162-4A7E-A34E-44F889556939}" type="presParOf" srcId="{DA238B71-330F-4E33-9AE2-D39819134810}" destId="{11B1B388-9929-4101-B3F2-64974A6C8D6F}" srcOrd="0" destOrd="0" presId="urn:microsoft.com/office/officeart/2005/8/layout/hList1"/>
     <dgm:cxn modelId="{D5502A5B-0391-4ED9-BE9D-A37EFC674886}" type="presParOf" srcId="{11B1B388-9929-4101-B3F2-64974A6C8D6F}" destId="{5914D28F-7E48-4807-9A8D-F110B7CCDF2F}" srcOrd="0" destOrd="0" presId="urn:microsoft.com/office/officeart/2005/8/layout/hList1"/>
     <dgm:cxn modelId="{155356B6-8279-41AE-B5AF-B44E44226278}" type="presParOf" srcId="{11B1B388-9929-4101-B3F2-64974A6C8D6F}" destId="{3ED971AE-4D23-4EDC-8D38-56CA33C4E94D}" srcOrd="1" destOrd="0" presId="urn:microsoft.com/office/officeart/2005/8/layout/hList1"/>
@@ -2160,7 +2184,15 @@
                 <a:schemeClr val="bg1"/>
               </a:solidFill>
             </a:rPr>
-            <a:t>Raspberry Pi</a:t>
+            <a:t>Raspberry </a:t>
+          </a:r>
+          <a:r>
+            <a:rPr lang="en-US" sz="3600" kern="1200" dirty="0" smtClean="0">
+              <a:solidFill>
+                <a:schemeClr val="bg1"/>
+              </a:solidFill>
+            </a:rPr>
+            <a:t>Pi</a:t>
           </a:r>
           <a:endParaRPr lang="ru-RU" sz="3600" kern="1200" dirty="0">
             <a:solidFill>
@@ -2200,12 +2232,7 @@
           <a:avLst/>
         </a:prstGeom>
         <a:solidFill>
-          <a:schemeClr val="accent1">
-            <a:hueOff val="0"/>
-            <a:satOff val="0"/>
-            <a:lumOff val="0"/>
-            <a:alphaOff val="0"/>
-          </a:schemeClr>
+          <a:schemeClr val="bg2"/>
         </a:solidFill>
         <a:ln w="19050" cap="rnd" cmpd="sng" algn="ctr">
           <a:solidFill>
@@ -2357,12 +2384,7 @@
           <a:avLst/>
         </a:prstGeom>
         <a:solidFill>
-          <a:schemeClr val="accent1">
-            <a:hueOff val="0"/>
-            <a:satOff val="0"/>
-            <a:lumOff val="0"/>
-            <a:alphaOff val="0"/>
-          </a:schemeClr>
+          <a:schemeClr val="bg2"/>
         </a:solidFill>
         <a:ln w="19050" cap="rnd" cmpd="sng" algn="ctr">
           <a:solidFill>
@@ -2488,6 +2510,10 @@
             </a:spcAft>
             <a:buChar char="••"/>
           </a:pPr>
+          <a:r>
+            <a:rPr lang="ru-RU" sz="2200" kern="1200" dirty="0" smtClean="0"/>
+            <a:t>Защита потока данных от внедрения третьи лиц</a:t>
+          </a:r>
           <a:endParaRPr lang="ru-RU" sz="2200" kern="1200" dirty="0"/>
         </a:p>
         <a:p>
@@ -5270,6 +5296,524 @@
 </dgm:styleDef>
 </file>
 
+<file path=ppt/notesMasters/notesMaster1.xml><?xml version="1.0" encoding="utf-8"?>
+<p:notesMaster xmlns:a="http://schemas.openxmlformats.org/drawingml/2006/main" xmlns:r="http://schemas.openxmlformats.org/officeDocument/2006/relationships" xmlns:p="http://schemas.openxmlformats.org/presentationml/2006/main">
+  <p:cSld>
+    <p:bg>
+      <p:bgRef idx="1001">
+        <a:schemeClr val="bg1"/>
+      </p:bgRef>
+    </p:bg>
+    <p:spTree>
+      <p:nvGrpSpPr>
+        <p:cNvPr id="1" name=""/>
+        <p:cNvGrpSpPr/>
+        <p:nvPr/>
+      </p:nvGrpSpPr>
+      <p:grpSpPr>
+        <a:xfrm>
+          <a:off x="0" y="0"/>
+          <a:ext cx="0" cy="0"/>
+          <a:chOff x="0" y="0"/>
+          <a:chExt cx="0" cy="0"/>
+        </a:xfrm>
+      </p:grpSpPr>
+      <p:sp>
+        <p:nvSpPr>
+          <p:cNvPr id="2" name="Верхний колонтитул 1"/>
+          <p:cNvSpPr>
+            <a:spLocks noGrp="1"/>
+          </p:cNvSpPr>
+          <p:nvPr>
+            <p:ph type="hdr" sz="quarter"/>
+          </p:nvPr>
+        </p:nvSpPr>
+        <p:spPr>
+          <a:xfrm>
+            <a:off x="0" y="0"/>
+            <a:ext cx="2971800" cy="457200"/>
+          </a:xfrm>
+          <a:prstGeom prst="rect">
+            <a:avLst/>
+          </a:prstGeom>
+        </p:spPr>
+        <p:txBody>
+          <a:bodyPr vert="horz" lIns="91440" tIns="45720" rIns="91440" bIns="45720" rtlCol="0"/>
+          <a:lstStyle>
+            <a:lvl1pPr algn="l">
+              <a:defRPr sz="1200"/>
+            </a:lvl1pPr>
+          </a:lstStyle>
+          <a:p>
+            <a:endParaRPr lang="ru-RU"/>
+          </a:p>
+        </p:txBody>
+      </p:sp>
+      <p:sp>
+        <p:nvSpPr>
+          <p:cNvPr id="3" name="Дата 2"/>
+          <p:cNvSpPr>
+            <a:spLocks noGrp="1"/>
+          </p:cNvSpPr>
+          <p:nvPr>
+            <p:ph type="dt" idx="1"/>
+          </p:nvPr>
+        </p:nvSpPr>
+        <p:spPr>
+          <a:xfrm>
+            <a:off x="3884613" y="0"/>
+            <a:ext cx="2971800" cy="457200"/>
+          </a:xfrm>
+          <a:prstGeom prst="rect">
+            <a:avLst/>
+          </a:prstGeom>
+        </p:spPr>
+        <p:txBody>
+          <a:bodyPr vert="horz" lIns="91440" tIns="45720" rIns="91440" bIns="45720" rtlCol="0"/>
+          <a:lstStyle>
+            <a:lvl1pPr algn="r">
+              <a:defRPr sz="1200"/>
+            </a:lvl1pPr>
+          </a:lstStyle>
+          <a:p>
+            <a:fld id="{DEDD2965-0A37-43BF-996E-E7DD70B19663}" type="datetimeFigureOut">
+              <a:rPr lang="ru-RU" smtClean="0"/>
+              <a:t>16.06.2014</a:t>
+            </a:fld>
+            <a:endParaRPr lang="ru-RU"/>
+          </a:p>
+        </p:txBody>
+      </p:sp>
+      <p:sp>
+        <p:nvSpPr>
+          <p:cNvPr id="4" name="Образ слайда 3"/>
+          <p:cNvSpPr>
+            <a:spLocks noGrp="1" noRot="1" noChangeAspect="1"/>
+          </p:cNvSpPr>
+          <p:nvPr>
+            <p:ph type="sldImg" idx="2"/>
+          </p:nvPr>
+        </p:nvSpPr>
+        <p:spPr>
+          <a:xfrm>
+            <a:off x="1143000" y="685800"/>
+            <a:ext cx="4572000" cy="3429000"/>
+          </a:xfrm>
+          <a:prstGeom prst="rect">
+            <a:avLst/>
+          </a:prstGeom>
+          <a:noFill/>
+          <a:ln w="12700">
+            <a:solidFill>
+              <a:prstClr val="black"/>
+            </a:solidFill>
+          </a:ln>
+        </p:spPr>
+        <p:txBody>
+          <a:bodyPr vert="horz" lIns="91440" tIns="45720" rIns="91440" bIns="45720" rtlCol="0" anchor="ctr"/>
+          <a:lstStyle/>
+          <a:p>
+            <a:endParaRPr lang="ru-RU"/>
+          </a:p>
+        </p:txBody>
+      </p:sp>
+      <p:sp>
+        <p:nvSpPr>
+          <p:cNvPr id="5" name="Заметки 4"/>
+          <p:cNvSpPr>
+            <a:spLocks noGrp="1"/>
+          </p:cNvSpPr>
+          <p:nvPr>
+            <p:ph type="body" sz="quarter" idx="3"/>
+          </p:nvPr>
+        </p:nvSpPr>
+        <p:spPr>
+          <a:xfrm>
+            <a:off x="685800" y="4343400"/>
+            <a:ext cx="5486400" cy="4114800"/>
+          </a:xfrm>
+          <a:prstGeom prst="rect">
+            <a:avLst/>
+          </a:prstGeom>
+        </p:spPr>
+        <p:txBody>
+          <a:bodyPr vert="horz" lIns="91440" tIns="45720" rIns="91440" bIns="45720" rtlCol="0"/>
+          <a:lstStyle/>
+          <a:p>
+            <a:pPr lvl="0"/>
+            <a:r>
+              <a:rPr lang="ru-RU" smtClean="0"/>
+              <a:t>Образец текста</a:t>
+            </a:r>
+          </a:p>
+          <a:p>
+            <a:pPr lvl="1"/>
+            <a:r>
+              <a:rPr lang="ru-RU" smtClean="0"/>
+              <a:t>Второй уровень</a:t>
+            </a:r>
+          </a:p>
+          <a:p>
+            <a:pPr lvl="2"/>
+            <a:r>
+              <a:rPr lang="ru-RU" smtClean="0"/>
+              <a:t>Третий уровень</a:t>
+            </a:r>
+          </a:p>
+          <a:p>
+            <a:pPr lvl="3"/>
+            <a:r>
+              <a:rPr lang="ru-RU" smtClean="0"/>
+              <a:t>Четвертый уровень</a:t>
+            </a:r>
+          </a:p>
+          <a:p>
+            <a:pPr lvl="4"/>
+            <a:r>
+              <a:rPr lang="ru-RU" smtClean="0"/>
+              <a:t>Пятый уровень</a:t>
+            </a:r>
+            <a:endParaRPr lang="ru-RU"/>
+          </a:p>
+        </p:txBody>
+      </p:sp>
+      <p:sp>
+        <p:nvSpPr>
+          <p:cNvPr id="6" name="Нижний колонтитул 5"/>
+          <p:cNvSpPr>
+            <a:spLocks noGrp="1"/>
+          </p:cNvSpPr>
+          <p:nvPr>
+            <p:ph type="ftr" sz="quarter" idx="4"/>
+          </p:nvPr>
+        </p:nvSpPr>
+        <p:spPr>
+          <a:xfrm>
+            <a:off x="0" y="8685213"/>
+            <a:ext cx="2971800" cy="457200"/>
+          </a:xfrm>
+          <a:prstGeom prst="rect">
+            <a:avLst/>
+          </a:prstGeom>
+        </p:spPr>
+        <p:txBody>
+          <a:bodyPr vert="horz" lIns="91440" tIns="45720" rIns="91440" bIns="45720" rtlCol="0" anchor="b"/>
+          <a:lstStyle>
+            <a:lvl1pPr algn="l">
+              <a:defRPr sz="1200"/>
+            </a:lvl1pPr>
+          </a:lstStyle>
+          <a:p>
+            <a:endParaRPr lang="ru-RU"/>
+          </a:p>
+        </p:txBody>
+      </p:sp>
+      <p:sp>
+        <p:nvSpPr>
+          <p:cNvPr id="7" name="Номер слайда 6"/>
+          <p:cNvSpPr>
+            <a:spLocks noGrp="1"/>
+          </p:cNvSpPr>
+          <p:nvPr>
+            <p:ph type="sldNum" sz="quarter" idx="5"/>
+          </p:nvPr>
+        </p:nvSpPr>
+        <p:spPr>
+          <a:xfrm>
+            <a:off x="3884613" y="8685213"/>
+            <a:ext cx="2971800" cy="457200"/>
+          </a:xfrm>
+          <a:prstGeom prst="rect">
+            <a:avLst/>
+          </a:prstGeom>
+        </p:spPr>
+        <p:txBody>
+          <a:bodyPr vert="horz" lIns="91440" tIns="45720" rIns="91440" bIns="45720" rtlCol="0" anchor="b"/>
+          <a:lstStyle>
+            <a:lvl1pPr algn="r">
+              <a:defRPr sz="1200"/>
+            </a:lvl1pPr>
+          </a:lstStyle>
+          <a:p>
+            <a:fld id="{3C1D06CC-8B77-416E-B1BD-4FB908AA9C41}" type="slidenum">
+              <a:rPr lang="ru-RU" smtClean="0"/>
+              <a:t>‹#›</a:t>
+            </a:fld>
+            <a:endParaRPr lang="ru-RU"/>
+          </a:p>
+        </p:txBody>
+      </p:sp>
+    </p:spTree>
+    <p:extLst>
+      <p:ext uri="{BB962C8B-B14F-4D97-AF65-F5344CB8AC3E}">
+        <p14:creationId xmlns:p14="http://schemas.microsoft.com/office/powerpoint/2010/main" val="1053685800"/>
+      </p:ext>
+    </p:extLst>
+  </p:cSld>
+  <p:clrMap bg1="lt1" tx1="dk1" bg2="lt2" tx2="dk2" accent1="accent1" accent2="accent2" accent3="accent3" accent4="accent4" accent5="accent5" accent6="accent6" hlink="hlink" folHlink="folHlink"/>
+  <p:notesStyle>
+    <a:lvl1pPr marL="0" algn="l" defTabSz="914400" rtl="0" eaLnBrk="1" latinLnBrk="0" hangingPunct="1">
+      <a:defRPr sz="1200" kern="1200">
+        <a:solidFill>
+          <a:schemeClr val="tx1"/>
+        </a:solidFill>
+        <a:latin typeface="+mn-lt"/>
+        <a:ea typeface="+mn-ea"/>
+        <a:cs typeface="+mn-cs"/>
+      </a:defRPr>
+    </a:lvl1pPr>
+    <a:lvl2pPr marL="457200" algn="l" defTabSz="914400" rtl="0" eaLnBrk="1" latinLnBrk="0" hangingPunct="1">
+      <a:defRPr sz="1200" kern="1200">
+        <a:solidFill>
+          <a:schemeClr val="tx1"/>
+        </a:solidFill>
+        <a:latin typeface="+mn-lt"/>
+        <a:ea typeface="+mn-ea"/>
+        <a:cs typeface="+mn-cs"/>
+      </a:defRPr>
+    </a:lvl2pPr>
+    <a:lvl3pPr marL="914400" algn="l" defTabSz="914400" rtl="0" eaLnBrk="1" latinLnBrk="0" hangingPunct="1">
+      <a:defRPr sz="1200" kern="1200">
+        <a:solidFill>
+          <a:schemeClr val="tx1"/>
+        </a:solidFill>
+        <a:latin typeface="+mn-lt"/>
+        <a:ea typeface="+mn-ea"/>
+        <a:cs typeface="+mn-cs"/>
+      </a:defRPr>
+    </a:lvl3pPr>
+    <a:lvl4pPr marL="1371600" algn="l" defTabSz="914400" rtl="0" eaLnBrk="1" latinLnBrk="0" hangingPunct="1">
+      <a:defRPr sz="1200" kern="1200">
+        <a:solidFill>
+          <a:schemeClr val="tx1"/>
+        </a:solidFill>
+        <a:latin typeface="+mn-lt"/>
+        <a:ea typeface="+mn-ea"/>
+        <a:cs typeface="+mn-cs"/>
+      </a:defRPr>
+    </a:lvl4pPr>
+    <a:lvl5pPr marL="1828800" algn="l" defTabSz="914400" rtl="0" eaLnBrk="1" latinLnBrk="0" hangingPunct="1">
+      <a:defRPr sz="1200" kern="1200">
+        <a:solidFill>
+          <a:schemeClr val="tx1"/>
+        </a:solidFill>
+        <a:latin typeface="+mn-lt"/>
+        <a:ea typeface="+mn-ea"/>
+        <a:cs typeface="+mn-cs"/>
+      </a:defRPr>
+    </a:lvl5pPr>
+    <a:lvl6pPr marL="2286000" algn="l" defTabSz="914400" rtl="0" eaLnBrk="1" latinLnBrk="0" hangingPunct="1">
+      <a:defRPr sz="1200" kern="1200">
+        <a:solidFill>
+          <a:schemeClr val="tx1"/>
+        </a:solidFill>
+        <a:latin typeface="+mn-lt"/>
+        <a:ea typeface="+mn-ea"/>
+        <a:cs typeface="+mn-cs"/>
+      </a:defRPr>
+    </a:lvl6pPr>
+    <a:lvl7pPr marL="2743200" algn="l" defTabSz="914400" rtl="0" eaLnBrk="1" latinLnBrk="0" hangingPunct="1">
+      <a:defRPr sz="1200" kern="1200">
+        <a:solidFill>
+          <a:schemeClr val="tx1"/>
+        </a:solidFill>
+        <a:latin typeface="+mn-lt"/>
+        <a:ea typeface="+mn-ea"/>
+        <a:cs typeface="+mn-cs"/>
+      </a:defRPr>
+    </a:lvl7pPr>
+    <a:lvl8pPr marL="3200400" algn="l" defTabSz="914400" rtl="0" eaLnBrk="1" latinLnBrk="0" hangingPunct="1">
+      <a:defRPr sz="1200" kern="1200">
+        <a:solidFill>
+          <a:schemeClr val="tx1"/>
+        </a:solidFill>
+        <a:latin typeface="+mn-lt"/>
+        <a:ea typeface="+mn-ea"/>
+        <a:cs typeface="+mn-cs"/>
+      </a:defRPr>
+    </a:lvl8pPr>
+    <a:lvl9pPr marL="3657600" algn="l" defTabSz="914400" rtl="0" eaLnBrk="1" latinLnBrk="0" hangingPunct="1">
+      <a:defRPr sz="1200" kern="1200">
+        <a:solidFill>
+          <a:schemeClr val="tx1"/>
+        </a:solidFill>
+        <a:latin typeface="+mn-lt"/>
+        <a:ea typeface="+mn-ea"/>
+        <a:cs typeface="+mn-cs"/>
+      </a:defRPr>
+    </a:lvl9pPr>
+  </p:notesStyle>
+</p:notesMaster>
+</file>
+
+<file path=ppt/notesSlides/notesSlide1.xml><?xml version="1.0" encoding="utf-8"?>
+<p:notes xmlns:a="http://schemas.openxmlformats.org/drawingml/2006/main" xmlns:r="http://schemas.openxmlformats.org/officeDocument/2006/relationships" xmlns:p="http://schemas.openxmlformats.org/presentationml/2006/main">
+  <p:cSld>
+    <p:spTree>
+      <p:nvGrpSpPr>
+        <p:cNvPr id="1" name=""/>
+        <p:cNvGrpSpPr/>
+        <p:nvPr/>
+      </p:nvGrpSpPr>
+      <p:grpSpPr>
+        <a:xfrm>
+          <a:off x="0" y="0"/>
+          <a:ext cx="0" cy="0"/>
+          <a:chOff x="0" y="0"/>
+          <a:chExt cx="0" cy="0"/>
+        </a:xfrm>
+      </p:grpSpPr>
+      <p:sp>
+        <p:nvSpPr>
+          <p:cNvPr id="2" name="Образ слайда 1"/>
+          <p:cNvSpPr>
+            <a:spLocks noGrp="1" noRot="1" noChangeAspect="1"/>
+          </p:cNvSpPr>
+          <p:nvPr>
+            <p:ph type="sldImg"/>
+          </p:nvPr>
+        </p:nvSpPr>
+        <p:spPr/>
+      </p:sp>
+      <p:sp>
+        <p:nvSpPr>
+          <p:cNvPr id="3" name="Заметки 2"/>
+          <p:cNvSpPr>
+            <a:spLocks noGrp="1"/>
+          </p:cNvSpPr>
+          <p:nvPr>
+            <p:ph type="body" idx="1"/>
+          </p:nvPr>
+        </p:nvSpPr>
+        <p:spPr/>
+        <p:txBody>
+          <a:bodyPr/>
+          <a:lstStyle/>
+          <a:p>
+            <a:endParaRPr lang="ru-RU" dirty="0"/>
+          </a:p>
+        </p:txBody>
+      </p:sp>
+      <p:sp>
+        <p:nvSpPr>
+          <p:cNvPr id="4" name="Номер слайда 3"/>
+          <p:cNvSpPr>
+            <a:spLocks noGrp="1"/>
+          </p:cNvSpPr>
+          <p:nvPr>
+            <p:ph type="sldNum" sz="quarter" idx="10"/>
+          </p:nvPr>
+        </p:nvSpPr>
+        <p:spPr/>
+        <p:txBody>
+          <a:bodyPr/>
+          <a:lstStyle/>
+          <a:p>
+            <a:fld id="{3C1D06CC-8B77-416E-B1BD-4FB908AA9C41}" type="slidenum">
+              <a:rPr lang="ru-RU" smtClean="0"/>
+              <a:t>2</a:t>
+            </a:fld>
+            <a:endParaRPr lang="ru-RU"/>
+          </a:p>
+        </p:txBody>
+      </p:sp>
+    </p:spTree>
+    <p:extLst>
+      <p:ext uri="{BB962C8B-B14F-4D97-AF65-F5344CB8AC3E}">
+        <p14:creationId xmlns:p14="http://schemas.microsoft.com/office/powerpoint/2010/main" val="3598649729"/>
+      </p:ext>
+    </p:extLst>
+  </p:cSld>
+  <p:clrMapOvr>
+    <a:masterClrMapping/>
+  </p:clrMapOvr>
+</p:notes>
+</file>
+
+<file path=ppt/notesSlides/notesSlide2.xml><?xml version="1.0" encoding="utf-8"?>
+<p:notes xmlns:a="http://schemas.openxmlformats.org/drawingml/2006/main" xmlns:r="http://schemas.openxmlformats.org/officeDocument/2006/relationships" xmlns:p="http://schemas.openxmlformats.org/presentationml/2006/main">
+  <p:cSld>
+    <p:spTree>
+      <p:nvGrpSpPr>
+        <p:cNvPr id="1" name=""/>
+        <p:cNvGrpSpPr/>
+        <p:nvPr/>
+      </p:nvGrpSpPr>
+      <p:grpSpPr>
+        <a:xfrm>
+          <a:off x="0" y="0"/>
+          <a:ext cx="0" cy="0"/>
+          <a:chOff x="0" y="0"/>
+          <a:chExt cx="0" cy="0"/>
+        </a:xfrm>
+      </p:grpSpPr>
+      <p:sp>
+        <p:nvSpPr>
+          <p:cNvPr id="2" name="Образ слайда 1"/>
+          <p:cNvSpPr>
+            <a:spLocks noGrp="1" noRot="1" noChangeAspect="1"/>
+          </p:cNvSpPr>
+          <p:nvPr>
+            <p:ph type="sldImg"/>
+          </p:nvPr>
+        </p:nvSpPr>
+        <p:spPr/>
+      </p:sp>
+      <p:sp>
+        <p:nvSpPr>
+          <p:cNvPr id="3" name="Заметки 2"/>
+          <p:cNvSpPr>
+            <a:spLocks noGrp="1"/>
+          </p:cNvSpPr>
+          <p:nvPr>
+            <p:ph type="body" idx="1"/>
+          </p:nvPr>
+        </p:nvSpPr>
+        <p:spPr/>
+        <p:txBody>
+          <a:bodyPr/>
+          <a:lstStyle/>
+          <a:p>
+            <a:endParaRPr lang="ru-RU" dirty="0"/>
+          </a:p>
+        </p:txBody>
+      </p:sp>
+      <p:sp>
+        <p:nvSpPr>
+          <p:cNvPr id="4" name="Номер слайда 3"/>
+          <p:cNvSpPr>
+            <a:spLocks noGrp="1"/>
+          </p:cNvSpPr>
+          <p:nvPr>
+            <p:ph type="sldNum" sz="quarter" idx="10"/>
+          </p:nvPr>
+        </p:nvSpPr>
+        <p:spPr/>
+        <p:txBody>
+          <a:bodyPr/>
+          <a:lstStyle/>
+          <a:p>
+            <a:fld id="{3C1D06CC-8B77-416E-B1BD-4FB908AA9C41}" type="slidenum">
+              <a:rPr lang="ru-RU" smtClean="0"/>
+              <a:t>8</a:t>
+            </a:fld>
+            <a:endParaRPr lang="ru-RU"/>
+          </a:p>
+        </p:txBody>
+      </p:sp>
+    </p:spTree>
+    <p:extLst>
+      <p:ext uri="{BB962C8B-B14F-4D97-AF65-F5344CB8AC3E}">
+        <p14:creationId xmlns:p14="http://schemas.microsoft.com/office/powerpoint/2010/main" val="4231047351"/>
+      </p:ext>
+    </p:extLst>
+  </p:cSld>
+  <p:clrMapOvr>
+    <a:masterClrMapping/>
+  </p:clrMapOvr>
+</p:notes>
+</file>
+
 <file path=ppt/slideLayouts/slideLayout1.xml><?xml version="1.0" encoding="utf-8"?>
 <p:sldLayout xmlns:a="http://schemas.openxmlformats.org/drawingml/2006/main" xmlns:r="http://schemas.openxmlformats.org/officeDocument/2006/relationships" xmlns:p="http://schemas.openxmlformats.org/presentationml/2006/main" type="title" preserve="1">
   <p:cSld name="Титульный слайд">
@@ -12164,7 +12708,15 @@
                   <a:schemeClr val="bg2"/>
                 </a:solidFill>
               </a:rPr>
-              <a:t>Дипломник: Данилов О.В.</a:t>
+              <a:t>Данилов </a:t>
+            </a:r>
+            <a:r>
+              <a:rPr lang="ru-RU" sz="2800" dirty="0" smtClean="0">
+                <a:solidFill>
+                  <a:schemeClr val="bg2"/>
+                </a:solidFill>
+              </a:rPr>
+              <a:t>О.В.</a:t>
             </a:r>
             <a:endParaRPr lang="ru-RU" sz="2800" dirty="0">
               <a:solidFill>
@@ -12195,6 +12747,171 @@
 </file>
 
 <file path=ppt/slides/slide10.xml><?xml version="1.0" encoding="utf-8"?>
+<p:sld xmlns:a="http://schemas.openxmlformats.org/drawingml/2006/main" xmlns:r="http://schemas.openxmlformats.org/officeDocument/2006/relationships" xmlns:p="http://schemas.openxmlformats.org/presentationml/2006/main">
+  <p:cSld>
+    <p:bg>
+      <p:bgPr>
+        <a:solidFill>
+          <a:schemeClr val="tx1"/>
+        </a:solidFill>
+        <a:effectLst/>
+      </p:bgPr>
+    </p:bg>
+    <p:spTree>
+      <p:nvGrpSpPr>
+        <p:cNvPr id="1" name=""/>
+        <p:cNvGrpSpPr/>
+        <p:nvPr/>
+      </p:nvGrpSpPr>
+      <p:grpSpPr>
+        <a:xfrm>
+          <a:off x="0" y="0"/>
+          <a:ext cx="0" cy="0"/>
+          <a:chOff x="0" y="0"/>
+          <a:chExt cx="0" cy="0"/>
+        </a:xfrm>
+      </p:grpSpPr>
+      <p:sp>
+        <p:nvSpPr>
+          <p:cNvPr id="2" name="Заголовок 1"/>
+          <p:cNvSpPr>
+            <a:spLocks noGrp="1"/>
+          </p:cNvSpPr>
+          <p:nvPr>
+            <p:ph type="title"/>
+          </p:nvPr>
+        </p:nvSpPr>
+        <p:spPr>
+          <a:xfrm>
+            <a:off x="484584" y="452718"/>
+            <a:ext cx="7053542" cy="816042"/>
+          </a:xfrm>
+        </p:spPr>
+        <p:txBody>
+          <a:bodyPr vert="horz" lIns="91440" tIns="45720" rIns="91440" bIns="45720" rtlCol="0" anchor="t">
+            <a:noAutofit/>
+          </a:bodyPr>
+          <a:lstStyle/>
+          <a:p>
+            <a:r>
+              <a:rPr lang="ru-RU" sz="3200" b="1" dirty="0" smtClean="0">
+                <a:solidFill>
+                  <a:schemeClr val="bg2"/>
+                </a:solidFill>
+              </a:rPr>
+              <a:t>Результаты работы</a:t>
+            </a:r>
+            <a:endParaRPr lang="ru-RU" sz="3200" b="1" dirty="0">
+              <a:solidFill>
+                <a:schemeClr val="bg2"/>
+              </a:solidFill>
+            </a:endParaRPr>
+          </a:p>
+        </p:txBody>
+      </p:sp>
+      <p:sp>
+        <p:nvSpPr>
+          <p:cNvPr id="3" name="Объект 2"/>
+          <p:cNvSpPr>
+            <a:spLocks noGrp="1"/>
+          </p:cNvSpPr>
+          <p:nvPr>
+            <p:ph idx="1"/>
+          </p:nvPr>
+        </p:nvSpPr>
+        <p:spPr>
+          <a:xfrm>
+            <a:off x="827484" y="1412777"/>
+            <a:ext cx="6768852" cy="4835624"/>
+          </a:xfrm>
+        </p:spPr>
+        <p:txBody>
+          <a:bodyPr/>
+          <a:lstStyle/>
+          <a:p>
+            <a:r>
+              <a:rPr lang="ru-RU" dirty="0" smtClean="0">
+                <a:solidFill>
+                  <a:schemeClr val="bg1"/>
+                </a:solidFill>
+              </a:rPr>
+              <a:t>Благодаря разработанной программе защита протокола системы «Звезда» не нуждается в сторонних средствах защиты обмена данных и может изменять алгоритм в целях коммерческой выгоды.</a:t>
+            </a:r>
+          </a:p>
+          <a:p>
+            <a:endParaRPr lang="ru-RU" dirty="0">
+              <a:solidFill>
+                <a:schemeClr val="bg1"/>
+              </a:solidFill>
+            </a:endParaRPr>
+          </a:p>
+          <a:p>
+            <a:endParaRPr lang="ru-RU" dirty="0" smtClean="0">
+              <a:solidFill>
+                <a:schemeClr val="bg1"/>
+              </a:solidFill>
+            </a:endParaRPr>
+          </a:p>
+          <a:p>
+            <a:r>
+              <a:rPr lang="ru-RU" dirty="0" smtClean="0">
+                <a:solidFill>
+                  <a:schemeClr val="bg1"/>
+                </a:solidFill>
+              </a:rPr>
+              <a:t>Дальнейшие модификации:</a:t>
+            </a:r>
+          </a:p>
+          <a:p>
+            <a:pPr lvl="1"/>
+            <a:r>
+              <a:rPr lang="ru-RU" dirty="0" smtClean="0">
+                <a:solidFill>
+                  <a:schemeClr val="bg1"/>
+                </a:solidFill>
+              </a:rPr>
+              <a:t>Добавление других алгоритмов шифрования</a:t>
+            </a:r>
+          </a:p>
+          <a:p>
+            <a:pPr lvl="1"/>
+            <a:r>
+              <a:rPr lang="ru-RU" dirty="0" smtClean="0">
+                <a:solidFill>
+                  <a:schemeClr val="bg1"/>
+                </a:solidFill>
+              </a:rPr>
+              <a:t>Интегрирование в системы видеонаблюдения</a:t>
+            </a:r>
+            <a:endParaRPr lang="ru-RU" dirty="0">
+              <a:solidFill>
+                <a:schemeClr val="bg1"/>
+              </a:solidFill>
+            </a:endParaRPr>
+          </a:p>
+        </p:txBody>
+      </p:sp>
+    </p:spTree>
+    <p:extLst>
+      <p:ext uri="{BB962C8B-B14F-4D97-AF65-F5344CB8AC3E}">
+        <p14:creationId xmlns:p14="http://schemas.microsoft.com/office/powerpoint/2010/main" val="1990917460"/>
+      </p:ext>
+    </p:extLst>
+  </p:cSld>
+  <p:clrMapOvr>
+    <a:masterClrMapping/>
+  </p:clrMapOvr>
+  <p:timing>
+    <p:tnLst>
+      <p:par>
+        <p:cTn id="1" dur="indefinite" restart="never" nodeType="tmRoot"/>
+      </p:par>
+    </p:tnLst>
+  </p:timing>
+</p:sld>
+</file>
+
+<file path=ppt/slides/slide11.xml><?xml version="1.0" encoding="utf-8"?>
 <p:sld xmlns:a="http://schemas.openxmlformats.org/drawingml/2006/main" xmlns:r="http://schemas.openxmlformats.org/officeDocument/2006/relationships" xmlns:p="http://schemas.openxmlformats.org/presentationml/2006/main">
   <p:cSld>
     <p:spTree>
@@ -12316,7 +13033,12 @@
             <p:ph type="title"/>
           </p:nvPr>
         </p:nvSpPr>
-        <p:spPr/>
+        <p:spPr>
+          <a:xfrm>
+            <a:off x="484584" y="452718"/>
+            <a:ext cx="7053542" cy="816042"/>
+          </a:xfrm>
+        </p:spPr>
         <p:txBody>
           <a:bodyPr vert="horz" lIns="91440" tIns="45720" rIns="91440" bIns="45720" rtlCol="0" anchor="t">
             <a:noAutofit/>
@@ -12329,7 +13051,23 @@
                   <a:schemeClr val="bg2"/>
                 </a:solidFill>
               </a:rPr>
-              <a:t>Аппаратная часть системы «Звезда»</a:t>
+              <a:t>Схема системы </a:t>
+            </a:r>
+            <a:r>
+              <a:rPr lang="ru-RU" sz="3200" b="1" dirty="0" smtClean="0">
+                <a:solidFill>
+                  <a:schemeClr val="bg2"/>
+                </a:solidFill>
+              </a:rPr>
+              <a:t>«З</a:t>
+            </a:r>
+            <a:r>
+              <a:rPr lang="ru-RU" sz="3200" b="1" dirty="0" smtClean="0">
+                <a:solidFill>
+                  <a:schemeClr val="bg2"/>
+                </a:solidFill>
+              </a:rPr>
+              <a:t>везда»</a:t>
             </a:r>
             <a:endParaRPr lang="ru-RU" sz="3200" b="1" dirty="0">
               <a:solidFill>
@@ -12339,9 +13077,39 @@
           </a:p>
         </p:txBody>
       </p:sp>
+      <p:sp>
+        <p:nvSpPr>
+          <p:cNvPr id="3" name="Объект 2"/>
+          <p:cNvSpPr>
+            <a:spLocks noGrp="1"/>
+          </p:cNvSpPr>
+          <p:nvPr>
+            <p:ph idx="1"/>
+          </p:nvPr>
+        </p:nvSpPr>
+        <p:spPr>
+          <a:xfrm>
+            <a:off x="827484" y="5929139"/>
+            <a:ext cx="6768852" cy="319261"/>
+          </a:xfrm>
+        </p:spPr>
+        <p:txBody>
+          <a:bodyPr>
+            <a:normAutofit fontScale="85000" lnSpcReduction="20000"/>
+          </a:bodyPr>
+          <a:lstStyle/>
+          <a:p>
+            <a:endParaRPr lang="ru-RU" dirty="0">
+              <a:solidFill>
+                <a:schemeClr val="bg1"/>
+              </a:solidFill>
+            </a:endParaRPr>
+          </a:p>
+        </p:txBody>
+      </p:sp>
       <p:pic>
         <p:nvPicPr>
-          <p:cNvPr id="10" name="Picture 4" descr="F:\Diplom\Защита протокола обмена данных. Олег\Diplom\Картинки\Презентация\modela.png"/>
+          <p:cNvPr id="3074" name="Picture 2" descr="F:\Diplom\Защита протокола обмена данных. Олег\Diplom\Картинки\Презентация\smart home.jpg"/>
           <p:cNvPicPr>
             <a:picLocks noChangeAspect="1" noChangeArrowheads="1"/>
           </p:cNvPicPr>
@@ -12362,8 +13130,8 @@
         </p:blipFill>
         <p:spPr bwMode="auto">
           <a:xfrm>
-            <a:off x="1907704" y="1628806"/>
-            <a:ext cx="5269242" cy="3593365"/>
+            <a:off x="274468" y="1124745"/>
+            <a:ext cx="7501539" cy="5544616"/>
           </a:xfrm>
           <a:prstGeom prst="rect">
             <a:avLst/>
@@ -12380,37 +13148,15 @@
           </a:extLst>
         </p:spPr>
       </p:pic>
-      <p:graphicFrame>
-        <p:nvGraphicFramePr>
-          <p:cNvPr id="7" name="Схема 6"/>
-          <p:cNvGraphicFramePr/>
-          <p:nvPr>
-            <p:extLst>
-              <p:ext uri="{D42A27DB-BD31-4B8C-83A1-F6EECF244321}">
-                <p14:modId xmlns:p14="http://schemas.microsoft.com/office/powerpoint/2010/main" val="2331360571"/>
-              </p:ext>
-            </p:extLst>
-          </p:nvPr>
-        </p:nvGraphicFramePr>
-        <p:xfrm>
-          <a:off x="1494325" y="5445224"/>
-          <a:ext cx="6096000" cy="951880"/>
-        </p:xfrm>
-        <a:graphic>
-          <a:graphicData uri="http://schemas.openxmlformats.org/drawingml/2006/diagram">
-            <dgm:relIds xmlns:dgm="http://schemas.openxmlformats.org/drawingml/2006/diagram" xmlns:r="http://schemas.openxmlformats.org/officeDocument/2006/relationships" r:dm="rId4" r:lo="rId5" r:qs="rId6" r:cs="rId7"/>
-          </a:graphicData>
-        </a:graphic>
-      </p:graphicFrame>
     </p:spTree>
     <p:extLst>
       <p:ext uri="{BB962C8B-B14F-4D97-AF65-F5344CB8AC3E}">
-        <p14:creationId xmlns:p14="http://schemas.microsoft.com/office/powerpoint/2010/main" val="475574760"/>
+        <p14:creationId xmlns:p14="http://schemas.microsoft.com/office/powerpoint/2010/main" val="763589962"/>
       </p:ext>
     </p:extLst>
   </p:cSld>
   <p:clrMapOvr>
-    <a:overrideClrMapping bg1="dk1" tx1="lt1" bg2="dk2" tx2="lt2" accent1="accent1" accent2="accent2" accent3="accent3" accent4="accent4" accent5="accent5" accent6="accent6" hlink="hlink" folHlink="folHlink"/>
+    <a:masterClrMapping/>
   </p:clrMapOvr>
   <p:timing>
     <p:tnLst>
@@ -12449,7 +13195,7 @@
       </p:grpSpPr>
       <p:sp>
         <p:nvSpPr>
-          <p:cNvPr id="4" name="Заголовок 3"/>
+          <p:cNvPr id="2" name="Заголовок 1"/>
           <p:cNvSpPr>
             <a:spLocks noGrp="1"/>
           </p:cNvSpPr>
@@ -12459,7 +13205,9 @@
         </p:nvSpPr>
         <p:spPr/>
         <p:txBody>
-          <a:bodyPr/>
+          <a:bodyPr vert="horz" lIns="91440" tIns="45720" rIns="91440" bIns="45720" rtlCol="0" anchor="t">
+            <a:noAutofit/>
+          </a:bodyPr>
           <a:lstStyle/>
           <a:p>
             <a:r>
@@ -12468,7 +13216,7 @@
                   <a:schemeClr val="bg2"/>
                 </a:solidFill>
               </a:rPr>
-              <a:t>Цель и назначение программного продукта</a:t>
+              <a:t>Аппаратная часть системы «Звезда»</a:t>
             </a:r>
             <a:endParaRPr lang="ru-RU" sz="3200" b="1" dirty="0">
               <a:solidFill>
@@ -12478,35 +13226,250 @@
           </a:p>
         </p:txBody>
       </p:sp>
+      <p:pic>
+        <p:nvPicPr>
+          <p:cNvPr id="10" name="Picture 4" descr="F:\Diplom\Защита протокола обмена данных. Олег\Diplom\Картинки\Презентация\modela.png"/>
+          <p:cNvPicPr>
+            <a:picLocks noChangeAspect="1" noChangeArrowheads="1"/>
+          </p:cNvPicPr>
+          <p:nvPr/>
+        </p:nvPicPr>
+        <p:blipFill>
+          <a:blip r:embed="rId3">
+            <a:extLst>
+              <a:ext uri="{28A0092B-C50C-407E-A947-70E740481C1C}">
+                <a14:useLocalDpi xmlns:a14="http://schemas.microsoft.com/office/drawing/2010/main" val="0"/>
+              </a:ext>
+            </a:extLst>
+          </a:blip>
+          <a:srcRect/>
+          <a:stretch>
+            <a:fillRect/>
+          </a:stretch>
+        </p:blipFill>
+        <p:spPr bwMode="auto">
+          <a:xfrm>
+            <a:off x="467544" y="1628806"/>
+            <a:ext cx="5269242" cy="3593365"/>
+          </a:xfrm>
+          <a:prstGeom prst="rect">
+            <a:avLst/>
+          </a:prstGeom>
+          <a:noFill/>
+          <a:extLst>
+            <a:ext uri="{909E8E84-426E-40DD-AFC4-6F175D3DCCD1}">
+              <a14:hiddenFill xmlns:a14="http://schemas.microsoft.com/office/drawing/2010/main">
+                <a:solidFill>
+                  <a:srgbClr val="FFFFFF"/>
+                </a:solidFill>
+              </a14:hiddenFill>
+            </a:ext>
+          </a:extLst>
+        </p:spPr>
+      </p:pic>
       <p:graphicFrame>
         <p:nvGraphicFramePr>
-          <p:cNvPr id="6" name="Объект 5"/>
-          <p:cNvGraphicFramePr>
-            <a:graphicFrameLocks noGrp="1"/>
-          </p:cNvGraphicFramePr>
+          <p:cNvPr id="7" name="Схема 6"/>
+          <p:cNvGraphicFramePr/>
           <p:nvPr>
-            <p:ph idx="1"/>
             <p:extLst>
               <p:ext uri="{D42A27DB-BD31-4B8C-83A1-F6EECF244321}">
-                <p14:modId xmlns:p14="http://schemas.microsoft.com/office/powerpoint/2010/main" val="2287136980"/>
+                <p14:modId xmlns:p14="http://schemas.microsoft.com/office/powerpoint/2010/main" val="2665405261"/>
               </p:ext>
             </p:extLst>
           </p:nvPr>
         </p:nvGraphicFramePr>
         <p:xfrm>
-          <a:off x="827088" y="2052638"/>
-          <a:ext cx="6710362" cy="4195762"/>
+          <a:off x="1494325" y="5445224"/>
+          <a:ext cx="6096000" cy="951880"/>
         </p:xfrm>
         <a:graphic>
           <a:graphicData uri="http://schemas.openxmlformats.org/drawingml/2006/diagram">
-            <dgm:relIds xmlns:dgm="http://schemas.openxmlformats.org/drawingml/2006/diagram" xmlns:r="http://schemas.openxmlformats.org/officeDocument/2006/relationships" r:dm="rId3" r:lo="rId4" r:qs="rId5" r:cs="rId6"/>
+            <dgm:relIds xmlns:dgm="http://schemas.openxmlformats.org/drawingml/2006/diagram" xmlns:r="http://schemas.openxmlformats.org/officeDocument/2006/relationships" r:dm="rId4" r:lo="rId5" r:qs="rId6" r:cs="rId7"/>
           </a:graphicData>
         </a:graphic>
       </p:graphicFrame>
+      <p:sp>
+        <p:nvSpPr>
+          <p:cNvPr id="5" name="Объект 2"/>
+          <p:cNvSpPr>
+            <a:spLocks noGrp="1"/>
+          </p:cNvSpPr>
+          <p:nvPr>
+            <p:ph idx="1"/>
+          </p:nvPr>
+        </p:nvSpPr>
+        <p:spPr>
+          <a:xfrm>
+            <a:off x="5796136" y="2348880"/>
+            <a:ext cx="3168352" cy="2873291"/>
+          </a:xfrm>
+        </p:spPr>
+        <p:txBody>
+          <a:bodyPr>
+            <a:normAutofit/>
+          </a:bodyPr>
+          <a:lstStyle/>
+          <a:p>
+            <a:r>
+              <a:rPr lang="ru-RU" sz="1600" dirty="0" smtClean="0">
+                <a:solidFill>
+                  <a:schemeClr val="bg1"/>
+                </a:solidFill>
+              </a:rPr>
+              <a:t>Процессор </a:t>
+            </a:r>
+            <a:r>
+              <a:rPr lang="en-US" sz="1600" dirty="0" smtClean="0">
+                <a:solidFill>
+                  <a:schemeClr val="bg1"/>
+                </a:solidFill>
+              </a:rPr>
+              <a:t>ARM 11</a:t>
+            </a:r>
+            <a:r>
+              <a:rPr lang="ru-RU" sz="1600" dirty="0" smtClean="0">
+                <a:solidFill>
+                  <a:schemeClr val="bg1"/>
+                </a:solidFill>
+              </a:rPr>
+              <a:t> 700МГц</a:t>
+            </a:r>
+            <a:endParaRPr lang="en-US" sz="1600" dirty="0" smtClean="0">
+              <a:solidFill>
+                <a:schemeClr val="bg1"/>
+              </a:solidFill>
+            </a:endParaRPr>
+          </a:p>
+          <a:p>
+            <a:r>
+              <a:rPr lang="ru-RU" sz="1600" dirty="0">
+                <a:solidFill>
+                  <a:schemeClr val="bg1"/>
+                </a:solidFill>
+              </a:rPr>
+              <a:t>ОЗУ 512Мб</a:t>
+            </a:r>
+            <a:endParaRPr lang="en-US" sz="1600" dirty="0">
+              <a:solidFill>
+                <a:schemeClr val="bg1"/>
+              </a:solidFill>
+            </a:endParaRPr>
+          </a:p>
+          <a:p>
+            <a:r>
+              <a:rPr lang="ru-RU" sz="1600" dirty="0">
+                <a:solidFill>
+                  <a:schemeClr val="bg1"/>
+                </a:solidFill>
+              </a:rPr>
+              <a:t>Сеть </a:t>
+            </a:r>
+            <a:r>
+              <a:rPr lang="en-US" sz="1600" dirty="0">
+                <a:solidFill>
+                  <a:schemeClr val="bg1"/>
+                </a:solidFill>
+              </a:rPr>
+              <a:t>Ethernet</a:t>
+            </a:r>
+            <a:r>
+              <a:rPr lang="ru-RU" sz="1600" dirty="0">
+                <a:solidFill>
+                  <a:schemeClr val="bg1"/>
+                </a:solidFill>
+              </a:rPr>
+              <a:t> </a:t>
+            </a:r>
+            <a:r>
+              <a:rPr lang="ru-RU" sz="1600" dirty="0" smtClean="0">
+                <a:solidFill>
+                  <a:schemeClr val="bg1"/>
+                </a:solidFill>
+              </a:rPr>
+              <a:t>10/100</a:t>
+            </a:r>
+            <a:endParaRPr lang="en-US" sz="1600" dirty="0" smtClean="0">
+              <a:solidFill>
+                <a:schemeClr val="bg1"/>
+              </a:solidFill>
+            </a:endParaRPr>
+          </a:p>
+          <a:p>
+            <a:r>
+              <a:rPr lang="ru-RU" sz="1600" dirty="0" smtClean="0">
+                <a:solidFill>
+                  <a:schemeClr val="bg1"/>
+                </a:solidFill>
+              </a:rPr>
+              <a:t>Два порта </a:t>
+            </a:r>
+            <a:r>
+              <a:rPr lang="en-US" sz="1600" dirty="0" smtClean="0">
+                <a:solidFill>
+                  <a:schemeClr val="bg1"/>
+                </a:solidFill>
+              </a:rPr>
+              <a:t>USB</a:t>
+            </a:r>
+            <a:r>
+              <a:rPr lang="ru-RU" sz="1600" dirty="0" smtClean="0">
+                <a:solidFill>
+                  <a:schemeClr val="bg1"/>
+                </a:solidFill>
+              </a:rPr>
+              <a:t> 2.0</a:t>
+            </a:r>
+            <a:endParaRPr lang="en-US" sz="1600" dirty="0" smtClean="0">
+              <a:solidFill>
+                <a:schemeClr val="bg1"/>
+              </a:solidFill>
+            </a:endParaRPr>
+          </a:p>
+          <a:p>
+            <a:r>
+              <a:rPr lang="ru-RU" sz="1600" dirty="0" smtClean="0">
+                <a:solidFill>
+                  <a:schemeClr val="bg1"/>
+                </a:solidFill>
+              </a:rPr>
+              <a:t>Постоянная память </a:t>
+            </a:r>
+            <a:r>
+              <a:rPr lang="en-US" sz="1600" dirty="0" smtClean="0">
+                <a:solidFill>
+                  <a:schemeClr val="bg1"/>
+                </a:solidFill>
+              </a:rPr>
+              <a:t>MMC</a:t>
+            </a:r>
+            <a:endParaRPr lang="en-US" sz="1600" dirty="0" smtClean="0">
+              <a:solidFill>
+                <a:schemeClr val="bg1"/>
+              </a:solidFill>
+            </a:endParaRPr>
+          </a:p>
+          <a:p>
+            <a:r>
+              <a:rPr lang="en-US" sz="1600" dirty="0" smtClean="0">
+                <a:solidFill>
+                  <a:schemeClr val="bg1"/>
+                </a:solidFill>
+              </a:rPr>
+              <a:t>GPIO, JTAG, SPI, I2C, DSI</a:t>
+            </a:r>
+            <a:endParaRPr lang="en-US" sz="1600" dirty="0" smtClean="0">
+              <a:solidFill>
+                <a:schemeClr val="bg1"/>
+              </a:solidFill>
+            </a:endParaRPr>
+          </a:p>
+        </p:txBody>
+      </p:sp>
     </p:spTree>
     <p:extLst>
       <p:ext uri="{BB962C8B-B14F-4D97-AF65-F5344CB8AC3E}">
-        <p14:creationId xmlns:p14="http://schemas.microsoft.com/office/powerpoint/2010/main" val="1934149699"/>
+        <p14:creationId xmlns:p14="http://schemas.microsoft.com/office/powerpoint/2010/main" val="475574760"/>
       </p:ext>
     </p:extLst>
   </p:cSld>
@@ -12550,7 +13513,7 @@
       </p:grpSpPr>
       <p:sp>
         <p:nvSpPr>
-          <p:cNvPr id="2" name="Заголовок 1"/>
+          <p:cNvPr id="4" name="Заголовок 3"/>
           <p:cNvSpPr>
             <a:spLocks noGrp="1"/>
           </p:cNvSpPr>
@@ -12560,9 +13523,7 @@
         </p:nvSpPr>
         <p:spPr/>
         <p:txBody>
-          <a:bodyPr vert="horz" lIns="91440" tIns="45720" rIns="91440" bIns="45720" rtlCol="0" anchor="t">
-            <a:noAutofit/>
-          </a:bodyPr>
+          <a:bodyPr/>
           <a:lstStyle/>
           <a:p>
             <a:r>
@@ -12571,7 +13532,7 @@
                   <a:schemeClr val="bg2"/>
                 </a:solidFill>
               </a:rPr>
-              <a:t>Выбор алгоритма шифрования</a:t>
+              <a:t>Цель и назначение программного продукта</a:t>
             </a:r>
             <a:endParaRPr lang="ru-RU" sz="3200" b="1" dirty="0">
               <a:solidFill>
@@ -12581,33 +13542,76 @@
           </a:p>
         </p:txBody>
       </p:sp>
-      <p:sp>
-        <p:nvSpPr>
-          <p:cNvPr id="3" name="Объект 2"/>
-          <p:cNvSpPr>
-            <a:spLocks noGrp="1"/>
-          </p:cNvSpPr>
+      <p:graphicFrame>
+        <p:nvGraphicFramePr>
+          <p:cNvPr id="6" name="Объект 5"/>
+          <p:cNvGraphicFramePr>
+            <a:graphicFrameLocks noGrp="1"/>
+          </p:cNvGraphicFramePr>
           <p:nvPr>
             <p:ph idx="1"/>
+            <p:extLst>
+              <p:ext uri="{D42A27DB-BD31-4B8C-83A1-F6EECF244321}">
+                <p14:modId xmlns:p14="http://schemas.microsoft.com/office/powerpoint/2010/main" val="1251476949"/>
+              </p:ext>
+            </p:extLst>
           </p:nvPr>
-        </p:nvSpPr>
-        <p:spPr/>
-        <p:txBody>
-          <a:bodyPr/>
-          <a:lstStyle/>
-          <a:p>
-            <a:endParaRPr lang="ru-RU" dirty="0">
-              <a:solidFill>
-                <a:schemeClr val="bg1"/>
-              </a:solidFill>
-            </a:endParaRPr>
-          </a:p>
-        </p:txBody>
-      </p:sp>
+        </p:nvGraphicFramePr>
+        <p:xfrm>
+          <a:off x="467544" y="2132856"/>
+          <a:ext cx="6710362" cy="4195762"/>
+        </p:xfrm>
+        <a:graphic>
+          <a:graphicData uri="http://schemas.openxmlformats.org/drawingml/2006/diagram">
+            <dgm:relIds xmlns:dgm="http://schemas.openxmlformats.org/drawingml/2006/diagram" xmlns:r="http://schemas.openxmlformats.org/officeDocument/2006/relationships" r:dm="rId3" r:lo="rId4" r:qs="rId5" r:cs="rId6"/>
+          </a:graphicData>
+        </a:graphic>
+      </p:graphicFrame>
+      <p:pic>
+        <p:nvPicPr>
+          <p:cNvPr id="5122" name="Picture 2" descr="F:\Diplom\Защита протокола обмена данных. Олег\Diplom\Картинки\Презентация\protocol.png"/>
+          <p:cNvPicPr>
+            <a:picLocks noChangeAspect="1" noChangeArrowheads="1"/>
+          </p:cNvPicPr>
+          <p:nvPr/>
+        </p:nvPicPr>
+        <p:blipFill>
+          <a:blip r:embed="rId8" cstate="print">
+            <a:extLst>
+              <a:ext uri="{28A0092B-C50C-407E-A947-70E740481C1C}">
+                <a14:useLocalDpi xmlns:a14="http://schemas.microsoft.com/office/drawing/2010/main" val="0"/>
+              </a:ext>
+            </a:extLst>
+          </a:blip>
+          <a:srcRect/>
+          <a:stretch>
+            <a:fillRect/>
+          </a:stretch>
+        </p:blipFill>
+        <p:spPr bwMode="auto">
+          <a:xfrm>
+            <a:off x="4932040" y="-11154"/>
+            <a:ext cx="3793867" cy="3280904"/>
+          </a:xfrm>
+          <a:prstGeom prst="rect">
+            <a:avLst/>
+          </a:prstGeom>
+          <a:noFill/>
+          <a:extLst>
+            <a:ext uri="{909E8E84-426E-40DD-AFC4-6F175D3DCCD1}">
+              <a14:hiddenFill xmlns:a14="http://schemas.microsoft.com/office/drawing/2010/main">
+                <a:solidFill>
+                  <a:srgbClr val="FFFFFF"/>
+                </a:solidFill>
+              </a14:hiddenFill>
+            </a:ext>
+          </a:extLst>
+        </p:spPr>
+      </p:pic>
     </p:spTree>
     <p:extLst>
       <p:ext uri="{BB962C8B-B14F-4D97-AF65-F5344CB8AC3E}">
-        <p14:creationId xmlns:p14="http://schemas.microsoft.com/office/powerpoint/2010/main" val="11068103"/>
+        <p14:creationId xmlns:p14="http://schemas.microsoft.com/office/powerpoint/2010/main" val="1934149699"/>
       </p:ext>
     </p:extLst>
   </p:cSld>
@@ -12625,7 +13629,7 @@
 </file>
 
 <file path=ppt/slides/slide5.xml><?xml version="1.0" encoding="utf-8"?>
-<p:sld xmlns:a="http://schemas.openxmlformats.org/drawingml/2006/main" xmlns:r="http://schemas.openxmlformats.org/officeDocument/2006/relationships" xmlns:p="http://schemas.openxmlformats.org/presentationml/2006/main">
+<p:sld xmlns:a="http://schemas.openxmlformats.org/drawingml/2006/main" xmlns:r="http://schemas.openxmlformats.org/officeDocument/2006/relationships" xmlns:p="http://schemas.openxmlformats.org/presentationml/2006/main" showMasterSp="0">
   <p:cSld>
     <p:bg>
       <p:bgPr>
@@ -12672,7 +13676,7 @@
                   <a:schemeClr val="bg2"/>
                 </a:solidFill>
               </a:rPr>
-              <a:t>Разработка программного продукта</a:t>
+              <a:t>Выбор алгоритма шифрования</a:t>
             </a:r>
             <a:endParaRPr lang="ru-RU" sz="3200" b="1" dirty="0">
               <a:solidFill>
@@ -12682,9 +13686,1627 @@
           </a:p>
         </p:txBody>
       </p:sp>
+      <p:graphicFrame>
+        <p:nvGraphicFramePr>
+          <p:cNvPr id="5" name="Таблица 4"/>
+          <p:cNvGraphicFramePr>
+            <a:graphicFrameLocks noGrp="1"/>
+          </p:cNvGraphicFramePr>
+          <p:nvPr>
+            <p:extLst>
+              <p:ext uri="{D42A27DB-BD31-4B8C-83A1-F6EECF244321}">
+                <p14:modId xmlns:p14="http://schemas.microsoft.com/office/powerpoint/2010/main" val="3823735497"/>
+              </p:ext>
+            </p:extLst>
+          </p:nvPr>
+        </p:nvGraphicFramePr>
+        <p:xfrm>
+          <a:off x="539552" y="1556793"/>
+          <a:ext cx="8064897" cy="1840060"/>
+        </p:xfrm>
+        <a:graphic>
+          <a:graphicData uri="http://schemas.openxmlformats.org/drawingml/2006/table">
+            <a:tbl>
+              <a:tblPr firstRow="1" firstCol="1" bandRow="1">
+                <a:tableStyleId>{5C22544A-7EE6-4342-B048-85BDC9FD1C3A}</a:tableStyleId>
+              </a:tblPr>
+              <a:tblGrid>
+                <a:gridCol w="1440160"/>
+                <a:gridCol w="864096"/>
+                <a:gridCol w="2736304"/>
+                <a:gridCol w="3024337"/>
+              </a:tblGrid>
+              <a:tr h="408414">
+                <a:tc>
+                  <a:txBody>
+                    <a:bodyPr/>
+                    <a:lstStyle/>
+                    <a:p>
+                      <a:pPr algn="ctr">
+                        <a:lnSpc>
+                          <a:spcPct val="115000"/>
+                        </a:lnSpc>
+                        <a:spcAft>
+                          <a:spcPts val="0"/>
+                        </a:spcAft>
+                      </a:pPr>
+                      <a:r>
+                        <a:rPr lang="ru-RU" sz="1200" dirty="0">
+                          <a:effectLst/>
+                        </a:rPr>
+                        <a:t>Алгоритм</a:t>
+                      </a:r>
+                      <a:endParaRPr lang="ru-RU" sz="1200" dirty="0">
+                        <a:effectLst/>
+                        <a:latin typeface="Calibri"/>
+                        <a:ea typeface="Calibri"/>
+                        <a:cs typeface="Times New Roman"/>
+                      </a:endParaRPr>
+                    </a:p>
+                  </a:txBody>
+                  <a:tcPr marL="48864" marR="48864" marT="0" marB="0">
+                    <a:solidFill>
+                      <a:schemeClr val="bg2"/>
+                    </a:solidFill>
+                  </a:tcPr>
+                </a:tc>
+                <a:tc>
+                  <a:txBody>
+                    <a:bodyPr/>
+                    <a:lstStyle/>
+                    <a:p>
+                      <a:pPr algn="ctr">
+                        <a:lnSpc>
+                          <a:spcPct val="115000"/>
+                        </a:lnSpc>
+                        <a:spcAft>
+                          <a:spcPts val="0"/>
+                        </a:spcAft>
+                      </a:pPr>
+                      <a:r>
+                        <a:rPr lang="ru-RU" sz="1200" dirty="0">
+                          <a:effectLst/>
+                        </a:rPr>
+                        <a:t>Длина ключа</a:t>
+                      </a:r>
+                      <a:endParaRPr lang="ru-RU" sz="1200" dirty="0">
+                        <a:effectLst/>
+                        <a:latin typeface="Calibri"/>
+                        <a:ea typeface="Calibri"/>
+                        <a:cs typeface="Times New Roman"/>
+                      </a:endParaRPr>
+                    </a:p>
+                  </a:txBody>
+                  <a:tcPr marL="48864" marR="48864" marT="0" marB="0">
+                    <a:solidFill>
+                      <a:schemeClr val="bg2"/>
+                    </a:solidFill>
+                  </a:tcPr>
+                </a:tc>
+                <a:tc>
+                  <a:txBody>
+                    <a:bodyPr/>
+                    <a:lstStyle/>
+                    <a:p>
+                      <a:pPr algn="ctr">
+                        <a:lnSpc>
+                          <a:spcPct val="115000"/>
+                        </a:lnSpc>
+                        <a:spcAft>
+                          <a:spcPts val="0"/>
+                        </a:spcAft>
+                      </a:pPr>
+                      <a:r>
+                        <a:rPr lang="ru-RU" sz="1200" dirty="0">
+                          <a:effectLst/>
+                        </a:rPr>
+                        <a:t>Метод взлома</a:t>
+                      </a:r>
+                      <a:br>
+                        <a:rPr lang="ru-RU" sz="1200" dirty="0">
+                          <a:effectLst/>
+                        </a:rPr>
+                      </a:br>
+                      <a:r>
+                        <a:rPr lang="ru-RU" sz="1200" dirty="0">
+                          <a:effectLst/>
+                        </a:rPr>
+                        <a:t>(мат. проблема)</a:t>
+                      </a:r>
+                      <a:endParaRPr lang="ru-RU" sz="1200" dirty="0">
+                        <a:effectLst/>
+                        <a:latin typeface="Calibri"/>
+                        <a:ea typeface="Calibri"/>
+                        <a:cs typeface="Times New Roman"/>
+                      </a:endParaRPr>
+                    </a:p>
+                  </a:txBody>
+                  <a:tcPr marL="48864" marR="48864" marT="0" marB="0">
+                    <a:solidFill>
+                      <a:schemeClr val="bg2"/>
+                    </a:solidFill>
+                  </a:tcPr>
+                </a:tc>
+                <a:tc>
+                  <a:txBody>
+                    <a:bodyPr/>
+                    <a:lstStyle/>
+                    <a:p>
+                      <a:pPr algn="ctr">
+                        <a:lnSpc>
+                          <a:spcPct val="115000"/>
+                        </a:lnSpc>
+                        <a:spcAft>
+                          <a:spcPts val="0"/>
+                        </a:spcAft>
+                      </a:pPr>
+                      <a:r>
+                        <a:rPr lang="ru-RU" sz="1200" dirty="0" err="1">
+                          <a:effectLst/>
+                        </a:rPr>
+                        <a:t>Криптостойкость</a:t>
+                      </a:r>
+                      <a:r>
+                        <a:rPr lang="ru-RU" sz="1200" dirty="0">
+                          <a:effectLst/>
+                        </a:rPr>
+                        <a:t>, MIPS</a:t>
+                      </a:r>
+                      <a:endParaRPr lang="ru-RU" sz="1200" dirty="0">
+                        <a:effectLst/>
+                        <a:latin typeface="Calibri"/>
+                        <a:ea typeface="Calibri"/>
+                        <a:cs typeface="Times New Roman"/>
+                      </a:endParaRPr>
+                    </a:p>
+                  </a:txBody>
+                  <a:tcPr marL="48864" marR="48864" marT="0" marB="0">
+                    <a:solidFill>
+                      <a:schemeClr val="bg2"/>
+                    </a:solidFill>
+                  </a:tcPr>
+                </a:tc>
+              </a:tr>
+              <a:tr h="408414">
+                <a:tc>
+                  <a:txBody>
+                    <a:bodyPr/>
+                    <a:lstStyle/>
+                    <a:p>
+                      <a:pPr algn="ctr">
+                        <a:lnSpc>
+                          <a:spcPct val="115000"/>
+                        </a:lnSpc>
+                        <a:spcAft>
+                          <a:spcPts val="0"/>
+                        </a:spcAft>
+                      </a:pPr>
+                      <a:r>
+                        <a:rPr lang="ru-RU" sz="1200" dirty="0">
+                          <a:effectLst/>
+                        </a:rPr>
+                        <a:t>RSA</a:t>
+                      </a:r>
+                      <a:endParaRPr lang="ru-RU" sz="1200" dirty="0">
+                        <a:effectLst/>
+                        <a:latin typeface="Calibri"/>
+                        <a:ea typeface="Calibri"/>
+                        <a:cs typeface="Times New Roman"/>
+                      </a:endParaRPr>
+                    </a:p>
+                  </a:txBody>
+                  <a:tcPr marL="48864" marR="48864" marT="0" marB="0">
+                    <a:solidFill>
+                      <a:schemeClr val="bg2"/>
+                    </a:solidFill>
+                  </a:tcPr>
+                </a:tc>
+                <a:tc>
+                  <a:txBody>
+                    <a:bodyPr/>
+                    <a:lstStyle/>
+                    <a:p>
+                      <a:pPr algn="ctr">
+                        <a:lnSpc>
+                          <a:spcPct val="115000"/>
+                        </a:lnSpc>
+                        <a:spcAft>
+                          <a:spcPts val="0"/>
+                        </a:spcAft>
+                      </a:pPr>
+                      <a:r>
+                        <a:rPr lang="ru-RU" sz="1200">
+                          <a:effectLst/>
+                        </a:rPr>
+                        <a:t>430 760 1024 1620</a:t>
+                      </a:r>
+                      <a:endParaRPr lang="ru-RU" sz="1200">
+                        <a:effectLst/>
+                        <a:latin typeface="Calibri"/>
+                        <a:ea typeface="Calibri"/>
+                        <a:cs typeface="Times New Roman"/>
+                      </a:endParaRPr>
+                    </a:p>
+                  </a:txBody>
+                  <a:tcPr marL="48864" marR="48864" marT="0" marB="0"/>
+                </a:tc>
+                <a:tc>
+                  <a:txBody>
+                    <a:bodyPr/>
+                    <a:lstStyle/>
+                    <a:p>
+                      <a:pPr algn="l">
+                        <a:lnSpc>
+                          <a:spcPct val="115000"/>
+                        </a:lnSpc>
+                        <a:spcAft>
+                          <a:spcPts val="0"/>
+                        </a:spcAft>
+                      </a:pPr>
+                      <a:r>
+                        <a:rPr lang="ru-RU" sz="1200" dirty="0">
+                          <a:effectLst/>
+                        </a:rPr>
+                        <a:t>факторизация больших простых чисел</a:t>
+                      </a:r>
+                      <a:endParaRPr lang="ru-RU" sz="1200" dirty="0">
+                        <a:effectLst/>
+                        <a:latin typeface="Calibri"/>
+                        <a:ea typeface="Calibri"/>
+                        <a:cs typeface="Times New Roman"/>
+                      </a:endParaRPr>
+                    </a:p>
+                  </a:txBody>
+                  <a:tcPr marL="48864" marR="48864" marT="0" marB="0"/>
+                </a:tc>
+                <a:tc>
+                  <a:txBody>
+                    <a:bodyPr/>
+                    <a:lstStyle/>
+                    <a:p>
+                      <a:pPr algn="l">
+                        <a:lnSpc>
+                          <a:spcPct val="115000"/>
+                        </a:lnSpc>
+                        <a:spcAft>
+                          <a:spcPts val="0"/>
+                        </a:spcAft>
+                      </a:pPr>
+                      <a:r>
+                        <a:rPr lang="ru-RU" sz="1200" dirty="0">
+                          <a:effectLst/>
+                        </a:rPr>
+                        <a:t>2,7•1028 для ключа 1300 бит</a:t>
+                      </a:r>
+                      <a:endParaRPr lang="ru-RU" sz="1200" dirty="0">
+                        <a:effectLst/>
+                        <a:latin typeface="Calibri"/>
+                        <a:ea typeface="Calibri"/>
+                        <a:cs typeface="Times New Roman"/>
+                      </a:endParaRPr>
+                    </a:p>
+                  </a:txBody>
+                  <a:tcPr marL="48864" marR="48864" marT="0" marB="0"/>
+                </a:tc>
+              </a:tr>
+              <a:tr h="483376">
+                <a:tc>
+                  <a:txBody>
+                    <a:bodyPr/>
+                    <a:lstStyle/>
+                    <a:p>
+                      <a:pPr algn="ctr">
+                        <a:lnSpc>
+                          <a:spcPct val="115000"/>
+                        </a:lnSpc>
+                        <a:spcAft>
+                          <a:spcPts val="0"/>
+                        </a:spcAft>
+                      </a:pPr>
+                      <a:r>
+                        <a:rPr lang="ru-RU" sz="1200" dirty="0" err="1">
+                          <a:effectLst/>
+                        </a:rPr>
+                        <a:t>El-Gamal</a:t>
+                      </a:r>
+                      <a:r>
+                        <a:rPr lang="ru-RU" sz="1200" dirty="0">
+                          <a:effectLst/>
+                        </a:rPr>
+                        <a:t/>
+                      </a:r>
+                      <a:br>
+                        <a:rPr lang="ru-RU" sz="1200" dirty="0">
+                          <a:effectLst/>
+                        </a:rPr>
+                      </a:br>
+                      <a:r>
+                        <a:rPr lang="ru-RU" sz="1200" dirty="0">
+                          <a:effectLst/>
+                        </a:rPr>
+                        <a:t>(Эль-</a:t>
+                      </a:r>
+                      <a:r>
+                        <a:rPr lang="ru-RU" sz="1200" dirty="0" err="1">
+                          <a:effectLst/>
+                        </a:rPr>
+                        <a:t>Гамаль</a:t>
+                      </a:r>
+                      <a:r>
+                        <a:rPr lang="ru-RU" sz="1200" dirty="0">
+                          <a:effectLst/>
+                        </a:rPr>
+                        <a:t>)</a:t>
+                      </a:r>
+                      <a:endParaRPr lang="ru-RU" sz="1200" dirty="0">
+                        <a:effectLst/>
+                        <a:latin typeface="Calibri"/>
+                        <a:ea typeface="Calibri"/>
+                        <a:cs typeface="Times New Roman"/>
+                      </a:endParaRPr>
+                    </a:p>
+                  </a:txBody>
+                  <a:tcPr marL="48864" marR="48864" marT="0" marB="0">
+                    <a:solidFill>
+                      <a:schemeClr val="bg2"/>
+                    </a:solidFill>
+                  </a:tcPr>
+                </a:tc>
+                <a:tc>
+                  <a:txBody>
+                    <a:bodyPr/>
+                    <a:lstStyle/>
+                    <a:p>
+                      <a:pPr algn="ctr">
+                        <a:lnSpc>
+                          <a:spcPct val="115000"/>
+                        </a:lnSpc>
+                        <a:spcAft>
+                          <a:spcPts val="0"/>
+                        </a:spcAft>
+                      </a:pPr>
+                      <a:r>
+                        <a:rPr lang="ru-RU" sz="1200" dirty="0">
+                          <a:effectLst/>
+                        </a:rPr>
+                        <a:t> </a:t>
+                      </a:r>
+                      <a:endParaRPr lang="ru-RU" sz="1200" dirty="0">
+                        <a:effectLst/>
+                        <a:latin typeface="Calibri"/>
+                        <a:ea typeface="Calibri"/>
+                        <a:cs typeface="Times New Roman"/>
+                      </a:endParaRPr>
+                    </a:p>
+                  </a:txBody>
+                  <a:tcPr marL="48864" marR="48864" marT="0" marB="0"/>
+                </a:tc>
+                <a:tc>
+                  <a:txBody>
+                    <a:bodyPr/>
+                    <a:lstStyle/>
+                    <a:p>
+                      <a:pPr algn="l">
+                        <a:lnSpc>
+                          <a:spcPct val="115000"/>
+                        </a:lnSpc>
+                        <a:spcAft>
+                          <a:spcPts val="0"/>
+                        </a:spcAft>
+                      </a:pPr>
+                      <a:r>
+                        <a:rPr lang="ru-RU" sz="1200">
+                          <a:effectLst/>
+                        </a:rPr>
+                        <a:t>нахождение дискретного логарифма в конечном поле</a:t>
+                      </a:r>
+                      <a:endParaRPr lang="ru-RU" sz="1200">
+                        <a:effectLst/>
+                        <a:latin typeface="Calibri"/>
+                        <a:ea typeface="Calibri"/>
+                        <a:cs typeface="Times New Roman"/>
+                      </a:endParaRPr>
+                    </a:p>
+                  </a:txBody>
+                  <a:tcPr marL="48864" marR="48864" marT="0" marB="0"/>
+                </a:tc>
+                <a:tc>
+                  <a:txBody>
+                    <a:bodyPr/>
+                    <a:lstStyle/>
+                    <a:p>
+                      <a:pPr algn="l">
+                        <a:lnSpc>
+                          <a:spcPct val="115000"/>
+                        </a:lnSpc>
+                        <a:spcAft>
+                          <a:spcPts val="0"/>
+                        </a:spcAft>
+                      </a:pPr>
+                      <a:r>
+                        <a:rPr lang="ru-RU" sz="1200" dirty="0">
+                          <a:effectLst/>
+                        </a:rPr>
+                        <a:t>при одинаковой длине ключа </a:t>
+                      </a:r>
+                      <a:r>
+                        <a:rPr lang="ru-RU" sz="1200" dirty="0" err="1">
+                          <a:effectLst/>
+                        </a:rPr>
+                        <a:t>криптостойкость</a:t>
+                      </a:r>
+                      <a:r>
+                        <a:rPr lang="ru-RU" sz="1200" dirty="0">
+                          <a:effectLst/>
+                        </a:rPr>
+                        <a:t> равная RSA</a:t>
+                      </a:r>
+                      <a:endParaRPr lang="ru-RU" sz="1200" dirty="0">
+                        <a:effectLst/>
+                        <a:latin typeface="Calibri"/>
+                        <a:ea typeface="Calibri"/>
+                        <a:cs typeface="Times New Roman"/>
+                      </a:endParaRPr>
+                    </a:p>
+                  </a:txBody>
+                  <a:tcPr marL="48864" marR="48864" marT="0" marB="0"/>
+                </a:tc>
+              </a:tr>
+              <a:tr h="515436">
+                <a:tc>
+                  <a:txBody>
+                    <a:bodyPr/>
+                    <a:lstStyle/>
+                    <a:p>
+                      <a:pPr algn="ctr">
+                        <a:lnSpc>
+                          <a:spcPct val="115000"/>
+                        </a:lnSpc>
+                        <a:spcAft>
+                          <a:spcPts val="0"/>
+                        </a:spcAft>
+                      </a:pPr>
+                      <a:r>
+                        <a:rPr lang="ru-RU" sz="1200" dirty="0">
+                          <a:effectLst/>
+                        </a:rPr>
+                        <a:t>Эллиптические уравнения ECC</a:t>
+                      </a:r>
+                      <a:endParaRPr lang="ru-RU" sz="1200" dirty="0">
+                        <a:effectLst/>
+                        <a:latin typeface="Calibri"/>
+                        <a:ea typeface="Calibri"/>
+                        <a:cs typeface="Times New Roman"/>
+                      </a:endParaRPr>
+                    </a:p>
+                  </a:txBody>
+                  <a:tcPr marL="48864" marR="48864" marT="0" marB="0">
+                    <a:solidFill>
+                      <a:schemeClr val="bg2"/>
+                    </a:solidFill>
+                  </a:tcPr>
+                </a:tc>
+                <a:tc>
+                  <a:txBody>
+                    <a:bodyPr/>
+                    <a:lstStyle/>
+                    <a:p>
+                      <a:pPr algn="ctr">
+                        <a:lnSpc>
+                          <a:spcPct val="115000"/>
+                        </a:lnSpc>
+                        <a:spcAft>
+                          <a:spcPts val="0"/>
+                        </a:spcAft>
+                      </a:pPr>
+                      <a:r>
+                        <a:rPr lang="ru-RU" sz="1200" dirty="0">
+                          <a:effectLst/>
+                        </a:rPr>
+                        <a:t>112 160 192 256</a:t>
+                      </a:r>
+                      <a:endParaRPr lang="ru-RU" sz="1200" dirty="0">
+                        <a:effectLst/>
+                        <a:latin typeface="Calibri"/>
+                        <a:ea typeface="Calibri"/>
+                        <a:cs typeface="Times New Roman"/>
+                      </a:endParaRPr>
+                    </a:p>
+                  </a:txBody>
+                  <a:tcPr marL="48864" marR="48864" marT="0" marB="0"/>
+                </a:tc>
+                <a:tc>
+                  <a:txBody>
+                    <a:bodyPr/>
+                    <a:lstStyle/>
+                    <a:p>
+                      <a:pPr algn="l">
+                        <a:lnSpc>
+                          <a:spcPct val="115000"/>
+                        </a:lnSpc>
+                        <a:spcAft>
+                          <a:spcPts val="0"/>
+                        </a:spcAft>
+                      </a:pPr>
+                      <a:r>
+                        <a:rPr lang="ru-RU" sz="1200" dirty="0">
+                          <a:effectLst/>
+                        </a:rPr>
+                        <a:t>решение эллиптических уравнений</a:t>
+                      </a:r>
+                      <a:endParaRPr lang="ru-RU" sz="1200" dirty="0">
+                        <a:effectLst/>
+                        <a:latin typeface="Calibri"/>
+                        <a:ea typeface="Calibri"/>
+                        <a:cs typeface="Times New Roman"/>
+                      </a:endParaRPr>
+                    </a:p>
+                  </a:txBody>
+                  <a:tcPr marL="48864" marR="48864" marT="0" marB="0"/>
+                </a:tc>
+                <a:tc>
+                  <a:txBody>
+                    <a:bodyPr/>
+                    <a:lstStyle/>
+                    <a:p>
+                      <a:pPr algn="l">
+                        <a:lnSpc>
+                          <a:spcPct val="115000"/>
+                        </a:lnSpc>
+                        <a:spcAft>
+                          <a:spcPts val="0"/>
+                        </a:spcAft>
+                      </a:pPr>
+                      <a:r>
+                        <a:rPr lang="ru-RU" sz="1200" dirty="0" smtClean="0">
+                          <a:effectLst/>
+                        </a:rPr>
+                        <a:t>выше</a:t>
+                      </a:r>
+                      <a:r>
+                        <a:rPr lang="ru-RU" sz="1200" dirty="0">
+                          <a:effectLst/>
+                        </a:rPr>
+                        <a:t>, чем у RSA</a:t>
+                      </a:r>
+                      <a:endParaRPr lang="ru-RU" sz="1200" dirty="0">
+                        <a:effectLst/>
+                        <a:latin typeface="Calibri"/>
+                        <a:ea typeface="Calibri"/>
+                        <a:cs typeface="Times New Roman"/>
+                      </a:endParaRPr>
+                    </a:p>
+                  </a:txBody>
+                  <a:tcPr marL="48864" marR="48864" marT="0" marB="0"/>
+                </a:tc>
+              </a:tr>
+            </a:tbl>
+          </a:graphicData>
+        </a:graphic>
+      </p:graphicFrame>
+      <p:graphicFrame>
+        <p:nvGraphicFramePr>
+          <p:cNvPr id="7" name="Таблица 6"/>
+          <p:cNvGraphicFramePr>
+            <a:graphicFrameLocks noGrp="1"/>
+          </p:cNvGraphicFramePr>
+          <p:nvPr>
+            <p:extLst>
+              <p:ext uri="{D42A27DB-BD31-4B8C-83A1-F6EECF244321}">
+                <p14:modId xmlns:p14="http://schemas.microsoft.com/office/powerpoint/2010/main" val="3956493837"/>
+              </p:ext>
+            </p:extLst>
+          </p:nvPr>
+        </p:nvGraphicFramePr>
+        <p:xfrm>
+          <a:off x="579470" y="4067751"/>
+          <a:ext cx="8064896" cy="1809521"/>
+        </p:xfrm>
+        <a:graphic>
+          <a:graphicData uri="http://schemas.openxmlformats.org/drawingml/2006/table">
+            <a:tbl>
+              <a:tblPr firstRow="1" firstCol="1" bandRow="1">
+                <a:tableStyleId>{5C22544A-7EE6-4342-B048-85BDC9FD1C3A}</a:tableStyleId>
+              </a:tblPr>
+              <a:tblGrid>
+                <a:gridCol w="1440160"/>
+                <a:gridCol w="2131044"/>
+                <a:gridCol w="1677590"/>
+                <a:gridCol w="2816102"/>
+              </a:tblGrid>
+              <a:tr h="288032">
+                <a:tc>
+                  <a:txBody>
+                    <a:bodyPr/>
+                    <a:lstStyle/>
+                    <a:p>
+                      <a:pPr algn="ctr">
+                        <a:lnSpc>
+                          <a:spcPct val="115000"/>
+                        </a:lnSpc>
+                        <a:spcAft>
+                          <a:spcPts val="0"/>
+                        </a:spcAft>
+                      </a:pPr>
+                      <a:r>
+                        <a:rPr lang="ru-RU" sz="1200" dirty="0">
+                          <a:effectLst/>
+                        </a:rPr>
+                        <a:t>Алгоритм</a:t>
+                      </a:r>
+                      <a:endParaRPr lang="ru-RU" sz="1200" dirty="0">
+                        <a:effectLst/>
+                        <a:latin typeface="Calibri"/>
+                        <a:ea typeface="Calibri"/>
+                        <a:cs typeface="Times New Roman"/>
+                      </a:endParaRPr>
+                    </a:p>
+                  </a:txBody>
+                  <a:tcPr marL="68580" marR="68580" marT="0" marB="0">
+                    <a:solidFill>
+                      <a:schemeClr val="bg2"/>
+                    </a:solidFill>
+                  </a:tcPr>
+                </a:tc>
+                <a:tc>
+                  <a:txBody>
+                    <a:bodyPr/>
+                    <a:lstStyle/>
+                    <a:p>
+                      <a:pPr algn="ctr">
+                        <a:lnSpc>
+                          <a:spcPct val="115000"/>
+                        </a:lnSpc>
+                        <a:spcAft>
+                          <a:spcPts val="0"/>
+                        </a:spcAft>
+                      </a:pPr>
+                      <a:r>
+                        <a:rPr lang="ru-RU" sz="1200" dirty="0">
+                          <a:effectLst/>
+                        </a:rPr>
+                        <a:t>Длина ключа, бит</a:t>
+                      </a:r>
+                      <a:endParaRPr lang="ru-RU" sz="1200" dirty="0">
+                        <a:effectLst/>
+                        <a:latin typeface="Calibri"/>
+                        <a:ea typeface="Calibri"/>
+                        <a:cs typeface="Times New Roman"/>
+                      </a:endParaRPr>
+                    </a:p>
+                  </a:txBody>
+                  <a:tcPr marL="68580" marR="68580" marT="0" marB="0">
+                    <a:solidFill>
+                      <a:schemeClr val="bg2"/>
+                    </a:solidFill>
+                  </a:tcPr>
+                </a:tc>
+                <a:tc>
+                  <a:txBody>
+                    <a:bodyPr/>
+                    <a:lstStyle/>
+                    <a:p>
+                      <a:pPr algn="ctr">
+                        <a:lnSpc>
+                          <a:spcPct val="115000"/>
+                        </a:lnSpc>
+                        <a:spcAft>
+                          <a:spcPts val="0"/>
+                        </a:spcAft>
+                      </a:pPr>
+                      <a:r>
+                        <a:rPr lang="ru-RU" sz="1200" dirty="0">
+                          <a:effectLst/>
+                        </a:rPr>
+                        <a:t>Размер блока, бит</a:t>
+                      </a:r>
+                      <a:endParaRPr lang="ru-RU" sz="1200" dirty="0">
+                        <a:effectLst/>
+                        <a:latin typeface="Calibri"/>
+                        <a:ea typeface="Calibri"/>
+                        <a:cs typeface="Times New Roman"/>
+                      </a:endParaRPr>
+                    </a:p>
+                  </a:txBody>
+                  <a:tcPr marL="68580" marR="68580" marT="0" marB="0">
+                    <a:solidFill>
+                      <a:schemeClr val="bg2"/>
+                    </a:solidFill>
+                  </a:tcPr>
+                </a:tc>
+                <a:tc>
+                  <a:txBody>
+                    <a:bodyPr/>
+                    <a:lstStyle/>
+                    <a:p>
+                      <a:pPr algn="ctr">
+                        <a:lnSpc>
+                          <a:spcPct val="115000"/>
+                        </a:lnSpc>
+                        <a:spcAft>
+                          <a:spcPts val="0"/>
+                        </a:spcAft>
+                      </a:pPr>
+                      <a:r>
+                        <a:rPr lang="ru-RU" sz="1200" dirty="0">
+                          <a:effectLst/>
+                        </a:rPr>
+                        <a:t>Затраты на подбор ключа, MIPS</a:t>
+                      </a:r>
+                      <a:endParaRPr lang="ru-RU" sz="1200" dirty="0">
+                        <a:effectLst/>
+                        <a:latin typeface="Calibri"/>
+                        <a:ea typeface="Calibri"/>
+                        <a:cs typeface="Times New Roman"/>
+                      </a:endParaRPr>
+                    </a:p>
+                  </a:txBody>
+                  <a:tcPr marL="68580" marR="68580" marT="0" marB="0">
+                    <a:solidFill>
+                      <a:schemeClr val="bg2"/>
+                    </a:solidFill>
+                  </a:tcPr>
+                </a:tc>
+              </a:tr>
+              <a:tr h="165008">
+                <a:tc>
+                  <a:txBody>
+                    <a:bodyPr/>
+                    <a:lstStyle/>
+                    <a:p>
+                      <a:pPr algn="ctr">
+                        <a:lnSpc>
+                          <a:spcPct val="115000"/>
+                        </a:lnSpc>
+                        <a:spcAft>
+                          <a:spcPts val="0"/>
+                        </a:spcAft>
+                      </a:pPr>
+                      <a:r>
+                        <a:rPr lang="ru-RU" sz="1200" dirty="0">
+                          <a:effectLst/>
+                        </a:rPr>
+                        <a:t>DES</a:t>
+                      </a:r>
+                      <a:endParaRPr lang="ru-RU" sz="1200" dirty="0">
+                        <a:effectLst/>
+                        <a:latin typeface="Calibri"/>
+                        <a:ea typeface="Calibri"/>
+                        <a:cs typeface="Times New Roman"/>
+                      </a:endParaRPr>
+                    </a:p>
+                  </a:txBody>
+                  <a:tcPr marL="68580" marR="68580" marT="0" marB="0">
+                    <a:solidFill>
+                      <a:schemeClr val="bg2"/>
+                    </a:solidFill>
+                  </a:tcPr>
+                </a:tc>
+                <a:tc>
+                  <a:txBody>
+                    <a:bodyPr/>
+                    <a:lstStyle/>
+                    <a:p>
+                      <a:pPr algn="ctr">
+                        <a:lnSpc>
+                          <a:spcPct val="115000"/>
+                        </a:lnSpc>
+                        <a:spcAft>
+                          <a:spcPts val="0"/>
+                        </a:spcAft>
+                      </a:pPr>
+                      <a:r>
+                        <a:rPr lang="ru-RU" sz="1200" b="0" dirty="0">
+                          <a:effectLst/>
+                        </a:rPr>
+                        <a:t>56</a:t>
+                      </a:r>
+                      <a:endParaRPr lang="ru-RU" sz="1200" b="0" dirty="0">
+                        <a:effectLst/>
+                        <a:latin typeface="Calibri"/>
+                        <a:ea typeface="Calibri"/>
+                        <a:cs typeface="Times New Roman"/>
+                      </a:endParaRPr>
+                    </a:p>
+                  </a:txBody>
+                  <a:tcPr marL="68580" marR="68580" marT="0" marB="0"/>
+                </a:tc>
+                <a:tc>
+                  <a:txBody>
+                    <a:bodyPr/>
+                    <a:lstStyle/>
+                    <a:p>
+                      <a:pPr algn="ctr">
+                        <a:lnSpc>
+                          <a:spcPct val="115000"/>
+                        </a:lnSpc>
+                        <a:spcAft>
+                          <a:spcPts val="0"/>
+                        </a:spcAft>
+                      </a:pPr>
+                      <a:r>
+                        <a:rPr lang="ru-RU" sz="1200" b="0">
+                          <a:effectLst/>
+                        </a:rPr>
+                        <a:t>64</a:t>
+                      </a:r>
+                      <a:endParaRPr lang="ru-RU" sz="1200" b="0">
+                        <a:effectLst/>
+                        <a:latin typeface="Calibri"/>
+                        <a:ea typeface="Calibri"/>
+                        <a:cs typeface="Times New Roman"/>
+                      </a:endParaRPr>
+                    </a:p>
+                  </a:txBody>
+                  <a:tcPr marL="68580" marR="68580" marT="0" marB="0"/>
+                </a:tc>
+                <a:tc>
+                  <a:txBody>
+                    <a:bodyPr/>
+                    <a:lstStyle/>
+                    <a:p>
+                      <a:pPr algn="ctr">
+                        <a:lnSpc>
+                          <a:spcPct val="115000"/>
+                        </a:lnSpc>
+                        <a:spcAft>
+                          <a:spcPts val="0"/>
+                        </a:spcAft>
+                      </a:pPr>
+                      <a:r>
+                        <a:rPr lang="ru-RU" sz="1200" b="0">
+                          <a:effectLst/>
+                        </a:rPr>
+                        <a:t>5 10</a:t>
+                      </a:r>
+                      <a:r>
+                        <a:rPr lang="ru-RU" sz="1200" b="0" baseline="30000">
+                          <a:effectLst/>
+                        </a:rPr>
+                        <a:t>2</a:t>
+                      </a:r>
+                      <a:endParaRPr lang="ru-RU" sz="1200" b="0">
+                        <a:effectLst/>
+                        <a:latin typeface="Calibri"/>
+                        <a:ea typeface="Calibri"/>
+                        <a:cs typeface="Times New Roman"/>
+                      </a:endParaRPr>
+                    </a:p>
+                  </a:txBody>
+                  <a:tcPr marL="68580" marR="68580" marT="0" marB="0"/>
+                </a:tc>
+              </a:tr>
+              <a:tr h="165008">
+                <a:tc>
+                  <a:txBody>
+                    <a:bodyPr/>
+                    <a:lstStyle/>
+                    <a:p>
+                      <a:pPr algn="ctr">
+                        <a:lnSpc>
+                          <a:spcPct val="115000"/>
+                        </a:lnSpc>
+                        <a:spcAft>
+                          <a:spcPts val="0"/>
+                        </a:spcAft>
+                      </a:pPr>
+                      <a:r>
+                        <a:rPr lang="ru-RU" sz="1200" dirty="0" err="1">
+                          <a:effectLst/>
+                        </a:rPr>
+                        <a:t>Triple</a:t>
+                      </a:r>
+                      <a:r>
+                        <a:rPr lang="ru-RU" sz="1200" dirty="0">
+                          <a:effectLst/>
+                        </a:rPr>
+                        <a:t> DES</a:t>
+                      </a:r>
+                      <a:endParaRPr lang="ru-RU" sz="1200" dirty="0">
+                        <a:effectLst/>
+                        <a:latin typeface="Calibri"/>
+                        <a:ea typeface="Calibri"/>
+                        <a:cs typeface="Times New Roman"/>
+                      </a:endParaRPr>
+                    </a:p>
+                  </a:txBody>
+                  <a:tcPr marL="68580" marR="68580" marT="0" marB="0">
+                    <a:solidFill>
+                      <a:schemeClr val="bg2"/>
+                    </a:solidFill>
+                  </a:tcPr>
+                </a:tc>
+                <a:tc>
+                  <a:txBody>
+                    <a:bodyPr/>
+                    <a:lstStyle/>
+                    <a:p>
+                      <a:pPr algn="ctr">
+                        <a:lnSpc>
+                          <a:spcPct val="115000"/>
+                        </a:lnSpc>
+                        <a:spcAft>
+                          <a:spcPts val="0"/>
+                        </a:spcAft>
+                      </a:pPr>
+                      <a:r>
+                        <a:rPr lang="ru-RU" sz="1200" b="0" dirty="0">
+                          <a:effectLst/>
+                        </a:rPr>
+                        <a:t>128 (112)</a:t>
+                      </a:r>
+                      <a:endParaRPr lang="ru-RU" sz="1200" b="0" dirty="0">
+                        <a:effectLst/>
+                        <a:latin typeface="Calibri"/>
+                        <a:ea typeface="Calibri"/>
+                        <a:cs typeface="Times New Roman"/>
+                      </a:endParaRPr>
+                    </a:p>
+                  </a:txBody>
+                  <a:tcPr marL="68580" marR="68580" marT="0" marB="0"/>
+                </a:tc>
+                <a:tc>
+                  <a:txBody>
+                    <a:bodyPr/>
+                    <a:lstStyle/>
+                    <a:p>
+                      <a:pPr algn="ctr">
+                        <a:lnSpc>
+                          <a:spcPct val="115000"/>
+                        </a:lnSpc>
+                        <a:spcAft>
+                          <a:spcPts val="0"/>
+                        </a:spcAft>
+                      </a:pPr>
+                      <a:r>
+                        <a:rPr lang="ru-RU" sz="1200" b="0" dirty="0">
+                          <a:effectLst/>
+                        </a:rPr>
+                        <a:t>64</a:t>
+                      </a:r>
+                      <a:endParaRPr lang="ru-RU" sz="1200" b="0" dirty="0">
+                        <a:effectLst/>
+                        <a:latin typeface="Calibri"/>
+                        <a:ea typeface="Calibri"/>
+                        <a:cs typeface="Times New Roman"/>
+                      </a:endParaRPr>
+                    </a:p>
+                  </a:txBody>
+                  <a:tcPr marL="68580" marR="68580" marT="0" marB="0"/>
+                </a:tc>
+                <a:tc>
+                  <a:txBody>
+                    <a:bodyPr/>
+                    <a:lstStyle/>
+                    <a:p>
+                      <a:pPr algn="ctr">
+                        <a:lnSpc>
+                          <a:spcPct val="115000"/>
+                        </a:lnSpc>
+                        <a:spcAft>
+                          <a:spcPts val="0"/>
+                        </a:spcAft>
+                      </a:pPr>
+                      <a:r>
+                        <a:rPr lang="ru-RU" sz="1200" b="0">
+                          <a:effectLst/>
+                        </a:rPr>
+                        <a:t>10</a:t>
+                      </a:r>
+                      <a:r>
+                        <a:rPr lang="ru-RU" sz="1200" b="0" baseline="30000">
+                          <a:effectLst/>
+                        </a:rPr>
+                        <a:t>18</a:t>
+                      </a:r>
+                      <a:endParaRPr lang="ru-RU" sz="1200" b="0">
+                        <a:effectLst/>
+                        <a:latin typeface="Calibri"/>
+                        <a:ea typeface="Calibri"/>
+                        <a:cs typeface="Times New Roman"/>
+                      </a:endParaRPr>
+                    </a:p>
+                  </a:txBody>
+                  <a:tcPr marL="68580" marR="68580" marT="0" marB="0"/>
+                </a:tc>
+              </a:tr>
+              <a:tr h="165008">
+                <a:tc>
+                  <a:txBody>
+                    <a:bodyPr/>
+                    <a:lstStyle/>
+                    <a:p>
+                      <a:pPr algn="ctr">
+                        <a:lnSpc>
+                          <a:spcPct val="115000"/>
+                        </a:lnSpc>
+                        <a:spcAft>
+                          <a:spcPts val="0"/>
+                        </a:spcAft>
+                      </a:pPr>
+                      <a:r>
+                        <a:rPr lang="ru-RU" sz="1200" dirty="0">
+                          <a:effectLst/>
+                        </a:rPr>
+                        <a:t>IDEA</a:t>
+                      </a:r>
+                      <a:endParaRPr lang="ru-RU" sz="1200" dirty="0">
+                        <a:effectLst/>
+                        <a:latin typeface="Calibri"/>
+                        <a:ea typeface="Calibri"/>
+                        <a:cs typeface="Times New Roman"/>
+                      </a:endParaRPr>
+                    </a:p>
+                  </a:txBody>
+                  <a:tcPr marL="68580" marR="68580" marT="0" marB="0">
+                    <a:solidFill>
+                      <a:schemeClr val="bg2"/>
+                    </a:solidFill>
+                  </a:tcPr>
+                </a:tc>
+                <a:tc>
+                  <a:txBody>
+                    <a:bodyPr/>
+                    <a:lstStyle/>
+                    <a:p>
+                      <a:pPr algn="ctr">
+                        <a:lnSpc>
+                          <a:spcPct val="115000"/>
+                        </a:lnSpc>
+                        <a:spcAft>
+                          <a:spcPts val="0"/>
+                        </a:spcAft>
+                      </a:pPr>
+                      <a:r>
+                        <a:rPr lang="ru-RU" sz="1200" b="0">
+                          <a:effectLst/>
+                        </a:rPr>
+                        <a:t>128</a:t>
+                      </a:r>
+                      <a:endParaRPr lang="ru-RU" sz="1200" b="0">
+                        <a:effectLst/>
+                        <a:latin typeface="Calibri"/>
+                        <a:ea typeface="Calibri"/>
+                        <a:cs typeface="Times New Roman"/>
+                      </a:endParaRPr>
+                    </a:p>
+                  </a:txBody>
+                  <a:tcPr marL="68580" marR="68580" marT="0" marB="0"/>
+                </a:tc>
+                <a:tc>
+                  <a:txBody>
+                    <a:bodyPr/>
+                    <a:lstStyle/>
+                    <a:p>
+                      <a:pPr algn="ctr">
+                        <a:lnSpc>
+                          <a:spcPct val="115000"/>
+                        </a:lnSpc>
+                        <a:spcAft>
+                          <a:spcPts val="0"/>
+                        </a:spcAft>
+                      </a:pPr>
+                      <a:r>
+                        <a:rPr lang="ru-RU" sz="1200" b="0" dirty="0">
+                          <a:effectLst/>
+                        </a:rPr>
+                        <a:t>64</a:t>
+                      </a:r>
+                      <a:endParaRPr lang="ru-RU" sz="1200" b="0" dirty="0">
+                        <a:effectLst/>
+                        <a:latin typeface="Calibri"/>
+                        <a:ea typeface="Calibri"/>
+                        <a:cs typeface="Times New Roman"/>
+                      </a:endParaRPr>
+                    </a:p>
+                  </a:txBody>
+                  <a:tcPr marL="68580" marR="68580" marT="0" marB="0"/>
+                </a:tc>
+                <a:tc>
+                  <a:txBody>
+                    <a:bodyPr/>
+                    <a:lstStyle/>
+                    <a:p>
+                      <a:pPr algn="ctr">
+                        <a:lnSpc>
+                          <a:spcPct val="115000"/>
+                        </a:lnSpc>
+                        <a:spcAft>
+                          <a:spcPts val="0"/>
+                        </a:spcAft>
+                      </a:pPr>
+                      <a:r>
+                        <a:rPr lang="ru-RU" sz="1200" b="0">
+                          <a:effectLst/>
+                        </a:rPr>
+                        <a:t>10</a:t>
+                      </a:r>
+                      <a:r>
+                        <a:rPr lang="ru-RU" sz="1200" b="0" baseline="30000">
+                          <a:effectLst/>
+                        </a:rPr>
+                        <a:t>21</a:t>
+                      </a:r>
+                      <a:endParaRPr lang="ru-RU" sz="1200" b="0">
+                        <a:effectLst/>
+                        <a:latin typeface="Calibri"/>
+                        <a:ea typeface="Calibri"/>
+                        <a:cs typeface="Times New Roman"/>
+                      </a:endParaRPr>
+                    </a:p>
+                  </a:txBody>
+                  <a:tcPr marL="68580" marR="68580" marT="0" marB="0"/>
+                </a:tc>
+              </a:tr>
+              <a:tr h="165008">
+                <a:tc>
+                  <a:txBody>
+                    <a:bodyPr/>
+                    <a:lstStyle/>
+                    <a:p>
+                      <a:pPr algn="ctr">
+                        <a:lnSpc>
+                          <a:spcPct val="115000"/>
+                        </a:lnSpc>
+                        <a:spcAft>
+                          <a:spcPts val="0"/>
+                        </a:spcAft>
+                      </a:pPr>
+                      <a:r>
+                        <a:rPr lang="ru-RU" sz="1200" dirty="0">
+                          <a:effectLst/>
+                        </a:rPr>
+                        <a:t>ГОСТ 28147-89</a:t>
+                      </a:r>
+                      <a:endParaRPr lang="ru-RU" sz="1200" dirty="0">
+                        <a:effectLst/>
+                        <a:latin typeface="Calibri"/>
+                        <a:ea typeface="Calibri"/>
+                        <a:cs typeface="Times New Roman"/>
+                      </a:endParaRPr>
+                    </a:p>
+                  </a:txBody>
+                  <a:tcPr marL="68580" marR="68580" marT="0" marB="0">
+                    <a:solidFill>
+                      <a:schemeClr val="bg2"/>
+                    </a:solidFill>
+                  </a:tcPr>
+                </a:tc>
+                <a:tc>
+                  <a:txBody>
+                    <a:bodyPr/>
+                    <a:lstStyle/>
+                    <a:p>
+                      <a:pPr algn="ctr">
+                        <a:lnSpc>
+                          <a:spcPct val="115000"/>
+                        </a:lnSpc>
+                        <a:spcAft>
+                          <a:spcPts val="0"/>
+                        </a:spcAft>
+                      </a:pPr>
+                      <a:r>
+                        <a:rPr lang="ru-RU" sz="1200" b="0">
+                          <a:effectLst/>
+                        </a:rPr>
+                        <a:t>256</a:t>
+                      </a:r>
+                      <a:endParaRPr lang="ru-RU" sz="1200" b="0">
+                        <a:effectLst/>
+                        <a:latin typeface="Calibri"/>
+                        <a:ea typeface="Calibri"/>
+                        <a:cs typeface="Times New Roman"/>
+                      </a:endParaRPr>
+                    </a:p>
+                  </a:txBody>
+                  <a:tcPr marL="68580" marR="68580" marT="0" marB="0"/>
+                </a:tc>
+                <a:tc>
+                  <a:txBody>
+                    <a:bodyPr/>
+                    <a:lstStyle/>
+                    <a:p>
+                      <a:pPr algn="ctr">
+                        <a:lnSpc>
+                          <a:spcPct val="115000"/>
+                        </a:lnSpc>
+                        <a:spcAft>
+                          <a:spcPts val="0"/>
+                        </a:spcAft>
+                      </a:pPr>
+                      <a:r>
+                        <a:rPr lang="ru-RU" sz="1200" b="0" dirty="0">
+                          <a:effectLst/>
+                        </a:rPr>
+                        <a:t>64</a:t>
+                      </a:r>
+                      <a:endParaRPr lang="ru-RU" sz="1200" b="0" dirty="0">
+                        <a:effectLst/>
+                        <a:latin typeface="Calibri"/>
+                        <a:ea typeface="Calibri"/>
+                        <a:cs typeface="Times New Roman"/>
+                      </a:endParaRPr>
+                    </a:p>
+                  </a:txBody>
+                  <a:tcPr marL="68580" marR="68580" marT="0" marB="0"/>
+                </a:tc>
+                <a:tc>
+                  <a:txBody>
+                    <a:bodyPr/>
+                    <a:lstStyle/>
+                    <a:p>
+                      <a:pPr algn="ctr">
+                        <a:lnSpc>
+                          <a:spcPct val="115000"/>
+                        </a:lnSpc>
+                        <a:spcAft>
+                          <a:spcPts val="0"/>
+                        </a:spcAft>
+                      </a:pPr>
+                      <a:r>
+                        <a:rPr lang="ru-RU" sz="1200" b="0" dirty="0">
+                          <a:effectLst/>
+                        </a:rPr>
+                        <a:t>нет данных</a:t>
+                      </a:r>
+                      <a:endParaRPr lang="ru-RU" sz="1200" b="0" dirty="0">
+                        <a:effectLst/>
+                        <a:latin typeface="Calibri"/>
+                        <a:ea typeface="Calibri"/>
+                        <a:cs typeface="Times New Roman"/>
+                      </a:endParaRPr>
+                    </a:p>
+                  </a:txBody>
+                  <a:tcPr marL="68580" marR="68580" marT="0" marB="0"/>
+                </a:tc>
+              </a:tr>
+              <a:tr h="165008">
+                <a:tc>
+                  <a:txBody>
+                    <a:bodyPr/>
+                    <a:lstStyle/>
+                    <a:p>
+                      <a:pPr algn="ctr">
+                        <a:lnSpc>
+                          <a:spcPct val="115000"/>
+                        </a:lnSpc>
+                        <a:spcAft>
+                          <a:spcPts val="0"/>
+                        </a:spcAft>
+                      </a:pPr>
+                      <a:r>
+                        <a:rPr lang="ru-RU" sz="1200" dirty="0">
+                          <a:effectLst/>
+                        </a:rPr>
+                        <a:t>RC5</a:t>
+                      </a:r>
+                      <a:endParaRPr lang="ru-RU" sz="1200" dirty="0">
+                        <a:effectLst/>
+                        <a:latin typeface="Calibri"/>
+                        <a:ea typeface="Calibri"/>
+                        <a:cs typeface="Times New Roman"/>
+                      </a:endParaRPr>
+                    </a:p>
+                  </a:txBody>
+                  <a:tcPr marL="68580" marR="68580" marT="0" marB="0">
+                    <a:solidFill>
+                      <a:schemeClr val="bg2"/>
+                    </a:solidFill>
+                  </a:tcPr>
+                </a:tc>
+                <a:tc>
+                  <a:txBody>
+                    <a:bodyPr/>
+                    <a:lstStyle/>
+                    <a:p>
+                      <a:pPr algn="ctr">
+                        <a:lnSpc>
+                          <a:spcPct val="115000"/>
+                        </a:lnSpc>
+                        <a:spcAft>
+                          <a:spcPts val="0"/>
+                        </a:spcAft>
+                      </a:pPr>
+                      <a:r>
+                        <a:rPr lang="ru-RU" sz="1200" b="0">
+                          <a:effectLst/>
+                        </a:rPr>
+                        <a:t>40 и выше</a:t>
+                      </a:r>
+                      <a:endParaRPr lang="ru-RU" sz="1200" b="0">
+                        <a:effectLst/>
+                        <a:latin typeface="Calibri"/>
+                        <a:ea typeface="Calibri"/>
+                        <a:cs typeface="Times New Roman"/>
+                      </a:endParaRPr>
+                    </a:p>
+                  </a:txBody>
+                  <a:tcPr marL="68580" marR="68580" marT="0" marB="0"/>
+                </a:tc>
+                <a:tc>
+                  <a:txBody>
+                    <a:bodyPr/>
+                    <a:lstStyle/>
+                    <a:p>
+                      <a:pPr algn="ctr">
+                        <a:lnSpc>
+                          <a:spcPct val="115000"/>
+                        </a:lnSpc>
+                        <a:spcAft>
+                          <a:spcPts val="0"/>
+                        </a:spcAft>
+                      </a:pPr>
+                      <a:r>
+                        <a:rPr lang="ru-RU" sz="1200" b="0">
+                          <a:effectLst/>
+                        </a:rPr>
+                        <a:t>32 и выше</a:t>
+                      </a:r>
+                      <a:endParaRPr lang="ru-RU" sz="1200" b="0">
+                        <a:effectLst/>
+                        <a:latin typeface="Calibri"/>
+                        <a:ea typeface="Calibri"/>
+                        <a:cs typeface="Times New Roman"/>
+                      </a:endParaRPr>
+                    </a:p>
+                  </a:txBody>
+                  <a:tcPr marL="68580" marR="68580" marT="0" marB="0"/>
+                </a:tc>
+                <a:tc>
+                  <a:txBody>
+                    <a:bodyPr/>
+                    <a:lstStyle/>
+                    <a:p>
+                      <a:pPr algn="ctr">
+                        <a:lnSpc>
+                          <a:spcPct val="115000"/>
+                        </a:lnSpc>
+                        <a:spcAft>
+                          <a:spcPts val="0"/>
+                        </a:spcAft>
+                      </a:pPr>
+                      <a:r>
+                        <a:rPr lang="ru-RU" sz="1200" b="0" dirty="0">
+                          <a:effectLst/>
+                        </a:rPr>
+                        <a:t>10</a:t>
+                      </a:r>
+                      <a:r>
+                        <a:rPr lang="ru-RU" sz="1200" b="0" baseline="30000" dirty="0">
+                          <a:effectLst/>
+                        </a:rPr>
+                        <a:t>3</a:t>
+                      </a:r>
+                      <a:r>
+                        <a:rPr lang="ru-RU" sz="1200" b="0" dirty="0">
+                          <a:effectLst/>
+                        </a:rPr>
+                        <a:t> и выше</a:t>
+                      </a:r>
+                      <a:endParaRPr lang="ru-RU" sz="1200" b="0" dirty="0">
+                        <a:effectLst/>
+                        <a:latin typeface="Calibri"/>
+                        <a:ea typeface="Calibri"/>
+                        <a:cs typeface="Times New Roman"/>
+                      </a:endParaRPr>
+                    </a:p>
+                  </a:txBody>
+                  <a:tcPr marL="68580" marR="68580" marT="0" marB="0"/>
+                </a:tc>
+              </a:tr>
+              <a:tr h="165008">
+                <a:tc>
+                  <a:txBody>
+                    <a:bodyPr/>
+                    <a:lstStyle/>
+                    <a:p>
+                      <a:pPr algn="ctr">
+                        <a:lnSpc>
+                          <a:spcPct val="115000"/>
+                        </a:lnSpc>
+                        <a:spcAft>
+                          <a:spcPts val="0"/>
+                        </a:spcAft>
+                      </a:pPr>
+                      <a:r>
+                        <a:rPr lang="ru-RU" sz="1200" dirty="0" err="1">
+                          <a:effectLst/>
+                        </a:rPr>
+                        <a:t>Blowfish</a:t>
+                      </a:r>
+                      <a:endParaRPr lang="ru-RU" sz="1200" dirty="0">
+                        <a:effectLst/>
+                        <a:latin typeface="Calibri"/>
+                        <a:ea typeface="Calibri"/>
+                        <a:cs typeface="Times New Roman"/>
+                      </a:endParaRPr>
+                    </a:p>
+                  </a:txBody>
+                  <a:tcPr marL="68580" marR="68580" marT="0" marB="0">
+                    <a:solidFill>
+                      <a:schemeClr val="bg2"/>
+                    </a:solidFill>
+                  </a:tcPr>
+                </a:tc>
+                <a:tc>
+                  <a:txBody>
+                    <a:bodyPr/>
+                    <a:lstStyle/>
+                    <a:p>
+                      <a:pPr algn="ctr">
+                        <a:lnSpc>
+                          <a:spcPct val="115000"/>
+                        </a:lnSpc>
+                        <a:spcAft>
+                          <a:spcPts val="0"/>
+                        </a:spcAft>
+                      </a:pPr>
+                      <a:r>
+                        <a:rPr lang="ru-RU" sz="1200" b="0">
+                          <a:effectLst/>
+                        </a:rPr>
+                        <a:t>до 448</a:t>
+                      </a:r>
+                      <a:endParaRPr lang="ru-RU" sz="1200" b="0">
+                        <a:effectLst/>
+                        <a:latin typeface="Calibri"/>
+                        <a:ea typeface="Calibri"/>
+                        <a:cs typeface="Times New Roman"/>
+                      </a:endParaRPr>
+                    </a:p>
+                  </a:txBody>
+                  <a:tcPr marL="68580" marR="68580" marT="0" marB="0"/>
+                </a:tc>
+                <a:tc>
+                  <a:txBody>
+                    <a:bodyPr/>
+                    <a:lstStyle/>
+                    <a:p>
+                      <a:pPr algn="ctr">
+                        <a:lnSpc>
+                          <a:spcPct val="115000"/>
+                        </a:lnSpc>
+                        <a:spcAft>
+                          <a:spcPts val="0"/>
+                        </a:spcAft>
+                      </a:pPr>
+                      <a:r>
+                        <a:rPr lang="ru-RU" sz="1200" b="0">
+                          <a:effectLst/>
+                        </a:rPr>
+                        <a:t>64</a:t>
+                      </a:r>
+                      <a:endParaRPr lang="ru-RU" sz="1200" b="0">
+                        <a:effectLst/>
+                        <a:latin typeface="Calibri"/>
+                        <a:ea typeface="Calibri"/>
+                        <a:cs typeface="Times New Roman"/>
+                      </a:endParaRPr>
+                    </a:p>
+                  </a:txBody>
+                  <a:tcPr marL="68580" marR="68580" marT="0" marB="0"/>
+                </a:tc>
+                <a:tc>
+                  <a:txBody>
+                    <a:bodyPr/>
+                    <a:lstStyle/>
+                    <a:p>
+                      <a:pPr algn="ctr">
+                        <a:lnSpc>
+                          <a:spcPct val="115000"/>
+                        </a:lnSpc>
+                        <a:spcAft>
+                          <a:spcPts val="0"/>
+                        </a:spcAft>
+                      </a:pPr>
+                      <a:r>
+                        <a:rPr lang="ru-RU" sz="1200" b="0" dirty="0">
+                          <a:effectLst/>
+                        </a:rPr>
+                        <a:t>нет данных</a:t>
+                      </a:r>
+                      <a:endParaRPr lang="ru-RU" sz="1200" b="0" dirty="0">
+                        <a:effectLst/>
+                        <a:latin typeface="Calibri"/>
+                        <a:ea typeface="Calibri"/>
+                        <a:cs typeface="Times New Roman"/>
+                      </a:endParaRPr>
+                    </a:p>
+                  </a:txBody>
+                  <a:tcPr marL="68580" marR="68580" marT="0" marB="0"/>
+                </a:tc>
+              </a:tr>
+              <a:tr h="341529">
+                <a:tc>
+                  <a:txBody>
+                    <a:bodyPr/>
+                    <a:lstStyle/>
+                    <a:p>
+                      <a:pPr algn="ctr">
+                        <a:lnSpc>
+                          <a:spcPct val="115000"/>
+                        </a:lnSpc>
+                        <a:spcAft>
+                          <a:spcPts val="0"/>
+                        </a:spcAft>
+                      </a:pPr>
+                      <a:r>
+                        <a:rPr lang="ru-RU" sz="1200" dirty="0">
+                          <a:effectLst/>
+                        </a:rPr>
+                        <a:t>AES</a:t>
+                      </a:r>
+                      <a:endParaRPr lang="ru-RU" sz="1200" dirty="0">
+                        <a:effectLst/>
+                        <a:latin typeface="Calibri"/>
+                        <a:ea typeface="Calibri"/>
+                        <a:cs typeface="Times New Roman"/>
+                      </a:endParaRPr>
+                    </a:p>
+                  </a:txBody>
+                  <a:tcPr marL="68580" marR="68580" marT="0" marB="0">
+                    <a:solidFill>
+                      <a:schemeClr val="bg2"/>
+                    </a:solidFill>
+                  </a:tcPr>
+                </a:tc>
+                <a:tc gridSpan="3">
+                  <a:txBody>
+                    <a:bodyPr/>
+                    <a:lstStyle/>
+                    <a:p>
+                      <a:pPr algn="l">
+                        <a:lnSpc>
+                          <a:spcPct val="115000"/>
+                        </a:lnSpc>
+                        <a:spcAft>
+                          <a:spcPts val="0"/>
+                        </a:spcAft>
+                      </a:pPr>
+                      <a:r>
+                        <a:rPr lang="ru-RU" sz="1200" dirty="0">
+                          <a:effectLst/>
+                        </a:rPr>
+                        <a:t>Длина ключа может быть 128, 192 или 256 бит, в независимости от длины блока</a:t>
+                      </a:r>
+                      <a:endParaRPr lang="ru-RU" sz="1200" dirty="0">
+                        <a:effectLst/>
+                        <a:latin typeface="Calibri"/>
+                        <a:ea typeface="Calibri"/>
+                        <a:cs typeface="Times New Roman"/>
+                      </a:endParaRPr>
+                    </a:p>
+                  </a:txBody>
+                  <a:tcPr marL="68580" marR="68580" marT="0" marB="0"/>
+                </a:tc>
+                <a:tc hMerge="1">
+                  <a:txBody>
+                    <a:bodyPr/>
+                    <a:lstStyle/>
+                    <a:p>
+                      <a:endParaRPr lang="ru-RU"/>
+                    </a:p>
+                  </a:txBody>
+                  <a:tcPr/>
+                </a:tc>
+                <a:tc hMerge="1">
+                  <a:txBody>
+                    <a:bodyPr/>
+                    <a:lstStyle/>
+                    <a:p>
+                      <a:endParaRPr lang="ru-RU"/>
+                    </a:p>
+                  </a:txBody>
+                  <a:tcPr/>
+                </a:tc>
+              </a:tr>
+            </a:tbl>
+          </a:graphicData>
+        </a:graphic>
+      </p:graphicFrame>
       <p:sp>
         <p:nvSpPr>
-          <p:cNvPr id="3" name="Объект 2"/>
+          <p:cNvPr id="10" name="Объект 2"/>
           <p:cNvSpPr>
             <a:spLocks noGrp="1"/>
           </p:cNvSpPr>
@@ -12692,9 +15314,16 @@
             <p:ph idx="1"/>
           </p:nvPr>
         </p:nvSpPr>
-        <p:spPr/>
+        <p:spPr>
+          <a:xfrm>
+            <a:off x="4427984" y="1196752"/>
+            <a:ext cx="4176464" cy="367969"/>
+          </a:xfrm>
+        </p:spPr>
         <p:txBody>
-          <a:bodyPr/>
+          <a:bodyPr>
+            <a:normAutofit fontScale="92500" lnSpcReduction="10000"/>
+          </a:bodyPr>
           <a:lstStyle/>
           <a:p>
             <a:r>
@@ -12703,226 +15332,258 @@
                   <a:schemeClr val="bg1"/>
                 </a:solidFill>
               </a:rPr>
-              <a:t>Средства разработки</a:t>
+              <a:t>Ассиметричные алгоритмы</a:t>
             </a:r>
-          </a:p>
-          <a:p>
-            <a:pPr lvl="1"/>
             <a:endParaRPr lang="ru-RU" dirty="0">
               <a:solidFill>
                 <a:schemeClr val="bg1"/>
               </a:solidFill>
             </a:endParaRPr>
           </a:p>
-          <a:p>
-            <a:pPr lvl="1"/>
+        </p:txBody>
+      </p:sp>
+      <p:sp>
+        <p:nvSpPr>
+          <p:cNvPr id="11" name="Объект 2"/>
+          <p:cNvSpPr txBox="1">
+            <a:spLocks/>
+          </p:cNvSpPr>
+          <p:nvPr/>
+        </p:nvSpPr>
+        <p:spPr>
+          <a:xfrm>
+            <a:off x="4443603" y="3717032"/>
+            <a:ext cx="4176464" cy="367969"/>
+          </a:xfrm>
+          <a:prstGeom prst="rect">
+            <a:avLst/>
+          </a:prstGeom>
+        </p:spPr>
+        <p:txBody>
+          <a:bodyPr vert="horz" lIns="91440" tIns="45720" rIns="91440" bIns="45720" rtlCol="0">
+            <a:normAutofit fontScale="92500" lnSpcReduction="10000"/>
+          </a:bodyPr>
+          <a:lstStyle>
+            <a:lvl1pPr marL="342900" indent="-342900" algn="l" defTabSz="457200" rtl="0" eaLnBrk="1" latinLnBrk="0" hangingPunct="1">
+              <a:spcBef>
+                <a:spcPct val="20000"/>
+              </a:spcBef>
+              <a:spcAft>
+                <a:spcPts val="600"/>
+              </a:spcAft>
+              <a:buClr>
+                <a:schemeClr val="accent1"/>
+              </a:buClr>
+              <a:buSzPct val="80000"/>
+              <a:buFont typeface="Wingdings 3" charset="2"/>
+              <a:buChar char=""/>
+              <a:defRPr sz="2000" b="0" i="0" kern="1200">
+                <a:solidFill>
+                  <a:schemeClr val="tx1"/>
+                </a:solidFill>
+                <a:latin typeface="+mj-lt"/>
+                <a:ea typeface="+mj-ea"/>
+                <a:cs typeface="+mj-cs"/>
+              </a:defRPr>
+            </a:lvl1pPr>
+            <a:lvl2pPr marL="742950" indent="-285750" algn="l" defTabSz="457200" rtl="0" eaLnBrk="1" latinLnBrk="0" hangingPunct="1">
+              <a:spcBef>
+                <a:spcPct val="20000"/>
+              </a:spcBef>
+              <a:spcAft>
+                <a:spcPts val="600"/>
+              </a:spcAft>
+              <a:buClr>
+                <a:schemeClr val="accent1"/>
+              </a:buClr>
+              <a:buSzPct val="80000"/>
+              <a:buFont typeface="Wingdings 3" charset="2"/>
+              <a:buChar char=""/>
+              <a:defRPr sz="1800" b="0" i="0" kern="1200">
+                <a:solidFill>
+                  <a:schemeClr val="tx1"/>
+                </a:solidFill>
+                <a:latin typeface="+mj-lt"/>
+                <a:ea typeface="+mj-ea"/>
+                <a:cs typeface="+mj-cs"/>
+              </a:defRPr>
+            </a:lvl2pPr>
+            <a:lvl3pPr marL="1143000" indent="-228600" algn="l" defTabSz="457200" rtl="0" eaLnBrk="1" latinLnBrk="0" hangingPunct="1">
+              <a:spcBef>
+                <a:spcPct val="20000"/>
+              </a:spcBef>
+              <a:spcAft>
+                <a:spcPts val="600"/>
+              </a:spcAft>
+              <a:buClr>
+                <a:schemeClr val="accent1"/>
+              </a:buClr>
+              <a:buSzPct val="80000"/>
+              <a:buFont typeface="Wingdings 3" charset="2"/>
+              <a:buChar char=""/>
+              <a:defRPr sz="1600" b="0" i="0" kern="1200">
+                <a:solidFill>
+                  <a:schemeClr val="tx1"/>
+                </a:solidFill>
+                <a:latin typeface="+mj-lt"/>
+                <a:ea typeface="+mj-ea"/>
+                <a:cs typeface="+mj-cs"/>
+              </a:defRPr>
+            </a:lvl3pPr>
+            <a:lvl4pPr marL="1600200" indent="-228600" algn="l" defTabSz="457200" rtl="0" eaLnBrk="1" latinLnBrk="0" hangingPunct="1">
+              <a:spcBef>
+                <a:spcPct val="20000"/>
+              </a:spcBef>
+              <a:spcAft>
+                <a:spcPts val="600"/>
+              </a:spcAft>
+              <a:buClr>
+                <a:schemeClr val="accent1"/>
+              </a:buClr>
+              <a:buSzPct val="80000"/>
+              <a:buFont typeface="Wingdings 3" charset="2"/>
+              <a:buChar char=""/>
+              <a:defRPr sz="1400" b="0" i="0" kern="1200">
+                <a:solidFill>
+                  <a:schemeClr val="tx1"/>
+                </a:solidFill>
+                <a:latin typeface="+mj-lt"/>
+                <a:ea typeface="+mj-ea"/>
+                <a:cs typeface="+mj-cs"/>
+              </a:defRPr>
+            </a:lvl4pPr>
+            <a:lvl5pPr marL="2057400" indent="-228600" algn="l" defTabSz="457200" rtl="0" eaLnBrk="1" latinLnBrk="0" hangingPunct="1">
+              <a:spcBef>
+                <a:spcPct val="20000"/>
+              </a:spcBef>
+              <a:spcAft>
+                <a:spcPts val="600"/>
+              </a:spcAft>
+              <a:buClr>
+                <a:schemeClr val="accent1"/>
+              </a:buClr>
+              <a:buSzPct val="80000"/>
+              <a:buFont typeface="Wingdings 3" charset="2"/>
+              <a:buChar char=""/>
+              <a:defRPr sz="1400" b="0" i="0" kern="1200">
+                <a:solidFill>
+                  <a:schemeClr val="tx1"/>
+                </a:solidFill>
+                <a:latin typeface="+mj-lt"/>
+                <a:ea typeface="+mj-ea"/>
+                <a:cs typeface="+mj-cs"/>
+              </a:defRPr>
+            </a:lvl5pPr>
+            <a:lvl6pPr marL="2514600" indent="-228600" algn="l" defTabSz="457200" rtl="0" eaLnBrk="1" latinLnBrk="0" hangingPunct="1">
+              <a:spcBef>
+                <a:spcPct val="20000"/>
+              </a:spcBef>
+              <a:spcAft>
+                <a:spcPts val="600"/>
+              </a:spcAft>
+              <a:buClr>
+                <a:schemeClr val="accent1"/>
+              </a:buClr>
+              <a:buSzPct val="80000"/>
+              <a:buFont typeface="Wingdings 3" charset="2"/>
+              <a:buChar char=""/>
+              <a:defRPr sz="1200" b="0" i="0" kern="1200">
+                <a:solidFill>
+                  <a:schemeClr val="tx1"/>
+                </a:solidFill>
+                <a:latin typeface="+mj-lt"/>
+                <a:ea typeface="+mj-ea"/>
+                <a:cs typeface="+mj-cs"/>
+              </a:defRPr>
+            </a:lvl6pPr>
+            <a:lvl7pPr marL="2971800" indent="-228600" algn="l" defTabSz="457200" rtl="0" eaLnBrk="1" latinLnBrk="0" hangingPunct="1">
+              <a:spcBef>
+                <a:spcPct val="20000"/>
+              </a:spcBef>
+              <a:spcAft>
+                <a:spcPts val="600"/>
+              </a:spcAft>
+              <a:buClr>
+                <a:schemeClr val="accent1"/>
+              </a:buClr>
+              <a:buSzPct val="80000"/>
+              <a:buFont typeface="Wingdings 3" charset="2"/>
+              <a:buChar char=""/>
+              <a:defRPr sz="1200" b="0" i="0" kern="1200">
+                <a:solidFill>
+                  <a:schemeClr val="tx1"/>
+                </a:solidFill>
+                <a:latin typeface="+mj-lt"/>
+                <a:ea typeface="+mj-ea"/>
+                <a:cs typeface="+mj-cs"/>
+              </a:defRPr>
+            </a:lvl7pPr>
+            <a:lvl8pPr marL="3429000" indent="-228600" algn="l" defTabSz="457200" rtl="0" eaLnBrk="1" latinLnBrk="0" hangingPunct="1">
+              <a:spcBef>
+                <a:spcPct val="20000"/>
+              </a:spcBef>
+              <a:spcAft>
+                <a:spcPts val="600"/>
+              </a:spcAft>
+              <a:buClr>
+                <a:schemeClr val="accent1"/>
+              </a:buClr>
+              <a:buSzPct val="80000"/>
+              <a:buFont typeface="Wingdings 3" charset="2"/>
+              <a:buChar char=""/>
+              <a:defRPr sz="1200" b="0" i="0" kern="1200">
+                <a:solidFill>
+                  <a:schemeClr val="tx1"/>
+                </a:solidFill>
+                <a:latin typeface="+mj-lt"/>
+                <a:ea typeface="+mj-ea"/>
+                <a:cs typeface="+mj-cs"/>
+              </a:defRPr>
+            </a:lvl8pPr>
+            <a:lvl9pPr marL="3886200" indent="-228600" algn="l" defTabSz="457200" rtl="0" eaLnBrk="1" latinLnBrk="0" hangingPunct="1">
+              <a:spcBef>
+                <a:spcPct val="20000"/>
+              </a:spcBef>
+              <a:spcAft>
+                <a:spcPts val="600"/>
+              </a:spcAft>
+              <a:buClr>
+                <a:schemeClr val="accent1"/>
+              </a:buClr>
+              <a:buSzPct val="80000"/>
+              <a:buFont typeface="Wingdings 3" charset="2"/>
+              <a:buChar char=""/>
+              <a:defRPr sz="1200" b="0" i="0" kern="1200">
+                <a:solidFill>
+                  <a:schemeClr val="tx1"/>
+                </a:solidFill>
+                <a:latin typeface="+mj-lt"/>
+                <a:ea typeface="+mj-ea"/>
+                <a:cs typeface="+mj-cs"/>
+              </a:defRPr>
+            </a:lvl9pPr>
+          </a:lstStyle>
+          <a:p>
             <a:r>
               <a:rPr lang="ru-RU" dirty="0" smtClean="0">
                 <a:solidFill>
                   <a:schemeClr val="bg1"/>
                 </a:solidFill>
               </a:rPr>
-              <a:t>Программные</a:t>
+              <a:t>Симметричные алгоритмы</a:t>
             </a:r>
-          </a:p>
-          <a:p>
-            <a:pPr lvl="2"/>
-            <a:r>
-              <a:rPr lang="ru-RU" dirty="0" smtClean="0">
-                <a:solidFill>
-                  <a:schemeClr val="bg1"/>
-                </a:solidFill>
-              </a:rPr>
-              <a:t>Язык программирования </a:t>
-            </a:r>
-            <a:r>
-              <a:rPr lang="en-US" dirty="0" smtClean="0">
-                <a:solidFill>
-                  <a:schemeClr val="bg1"/>
-                </a:solidFill>
-              </a:rPr>
-              <a:t>Python</a:t>
-            </a:r>
-            <a:endParaRPr lang="ru-RU" dirty="0" smtClean="0">
+            <a:endParaRPr lang="ru-RU" dirty="0">
               <a:solidFill>
                 <a:schemeClr val="bg1"/>
               </a:solidFill>
             </a:endParaRPr>
           </a:p>
-          <a:p>
-            <a:pPr lvl="2"/>
-            <a:r>
-              <a:rPr lang="ru-RU" dirty="0" smtClean="0">
-                <a:solidFill>
-                  <a:schemeClr val="bg1"/>
-                </a:solidFill>
-              </a:rPr>
-              <a:t>Среда разработки </a:t>
-            </a:r>
-            <a:r>
-              <a:rPr lang="en-US" dirty="0" err="1" smtClean="0">
-                <a:solidFill>
-                  <a:schemeClr val="bg1"/>
-                </a:solidFill>
-              </a:rPr>
-              <a:t>PyCharm</a:t>
-            </a:r>
-            <a:r>
-              <a:rPr lang="en-US" dirty="0" smtClean="0">
-                <a:solidFill>
-                  <a:schemeClr val="bg1"/>
-                </a:solidFill>
-              </a:rPr>
-              <a:t> </a:t>
-            </a:r>
-            <a:r>
-              <a:rPr lang="ru-RU" dirty="0" smtClean="0">
-                <a:solidFill>
-                  <a:schemeClr val="bg1"/>
-                </a:solidFill>
-              </a:rPr>
-              <a:t>под управление ОС </a:t>
-            </a:r>
-            <a:r>
-              <a:rPr lang="en-US" dirty="0" smtClean="0">
-                <a:solidFill>
-                  <a:schemeClr val="bg1"/>
-                </a:solidFill>
-              </a:rPr>
-              <a:t>Linux Ubuntu</a:t>
-            </a:r>
-          </a:p>
-          <a:p>
-            <a:pPr lvl="1"/>
-            <a:endParaRPr lang="en-US" dirty="0" smtClean="0">
-              <a:solidFill>
-                <a:schemeClr val="bg1"/>
-              </a:solidFill>
-            </a:endParaRPr>
-          </a:p>
-          <a:p>
-            <a:pPr lvl="1"/>
-            <a:r>
-              <a:rPr lang="ru-RU" dirty="0" smtClean="0">
-                <a:solidFill>
-                  <a:schemeClr val="bg1"/>
-                </a:solidFill>
-              </a:rPr>
-              <a:t>Аппаратные</a:t>
-            </a:r>
-          </a:p>
-          <a:p>
-            <a:pPr lvl="2"/>
-            <a:r>
-              <a:rPr lang="ru-RU" dirty="0" smtClean="0">
-                <a:solidFill>
-                  <a:schemeClr val="bg1"/>
-                </a:solidFill>
-              </a:rPr>
-              <a:t>Одноплатный миникомпьютер </a:t>
-            </a:r>
-            <a:r>
-              <a:rPr lang="en-US" dirty="0" smtClean="0">
-                <a:solidFill>
-                  <a:schemeClr val="bg1"/>
-                </a:solidFill>
-              </a:rPr>
-              <a:t>Raspberry Pi</a:t>
-            </a:r>
-            <a:endParaRPr lang="en-US" dirty="0">
-              <a:solidFill>
-                <a:schemeClr val="bg1"/>
-              </a:solidFill>
-            </a:endParaRPr>
-          </a:p>
         </p:txBody>
       </p:sp>
-      <p:pic>
-        <p:nvPicPr>
-          <p:cNvPr id="4" name="Picture 2" descr="F:\Diplom\Защита протокола обмена данных. Олег\Diplom\Картинки\Презентация\video_thumb30.jpg"/>
-          <p:cNvPicPr>
-            <a:picLocks noChangeAspect="1" noChangeArrowheads="1"/>
-          </p:cNvPicPr>
-          <p:nvPr/>
-        </p:nvPicPr>
-        <p:blipFill>
-          <a:blip r:embed="rId3" cstate="print">
-            <a:extLst>
-              <a:ext uri="{28A0092B-C50C-407E-A947-70E740481C1C}">
-                <a14:useLocalDpi xmlns:a14="http://schemas.microsoft.com/office/drawing/2010/main" val="0"/>
-              </a:ext>
-            </a:extLst>
-          </a:blip>
-          <a:srcRect/>
-          <a:stretch>
-            <a:fillRect/>
-          </a:stretch>
-        </p:blipFill>
-        <p:spPr bwMode="auto">
-          <a:xfrm>
-            <a:off x="6588223" y="2060848"/>
-            <a:ext cx="2023049" cy="1516413"/>
-          </a:xfrm>
-          <a:prstGeom prst="rect">
-            <a:avLst/>
-          </a:prstGeom>
-          <a:noFill/>
-          <a:extLst>
-            <a:ext uri="{909E8E84-426E-40DD-AFC4-6F175D3DCCD1}">
-              <a14:hiddenFill xmlns:a14="http://schemas.microsoft.com/office/drawing/2010/main">
-                <a:solidFill>
-                  <a:srgbClr val="FFFFFF"/>
-                </a:solidFill>
-              </a14:hiddenFill>
-            </a:ext>
-          </a:extLst>
-        </p:spPr>
-      </p:pic>
-      <p:pic>
-        <p:nvPicPr>
-          <p:cNvPr id="3075" name="Picture 3" descr="F:\Diplom\Защита протокола обмена данных. Олег\Diplom\Картинки\Презентация\rasppi.png"/>
-          <p:cNvPicPr>
-            <a:picLocks noChangeAspect="1" noChangeArrowheads="1"/>
-          </p:cNvPicPr>
-          <p:nvPr/>
-        </p:nvPicPr>
-        <p:blipFill>
-          <a:blip r:embed="rId4" cstate="print">
-            <a:extLst>
-              <a:ext uri="{28A0092B-C50C-407E-A947-70E740481C1C}">
-                <a14:useLocalDpi xmlns:a14="http://schemas.microsoft.com/office/drawing/2010/main" val="0"/>
-              </a:ext>
-            </a:extLst>
-          </a:blip>
-          <a:srcRect/>
-          <a:stretch>
-            <a:fillRect/>
-          </a:stretch>
-        </p:blipFill>
-        <p:spPr bwMode="auto">
-          <a:xfrm>
-            <a:off x="6581949" y="4653136"/>
-            <a:ext cx="2209249" cy="1780326"/>
-          </a:xfrm>
-          <a:prstGeom prst="rect">
-            <a:avLst/>
-          </a:prstGeom>
-          <a:noFill/>
-          <a:extLst>
-            <a:ext uri="{909E8E84-426E-40DD-AFC4-6F175D3DCCD1}">
-              <a14:hiddenFill xmlns:a14="http://schemas.microsoft.com/office/drawing/2010/main">
-                <a:solidFill>
-                  <a:srgbClr val="FFFFFF"/>
-                </a:solidFill>
-              </a14:hiddenFill>
-            </a:ext>
-          </a:extLst>
-        </p:spPr>
-      </p:pic>
     </p:spTree>
     <p:extLst>
       <p:ext uri="{BB962C8B-B14F-4D97-AF65-F5344CB8AC3E}">
-        <p14:creationId xmlns:p14="http://schemas.microsoft.com/office/powerpoint/2010/main" val="475574760"/>
+        <p14:creationId xmlns:p14="http://schemas.microsoft.com/office/powerpoint/2010/main" val="11068103"/>
       </p:ext>
     </p:extLst>
   </p:cSld>
@@ -12987,7 +15648,7 @@
                   <a:schemeClr val="bg2"/>
                 </a:solidFill>
               </a:rPr>
-              <a:t>Тестирование программного продукта</a:t>
+              <a:t>Разработка программного продукта</a:t>
             </a:r>
             <a:endParaRPr lang="ru-RU" sz="3200" b="1" dirty="0">
               <a:solidFill>
@@ -13007,19 +15668,442 @@
             <p:ph idx="1"/>
           </p:nvPr>
         </p:nvSpPr>
-        <p:spPr/>
+        <p:spPr>
+          <a:xfrm>
+            <a:off x="467544" y="2052919"/>
+            <a:ext cx="6709906" cy="4195481"/>
+          </a:xfrm>
+        </p:spPr>
         <p:txBody>
           <a:bodyPr/>
           <a:lstStyle/>
           <a:p>
+            <a:r>
+              <a:rPr lang="ru-RU" dirty="0" smtClean="0">
+                <a:solidFill>
+                  <a:schemeClr val="bg1"/>
+                </a:solidFill>
+              </a:rPr>
+              <a:t>Средства разработки</a:t>
+            </a:r>
+          </a:p>
+          <a:p>
+            <a:pPr lvl="1"/>
             <a:endParaRPr lang="ru-RU" dirty="0">
               <a:solidFill>
                 <a:schemeClr val="bg1"/>
               </a:solidFill>
             </a:endParaRPr>
           </a:p>
+          <a:p>
+            <a:pPr lvl="1"/>
+            <a:r>
+              <a:rPr lang="ru-RU" dirty="0" smtClean="0">
+                <a:solidFill>
+                  <a:schemeClr val="bg1"/>
+                </a:solidFill>
+              </a:rPr>
+              <a:t>Программные</a:t>
+            </a:r>
+          </a:p>
+          <a:p>
+            <a:pPr lvl="2"/>
+            <a:r>
+              <a:rPr lang="ru-RU" dirty="0" smtClean="0">
+                <a:solidFill>
+                  <a:schemeClr val="bg1"/>
+                </a:solidFill>
+              </a:rPr>
+              <a:t>Язык программирования </a:t>
+            </a:r>
+            <a:r>
+              <a:rPr lang="en-US" dirty="0" smtClean="0">
+                <a:solidFill>
+                  <a:schemeClr val="bg1"/>
+                </a:solidFill>
+              </a:rPr>
+              <a:t>Python</a:t>
+            </a:r>
+            <a:endParaRPr lang="ru-RU" dirty="0" smtClean="0">
+              <a:solidFill>
+                <a:schemeClr val="bg1"/>
+              </a:solidFill>
+            </a:endParaRPr>
+          </a:p>
+          <a:p>
+            <a:pPr lvl="2"/>
+            <a:r>
+              <a:rPr lang="ru-RU" dirty="0" smtClean="0">
+                <a:solidFill>
+                  <a:schemeClr val="bg1"/>
+                </a:solidFill>
+              </a:rPr>
+              <a:t>ОС </a:t>
+            </a:r>
+            <a:r>
+              <a:rPr lang="en-US" dirty="0" smtClean="0">
+                <a:solidFill>
+                  <a:schemeClr val="bg1"/>
+                </a:solidFill>
+              </a:rPr>
+              <a:t>Linux</a:t>
+            </a:r>
+            <a:r>
+              <a:rPr lang="ru-RU" dirty="0" smtClean="0">
+                <a:solidFill>
+                  <a:schemeClr val="bg1"/>
+                </a:solidFill>
+              </a:rPr>
+              <a:t> </a:t>
+            </a:r>
+            <a:r>
+              <a:rPr lang="en-US" dirty="0" err="1" smtClean="0">
+                <a:solidFill>
+                  <a:schemeClr val="bg1"/>
+                </a:solidFill>
+              </a:rPr>
+              <a:t>Raspbian</a:t>
+            </a:r>
+            <a:r>
+              <a:rPr lang="en-US" dirty="0" smtClean="0">
+                <a:solidFill>
+                  <a:schemeClr val="bg1"/>
+                </a:solidFill>
+              </a:rPr>
+              <a:t> Wheezy</a:t>
+            </a:r>
+            <a:endParaRPr lang="ru-RU" dirty="0" smtClean="0">
+              <a:solidFill>
+                <a:schemeClr val="bg1"/>
+              </a:solidFill>
+            </a:endParaRPr>
+          </a:p>
+          <a:p>
+            <a:pPr lvl="2"/>
+            <a:r>
+              <a:rPr lang="ru-RU" dirty="0" smtClean="0">
+                <a:solidFill>
+                  <a:schemeClr val="bg1"/>
+                </a:solidFill>
+              </a:rPr>
+              <a:t>Система контроля версий </a:t>
+            </a:r>
+            <a:r>
+              <a:rPr lang="en-US" dirty="0" err="1" smtClean="0">
+                <a:solidFill>
+                  <a:schemeClr val="bg1"/>
+                </a:solidFill>
+              </a:rPr>
+              <a:t>Git</a:t>
+            </a:r>
+            <a:r>
+              <a:rPr lang="en-US" dirty="0">
+                <a:solidFill>
+                  <a:schemeClr val="bg1"/>
+                </a:solidFill>
+              </a:rPr>
+              <a:t> </a:t>
+            </a:r>
+            <a:r>
+              <a:rPr lang="ru-RU" dirty="0" smtClean="0">
+                <a:solidFill>
+                  <a:schemeClr val="bg1"/>
+                </a:solidFill>
+              </a:rPr>
+              <a:t>и хостинг </a:t>
+            </a:r>
+            <a:r>
+              <a:rPr lang="en-US" dirty="0" err="1" smtClean="0">
+                <a:solidFill>
+                  <a:schemeClr val="bg1"/>
+                </a:solidFill>
+              </a:rPr>
+              <a:t>Gi</a:t>
+            </a:r>
+            <a:r>
+              <a:rPr lang="en-US" dirty="0" err="1">
+                <a:solidFill>
+                  <a:schemeClr val="bg1"/>
+                </a:solidFill>
+              </a:rPr>
+              <a:t>t</a:t>
+            </a:r>
+            <a:r>
+              <a:rPr lang="en-US" dirty="0" err="1" smtClean="0">
+                <a:solidFill>
+                  <a:schemeClr val="bg1"/>
+                </a:solidFill>
+              </a:rPr>
+              <a:t>Hub</a:t>
+            </a:r>
+            <a:endParaRPr lang="en-US" dirty="0" smtClean="0">
+              <a:solidFill>
+                <a:schemeClr val="bg1"/>
+              </a:solidFill>
+            </a:endParaRPr>
+          </a:p>
+          <a:p>
+            <a:pPr marL="914400" lvl="2" indent="0">
+              <a:buNone/>
+            </a:pPr>
+            <a:endParaRPr lang="en-US" dirty="0" smtClean="0">
+              <a:solidFill>
+                <a:schemeClr val="bg1"/>
+              </a:solidFill>
+            </a:endParaRPr>
+          </a:p>
+          <a:p>
+            <a:pPr marL="914400" lvl="2" indent="0">
+              <a:buNone/>
+            </a:pPr>
+            <a:endParaRPr lang="en-US" dirty="0" smtClean="0">
+              <a:solidFill>
+                <a:schemeClr val="bg1"/>
+              </a:solidFill>
+            </a:endParaRPr>
+          </a:p>
+          <a:p>
+            <a:pPr lvl="1"/>
+            <a:r>
+              <a:rPr lang="ru-RU" dirty="0" smtClean="0">
+                <a:solidFill>
+                  <a:schemeClr val="bg1"/>
+                </a:solidFill>
+              </a:rPr>
+              <a:t>Аппаратные</a:t>
+            </a:r>
+          </a:p>
+          <a:p>
+            <a:pPr lvl="2"/>
+            <a:r>
+              <a:rPr lang="ru-RU" dirty="0" smtClean="0">
+                <a:solidFill>
+                  <a:schemeClr val="bg1"/>
+                </a:solidFill>
+              </a:rPr>
+              <a:t>Одноплатный миникомпьютер </a:t>
+            </a:r>
+            <a:r>
+              <a:rPr lang="en-US" dirty="0" smtClean="0">
+                <a:solidFill>
+                  <a:schemeClr val="bg1"/>
+                </a:solidFill>
+              </a:rPr>
+              <a:t>Raspberry Pi</a:t>
+            </a:r>
+            <a:endParaRPr lang="en-US" dirty="0">
+              <a:solidFill>
+                <a:schemeClr val="bg1"/>
+              </a:solidFill>
+            </a:endParaRPr>
+          </a:p>
         </p:txBody>
       </p:sp>
+      <p:pic>
+        <p:nvPicPr>
+          <p:cNvPr id="3075" name="Picture 3" descr="F:\Diplom\Защита протокола обмена данных. Олег\Diplom\Картинки\Презентация\rasppi.png"/>
+          <p:cNvPicPr>
+            <a:picLocks noChangeAspect="1" noChangeArrowheads="1"/>
+          </p:cNvPicPr>
+          <p:nvPr/>
+        </p:nvPicPr>
+        <p:blipFill>
+          <a:blip r:embed="rId3" cstate="print">
+            <a:extLst>
+              <a:ext uri="{28A0092B-C50C-407E-A947-70E740481C1C}">
+                <a14:useLocalDpi xmlns:a14="http://schemas.microsoft.com/office/drawing/2010/main" val="0"/>
+              </a:ext>
+            </a:extLst>
+          </a:blip>
+          <a:srcRect/>
+          <a:stretch>
+            <a:fillRect/>
+          </a:stretch>
+        </p:blipFill>
+        <p:spPr bwMode="auto">
+          <a:xfrm>
+            <a:off x="6286754" y="4797152"/>
+            <a:ext cx="2209249" cy="1780326"/>
+          </a:xfrm>
+          <a:prstGeom prst="rect">
+            <a:avLst/>
+          </a:prstGeom>
+          <a:noFill/>
+          <a:extLst>
+            <a:ext uri="{909E8E84-426E-40DD-AFC4-6F175D3DCCD1}">
+              <a14:hiddenFill xmlns:a14="http://schemas.microsoft.com/office/drawing/2010/main">
+                <a:solidFill>
+                  <a:srgbClr val="FFFFFF"/>
+                </a:solidFill>
+              </a14:hiddenFill>
+            </a:ext>
+          </a:extLst>
+        </p:spPr>
+      </p:pic>
+      <p:pic>
+        <p:nvPicPr>
+          <p:cNvPr id="2050" name="Picture 2" descr="F:\Diplom\Защита протокола обмена данных. Олег\Diplom\Картинки\Презентация\raspbian.png"/>
+          <p:cNvPicPr>
+            <a:picLocks noChangeAspect="1" noChangeArrowheads="1"/>
+          </p:cNvPicPr>
+          <p:nvPr/>
+        </p:nvPicPr>
+        <p:blipFill>
+          <a:blip r:embed="rId4" cstate="print">
+            <a:extLst>
+              <a:ext uri="{28A0092B-C50C-407E-A947-70E740481C1C}">
+                <a14:useLocalDpi xmlns:a14="http://schemas.microsoft.com/office/drawing/2010/main" val="0"/>
+              </a:ext>
+            </a:extLst>
+          </a:blip>
+          <a:srcRect/>
+          <a:stretch>
+            <a:fillRect/>
+          </a:stretch>
+        </p:blipFill>
+        <p:spPr bwMode="auto">
+          <a:xfrm>
+            <a:off x="5653955" y="2138864"/>
+            <a:ext cx="853914" cy="853914"/>
+          </a:xfrm>
+          <a:prstGeom prst="rect">
+            <a:avLst/>
+          </a:prstGeom>
+          <a:noFill/>
+          <a:extLst>
+            <a:ext uri="{909E8E84-426E-40DD-AFC4-6F175D3DCCD1}">
+              <a14:hiddenFill xmlns:a14="http://schemas.microsoft.com/office/drawing/2010/main">
+                <a:solidFill>
+                  <a:srgbClr val="FFFFFF"/>
+                </a:solidFill>
+              </a14:hiddenFill>
+            </a:ext>
+          </a:extLst>
+        </p:spPr>
+      </p:pic>
+      <p:pic>
+        <p:nvPicPr>
+          <p:cNvPr id="2051" name="Picture 3" descr="F:\Diplom\Защита протокола обмена данных. Олег\Diplom\Картинки\Презентация\Git-Icon-1788C.png"/>
+          <p:cNvPicPr>
+            <a:picLocks noChangeAspect="1" noChangeArrowheads="1"/>
+          </p:cNvPicPr>
+          <p:nvPr/>
+        </p:nvPicPr>
+        <p:blipFill>
+          <a:blip r:embed="rId5" cstate="print">
+            <a:extLst>
+              <a:ext uri="{28A0092B-C50C-407E-A947-70E740481C1C}">
+                <a14:useLocalDpi xmlns:a14="http://schemas.microsoft.com/office/drawing/2010/main" val="0"/>
+              </a:ext>
+            </a:extLst>
+          </a:blip>
+          <a:srcRect/>
+          <a:stretch>
+            <a:fillRect/>
+          </a:stretch>
+        </p:blipFill>
+        <p:spPr bwMode="auto">
+          <a:xfrm>
+            <a:off x="6507869" y="2158641"/>
+            <a:ext cx="834137" cy="834137"/>
+          </a:xfrm>
+          <a:prstGeom prst="rect">
+            <a:avLst/>
+          </a:prstGeom>
+          <a:noFill/>
+          <a:extLst>
+            <a:ext uri="{909E8E84-426E-40DD-AFC4-6F175D3DCCD1}">
+              <a14:hiddenFill xmlns:a14="http://schemas.microsoft.com/office/drawing/2010/main">
+                <a:solidFill>
+                  <a:srgbClr val="FFFFFF"/>
+                </a:solidFill>
+              </a14:hiddenFill>
+            </a:ext>
+          </a:extLst>
+        </p:spPr>
+      </p:pic>
+      <p:pic>
+        <p:nvPicPr>
+          <p:cNvPr id="2052" name="Picture 4" descr="F:\Diplom\Защита протокола обмена данных. Олег\Diplom\Картинки\Презентация\oculuscat.png"/>
+          <p:cNvPicPr>
+            <a:picLocks noChangeAspect="1" noChangeArrowheads="1"/>
+          </p:cNvPicPr>
+          <p:nvPr/>
+        </p:nvPicPr>
+        <p:blipFill>
+          <a:blip r:embed="rId6">
+            <a:extLst>
+              <a:ext uri="{28A0092B-C50C-407E-A947-70E740481C1C}">
+                <a14:useLocalDpi xmlns:a14="http://schemas.microsoft.com/office/drawing/2010/main" val="0"/>
+              </a:ext>
+            </a:extLst>
+          </a:blip>
+          <a:srcRect/>
+          <a:stretch>
+            <a:fillRect/>
+          </a:stretch>
+        </p:blipFill>
+        <p:spPr bwMode="auto">
+          <a:xfrm>
+            <a:off x="7308304" y="1990661"/>
+            <a:ext cx="1170095" cy="1170095"/>
+          </a:xfrm>
+          <a:prstGeom prst="rect">
+            <a:avLst/>
+          </a:prstGeom>
+          <a:noFill/>
+          <a:extLst>
+            <a:ext uri="{909E8E84-426E-40DD-AFC4-6F175D3DCCD1}">
+              <a14:hiddenFill xmlns:a14="http://schemas.microsoft.com/office/drawing/2010/main">
+                <a:solidFill>
+                  <a:srgbClr val="FFFFFF"/>
+                </a:solidFill>
+              </a14:hiddenFill>
+            </a:ext>
+          </a:extLst>
+        </p:spPr>
+      </p:pic>
+      <p:pic>
+        <p:nvPicPr>
+          <p:cNvPr id="2053" name="Picture 5" descr="F:\Diplom\Защита протокола обмена данных. Олег\Diplom\Картинки\Презентация\python.png"/>
+          <p:cNvPicPr>
+            <a:picLocks noChangeAspect="1" noChangeArrowheads="1"/>
+          </p:cNvPicPr>
+          <p:nvPr/>
+        </p:nvPicPr>
+        <p:blipFill>
+          <a:blip r:embed="rId7" cstate="print">
+            <a:extLst>
+              <a:ext uri="{28A0092B-C50C-407E-A947-70E740481C1C}">
+                <a14:useLocalDpi xmlns:a14="http://schemas.microsoft.com/office/drawing/2010/main" val="0"/>
+              </a:ext>
+            </a:extLst>
+          </a:blip>
+          <a:srcRect/>
+          <a:stretch>
+            <a:fillRect/>
+          </a:stretch>
+        </p:blipFill>
+        <p:spPr bwMode="auto">
+          <a:xfrm>
+            <a:off x="4499992" y="1988840"/>
+            <a:ext cx="1153963" cy="1153963"/>
+          </a:xfrm>
+          <a:prstGeom prst="rect">
+            <a:avLst/>
+          </a:prstGeom>
+          <a:noFill/>
+          <a:extLst>
+            <a:ext uri="{909E8E84-426E-40DD-AFC4-6F175D3DCCD1}">
+              <a14:hiddenFill xmlns:a14="http://schemas.microsoft.com/office/drawing/2010/main">
+                <a:solidFill>
+                  <a:srgbClr val="FFFFFF"/>
+                </a:solidFill>
+              </a14:hiddenFill>
+            </a:ext>
+          </a:extLst>
+        </p:spPr>
+      </p:pic>
     </p:spTree>
     <p:extLst>
       <p:ext uri="{BB962C8B-B14F-4D97-AF65-F5344CB8AC3E}">
@@ -13088,7 +16172,7 @@
                   <a:schemeClr val="bg2"/>
                 </a:solidFill>
               </a:rPr>
-              <a:t>Этапы разработки программного обеспечения</a:t>
+              <a:t>Тестирование программного продукта</a:t>
             </a:r>
             <a:endParaRPr lang="ru-RU" sz="3200" b="1" dirty="0">
               <a:solidFill>
@@ -13098,16 +16182,62 @@
           </a:p>
         </p:txBody>
       </p:sp>
+      <p:sp>
+        <p:nvSpPr>
+          <p:cNvPr id="3" name="Объект 2"/>
+          <p:cNvSpPr>
+            <a:spLocks noGrp="1"/>
+          </p:cNvSpPr>
+          <p:nvPr>
+            <p:ph idx="1"/>
+          </p:nvPr>
+        </p:nvSpPr>
+        <p:spPr>
+          <a:xfrm>
+            <a:off x="539552" y="1484784"/>
+            <a:ext cx="5616624" cy="457654"/>
+          </a:xfrm>
+        </p:spPr>
+        <p:txBody>
+          <a:bodyPr>
+            <a:normAutofit/>
+          </a:bodyPr>
+          <a:lstStyle/>
+          <a:p>
+            <a:r>
+              <a:rPr lang="ru-RU" dirty="0" smtClean="0">
+                <a:solidFill>
+                  <a:schemeClr val="bg1"/>
+                </a:solidFill>
+              </a:rPr>
+              <a:t>Средство написания тестов: </a:t>
+            </a:r>
+            <a:r>
+              <a:rPr lang="en-US" dirty="0" smtClean="0">
+                <a:solidFill>
+                  <a:schemeClr val="bg1"/>
+                </a:solidFill>
+              </a:rPr>
+              <a:t>UnitTest2</a:t>
+            </a:r>
+            <a:endParaRPr lang="en-US" dirty="0">
+              <a:solidFill>
+                <a:schemeClr val="bg1"/>
+              </a:solidFill>
+            </a:endParaRPr>
+          </a:p>
+        </p:txBody>
+      </p:sp>
       <p:pic>
         <p:nvPicPr>
-          <p:cNvPr id="1027" name="Picture 3" descr="F:\Diplom\Защита протокола обмена данных. Олег\Diplom\Картинки\Презентация\idef0.png"/>
+          <p:cNvPr id="1027" name="Picture 3" descr="F:\Diplom\Защита протокола обмена данных. Олег\Diplom\Картинки\Презентация\unittest2.jpg"/>
           <p:cNvPicPr>
             <a:picLocks noChangeAspect="1" noChangeArrowheads="1"/>
           </p:cNvPicPr>
           <p:nvPr/>
         </p:nvPicPr>
         <p:blipFill>
-          <a:blip r:embed="rId2">
+          <a:blip r:embed="rId3">
             <a:extLst>
               <a:ext uri="{28A0092B-C50C-407E-A947-70E740481C1C}">
                 <a14:useLocalDpi xmlns:a14="http://schemas.microsoft.com/office/drawing/2010/main" val="0"/>
@@ -13121,8 +16251,8 @@
         </p:blipFill>
         <p:spPr bwMode="auto">
           <a:xfrm>
-            <a:off x="107502" y="1628800"/>
-            <a:ext cx="8846453" cy="4824536"/>
+            <a:off x="1043608" y="1945264"/>
+            <a:ext cx="7066644" cy="4773911"/>
           </a:xfrm>
           <a:prstGeom prst="rect">
             <a:avLst/>
@@ -13142,12 +16272,12 @@
     </p:spTree>
     <p:extLst>
       <p:ext uri="{BB962C8B-B14F-4D97-AF65-F5344CB8AC3E}">
-        <p14:creationId xmlns:p14="http://schemas.microsoft.com/office/powerpoint/2010/main" val="4182917217"/>
+        <p14:creationId xmlns:p14="http://schemas.microsoft.com/office/powerpoint/2010/main" val="475574760"/>
       </p:ext>
     </p:extLst>
   </p:cSld>
   <p:clrMapOvr>
-    <a:masterClrMapping/>
+    <a:overrideClrMapping bg1="dk1" tx1="lt1" bg2="dk2" tx2="lt2" accent1="accent1" accent2="accent2" accent3="accent3" accent4="accent4" accent5="accent5" accent6="accent6" hlink="hlink" folHlink="folHlink"/>
   </p:clrMapOvr>
   <p:timing>
     <p:tnLst>
@@ -13207,7 +16337,7 @@
                   <a:schemeClr val="bg2"/>
                 </a:solidFill>
               </a:rPr>
-              <a:t>Экономическое обоснование</a:t>
+              <a:t>Этапы разработки программного обеспечения</a:t>
             </a:r>
             <a:endParaRPr lang="ru-RU" sz="3200" b="1" dirty="0">
               <a:solidFill>
@@ -13217,38 +16347,56 @@
           </a:p>
         </p:txBody>
       </p:sp>
-      <p:sp>
-        <p:nvSpPr>
-          <p:cNvPr id="3" name="Объект 2"/>
-          <p:cNvSpPr>
-            <a:spLocks noGrp="1"/>
-          </p:cNvSpPr>
-          <p:nvPr>
-            <p:ph idx="1"/>
-          </p:nvPr>
-        </p:nvSpPr>
-        <p:spPr/>
-        <p:txBody>
-          <a:bodyPr/>
-          <a:lstStyle/>
-          <a:p>
-            <a:endParaRPr lang="ru-RU" dirty="0">
-              <a:solidFill>
-                <a:schemeClr val="bg1"/>
-              </a:solidFill>
-            </a:endParaRPr>
-          </a:p>
-        </p:txBody>
-      </p:sp>
+      <p:pic>
+        <p:nvPicPr>
+          <p:cNvPr id="4098" name="Picture 2" descr="F:\Diplom\Защита протокола обмена данных. Олег\Diplom\Картинки\Презентация\idef0.png"/>
+          <p:cNvPicPr>
+            <a:picLocks noChangeAspect="1" noChangeArrowheads="1"/>
+          </p:cNvPicPr>
+          <p:nvPr/>
+        </p:nvPicPr>
+        <p:blipFill>
+          <a:blip r:embed="rId3">
+            <a:extLst>
+              <a:ext uri="{28A0092B-C50C-407E-A947-70E740481C1C}">
+                <a14:useLocalDpi xmlns:a14="http://schemas.microsoft.com/office/drawing/2010/main" val="0"/>
+              </a:ext>
+            </a:extLst>
+          </a:blip>
+          <a:srcRect/>
+          <a:stretch>
+            <a:fillRect/>
+          </a:stretch>
+        </p:blipFill>
+        <p:spPr bwMode="auto">
+          <a:xfrm>
+            <a:off x="247697" y="1628800"/>
+            <a:ext cx="8714416" cy="4752528"/>
+          </a:xfrm>
+          <a:prstGeom prst="rect">
+            <a:avLst/>
+          </a:prstGeom>
+          <a:noFill/>
+          <a:extLst>
+            <a:ext uri="{909E8E84-426E-40DD-AFC4-6F175D3DCCD1}">
+              <a14:hiddenFill xmlns:a14="http://schemas.microsoft.com/office/drawing/2010/main">
+                <a:solidFill>
+                  <a:srgbClr val="FFFFFF"/>
+                </a:solidFill>
+              </a14:hiddenFill>
+            </a:ext>
+          </a:extLst>
+        </p:spPr>
+      </p:pic>
     </p:spTree>
     <p:extLst>
       <p:ext uri="{BB962C8B-B14F-4D97-AF65-F5344CB8AC3E}">
-        <p14:creationId xmlns:p14="http://schemas.microsoft.com/office/powerpoint/2010/main" val="475574760"/>
+        <p14:creationId xmlns:p14="http://schemas.microsoft.com/office/powerpoint/2010/main" val="4182917217"/>
       </p:ext>
     </p:extLst>
   </p:cSld>
   <p:clrMapOvr>
-    <a:overrideClrMapping bg1="dk1" tx1="lt1" bg2="dk2" tx2="lt2" accent1="accent1" accent2="accent2" accent3="accent3" accent4="accent4" accent5="accent5" accent6="accent6" hlink="hlink" folHlink="folHlink"/>
+    <a:masterClrMapping/>
   </p:clrMapOvr>
   <p:timing>
     <p:tnLst>
@@ -13308,7 +16456,7 @@
                   <a:schemeClr val="bg2"/>
                 </a:solidFill>
               </a:rPr>
-              <a:t>Результаты работы</a:t>
+              <a:t>Экономическое обоснование</a:t>
             </a:r>
             <a:endParaRPr lang="ru-RU" sz="3200" b="1" dirty="0">
               <a:solidFill>
@@ -13318,9 +16466,550 @@
           </a:p>
         </p:txBody>
       </p:sp>
+      <p:graphicFrame>
+        <p:nvGraphicFramePr>
+          <p:cNvPr id="5" name="Таблица 4"/>
+          <p:cNvGraphicFramePr>
+            <a:graphicFrameLocks noGrp="1"/>
+          </p:cNvGraphicFramePr>
+          <p:nvPr>
+            <p:extLst>
+              <p:ext uri="{D42A27DB-BD31-4B8C-83A1-F6EECF244321}">
+                <p14:modId xmlns:p14="http://schemas.microsoft.com/office/powerpoint/2010/main" val="3179894550"/>
+              </p:ext>
+            </p:extLst>
+          </p:nvPr>
+        </p:nvGraphicFramePr>
+        <p:xfrm>
+          <a:off x="467543" y="2112284"/>
+          <a:ext cx="3240361" cy="2612860"/>
+        </p:xfrm>
+        <a:graphic>
+          <a:graphicData uri="http://schemas.openxmlformats.org/drawingml/2006/table">
+            <a:tbl>
+              <a:tblPr firstRow="1" lastRow="1">
+                <a:tableStyleId>{69012ECD-51FC-41F1-AA8D-1B2483CD663E}</a:tableStyleId>
+              </a:tblPr>
+              <a:tblGrid>
+                <a:gridCol w="2118698"/>
+                <a:gridCol w="1121663"/>
+              </a:tblGrid>
+              <a:tr h="576064">
+                <a:tc>
+                  <a:txBody>
+                    <a:bodyPr/>
+                    <a:lstStyle/>
+                    <a:p>
+                      <a:pPr marL="0" algn="l" defTabSz="914400" rtl="0" eaLnBrk="1" latinLnBrk="0" hangingPunct="1">
+                        <a:lnSpc>
+                          <a:spcPct val="150000"/>
+                        </a:lnSpc>
+                        <a:spcAft>
+                          <a:spcPts val="0"/>
+                        </a:spcAft>
+                      </a:pPr>
+                      <a:r>
+                        <a:rPr lang="ru-RU" sz="1200" kern="1200" dirty="0">
+                          <a:solidFill>
+                            <a:schemeClr val="tx1"/>
+                          </a:solidFill>
+                          <a:effectLst/>
+                          <a:latin typeface="+mn-lt"/>
+                          <a:ea typeface="+mn-ea"/>
+                          <a:cs typeface="+mn-cs"/>
+                        </a:rPr>
+                        <a:t>Этап разработки ПП</a:t>
+                      </a:r>
+                    </a:p>
+                  </a:txBody>
+                  <a:tcPr marL="68580" marR="68580" marT="0" marB="0" anchor="ctr">
+                    <a:solidFill>
+                      <a:schemeClr val="bg2"/>
+                    </a:solidFill>
+                  </a:tcPr>
+                </a:tc>
+                <a:tc>
+                  <a:txBody>
+                    <a:bodyPr/>
+                    <a:lstStyle/>
+                    <a:p>
+                      <a:pPr marL="0" algn="l" defTabSz="914400" rtl="0" eaLnBrk="1" latinLnBrk="0" hangingPunct="1">
+                        <a:lnSpc>
+                          <a:spcPct val="150000"/>
+                        </a:lnSpc>
+                        <a:spcAft>
+                          <a:spcPts val="0"/>
+                        </a:spcAft>
+                      </a:pPr>
+                      <a:r>
+                        <a:rPr lang="ru-RU" sz="1200" kern="1200" dirty="0">
+                          <a:solidFill>
+                            <a:schemeClr val="tx1"/>
+                          </a:solidFill>
+                          <a:effectLst/>
+                          <a:latin typeface="+mn-lt"/>
+                          <a:ea typeface="+mn-ea"/>
+                          <a:cs typeface="+mn-cs"/>
+                        </a:rPr>
+                        <a:t>Трудоемкость, </a:t>
+                      </a:r>
+                      <a:r>
+                        <a:rPr lang="ru-RU" sz="1200" kern="1200" dirty="0" err="1">
+                          <a:solidFill>
+                            <a:schemeClr val="tx1"/>
+                          </a:solidFill>
+                          <a:effectLst/>
+                          <a:latin typeface="+mn-lt"/>
+                          <a:ea typeface="+mn-ea"/>
+                          <a:cs typeface="+mn-cs"/>
+                        </a:rPr>
+                        <a:t>чел.дн</a:t>
+                      </a:r>
+                      <a:r>
+                        <a:rPr lang="ru-RU" sz="1200" kern="1200" dirty="0">
+                          <a:solidFill>
+                            <a:schemeClr val="tx1"/>
+                          </a:solidFill>
+                          <a:effectLst/>
+                          <a:latin typeface="+mn-lt"/>
+                          <a:ea typeface="+mn-ea"/>
+                          <a:cs typeface="+mn-cs"/>
+                        </a:rPr>
+                        <a:t>.</a:t>
+                      </a:r>
+                    </a:p>
+                  </a:txBody>
+                  <a:tcPr marL="68580" marR="68580" marT="0" marB="0" anchor="ctr">
+                    <a:solidFill>
+                      <a:schemeClr val="bg2"/>
+                    </a:solidFill>
+                  </a:tcPr>
+                </a:tc>
+              </a:tr>
+              <a:tr h="339466">
+                <a:tc>
+                  <a:txBody>
+                    <a:bodyPr/>
+                    <a:lstStyle/>
+                    <a:p>
+                      <a:pPr marL="0" algn="l" defTabSz="914400" rtl="0" eaLnBrk="1" latinLnBrk="0" hangingPunct="1">
+                        <a:lnSpc>
+                          <a:spcPct val="150000"/>
+                        </a:lnSpc>
+                        <a:spcAft>
+                          <a:spcPts val="0"/>
+                        </a:spcAft>
+                      </a:pPr>
+                      <a:r>
+                        <a:rPr lang="ru-RU" sz="1200" kern="1200" dirty="0">
+                          <a:solidFill>
+                            <a:schemeClr val="bg1"/>
+                          </a:solidFill>
+                          <a:effectLst/>
+                          <a:latin typeface="+mn-lt"/>
+                          <a:ea typeface="+mn-ea"/>
+                          <a:cs typeface="+mn-cs"/>
+                        </a:rPr>
+                        <a:t>Техническое задание</a:t>
+                      </a:r>
+                    </a:p>
+                  </a:txBody>
+                  <a:tcPr marL="68580" marR="68580" marT="0" marB="0" anchor="ctr"/>
+                </a:tc>
+                <a:tc>
+                  <a:txBody>
+                    <a:bodyPr/>
+                    <a:lstStyle/>
+                    <a:p>
+                      <a:pPr marL="0" algn="l" defTabSz="914400" rtl="0" eaLnBrk="1" latinLnBrk="0" hangingPunct="1">
+                        <a:lnSpc>
+                          <a:spcPct val="150000"/>
+                        </a:lnSpc>
+                        <a:spcAft>
+                          <a:spcPts val="0"/>
+                        </a:spcAft>
+                      </a:pPr>
+                      <a:r>
+                        <a:rPr lang="ru-RU" sz="1200" kern="1200" dirty="0" smtClean="0">
+                          <a:solidFill>
+                            <a:schemeClr val="bg1"/>
+                          </a:solidFill>
+                          <a:effectLst/>
+                          <a:latin typeface="+mn-lt"/>
+                          <a:ea typeface="+mn-ea"/>
+                          <a:cs typeface="+mn-cs"/>
+                        </a:rPr>
+                        <a:t>12</a:t>
+                      </a:r>
+                      <a:endParaRPr lang="ru-RU" sz="1200" kern="1200" dirty="0">
+                        <a:solidFill>
+                          <a:schemeClr val="bg1"/>
+                        </a:solidFill>
+                        <a:effectLst/>
+                        <a:latin typeface="+mn-lt"/>
+                        <a:ea typeface="+mn-ea"/>
+                        <a:cs typeface="+mn-cs"/>
+                      </a:endParaRPr>
+                    </a:p>
+                  </a:txBody>
+                  <a:tcPr marL="68580" marR="68580" marT="0" marB="0" anchor="ctr"/>
+                </a:tc>
+              </a:tr>
+              <a:tr h="339466">
+                <a:tc>
+                  <a:txBody>
+                    <a:bodyPr/>
+                    <a:lstStyle/>
+                    <a:p>
+                      <a:pPr marL="0" algn="l" defTabSz="914400" rtl="0" eaLnBrk="1" latinLnBrk="0" hangingPunct="1">
+                        <a:lnSpc>
+                          <a:spcPct val="150000"/>
+                        </a:lnSpc>
+                        <a:spcAft>
+                          <a:spcPts val="0"/>
+                        </a:spcAft>
+                      </a:pPr>
+                      <a:r>
+                        <a:rPr lang="ru-RU" sz="1200" kern="1200" dirty="0">
+                          <a:solidFill>
+                            <a:schemeClr val="bg1"/>
+                          </a:solidFill>
+                          <a:effectLst/>
+                          <a:latin typeface="+mn-lt"/>
+                          <a:ea typeface="+mn-ea"/>
+                          <a:cs typeface="+mn-cs"/>
+                        </a:rPr>
+                        <a:t>Эскизный проект</a:t>
+                      </a:r>
+                    </a:p>
+                  </a:txBody>
+                  <a:tcPr marL="68580" marR="68580" marT="0" marB="0" anchor="ctr"/>
+                </a:tc>
+                <a:tc>
+                  <a:txBody>
+                    <a:bodyPr/>
+                    <a:lstStyle/>
+                    <a:p>
+                      <a:pPr marL="0" algn="l" defTabSz="914400" rtl="0" eaLnBrk="1" latinLnBrk="0" hangingPunct="1">
+                        <a:lnSpc>
+                          <a:spcPct val="150000"/>
+                        </a:lnSpc>
+                        <a:spcAft>
+                          <a:spcPts val="0"/>
+                        </a:spcAft>
+                      </a:pPr>
+                      <a:r>
+                        <a:rPr lang="ru-RU" sz="1200" kern="1200" dirty="0" smtClean="0">
+                          <a:solidFill>
+                            <a:schemeClr val="bg1"/>
+                          </a:solidFill>
+                          <a:effectLst/>
+                          <a:latin typeface="+mn-lt"/>
+                          <a:ea typeface="+mn-ea"/>
+                          <a:cs typeface="+mn-cs"/>
+                        </a:rPr>
+                        <a:t>20</a:t>
+                      </a:r>
+                      <a:endParaRPr lang="ru-RU" sz="1200" kern="1200" dirty="0">
+                        <a:solidFill>
+                          <a:schemeClr val="bg1"/>
+                        </a:solidFill>
+                        <a:effectLst/>
+                        <a:latin typeface="+mn-lt"/>
+                        <a:ea typeface="+mn-ea"/>
+                        <a:cs typeface="+mn-cs"/>
+                      </a:endParaRPr>
+                    </a:p>
+                  </a:txBody>
+                  <a:tcPr marL="68580" marR="68580" marT="0" marB="0" anchor="ctr"/>
+                </a:tc>
+              </a:tr>
+              <a:tr h="339466">
+                <a:tc>
+                  <a:txBody>
+                    <a:bodyPr/>
+                    <a:lstStyle/>
+                    <a:p>
+                      <a:pPr marL="0" algn="l" defTabSz="914400" rtl="0" eaLnBrk="1" latinLnBrk="0" hangingPunct="1">
+                        <a:lnSpc>
+                          <a:spcPct val="150000"/>
+                        </a:lnSpc>
+                        <a:spcAft>
+                          <a:spcPts val="0"/>
+                        </a:spcAft>
+                      </a:pPr>
+                      <a:r>
+                        <a:rPr lang="ru-RU" sz="1200" kern="1200" dirty="0">
+                          <a:solidFill>
+                            <a:schemeClr val="bg1"/>
+                          </a:solidFill>
+                          <a:effectLst/>
+                          <a:latin typeface="+mn-lt"/>
+                          <a:ea typeface="+mn-ea"/>
+                          <a:cs typeface="+mn-cs"/>
+                        </a:rPr>
+                        <a:t>Технический проект</a:t>
+                      </a:r>
+                    </a:p>
+                  </a:txBody>
+                  <a:tcPr marL="68580" marR="68580" marT="0" marB="0" anchor="ctr"/>
+                </a:tc>
+                <a:tc>
+                  <a:txBody>
+                    <a:bodyPr/>
+                    <a:lstStyle/>
+                    <a:p>
+                      <a:pPr marL="0" algn="l" defTabSz="914400" rtl="0" eaLnBrk="1" latinLnBrk="0" hangingPunct="1">
+                        <a:lnSpc>
+                          <a:spcPct val="150000"/>
+                        </a:lnSpc>
+                        <a:spcAft>
+                          <a:spcPts val="0"/>
+                        </a:spcAft>
+                      </a:pPr>
+                      <a:r>
+                        <a:rPr lang="ru-RU" sz="1200" kern="1200" dirty="0" smtClean="0">
+                          <a:solidFill>
+                            <a:schemeClr val="bg1"/>
+                          </a:solidFill>
+                          <a:effectLst/>
+                          <a:latin typeface="+mn-lt"/>
+                          <a:ea typeface="+mn-ea"/>
+                          <a:cs typeface="+mn-cs"/>
+                        </a:rPr>
+                        <a:t>80</a:t>
+                      </a:r>
+                      <a:endParaRPr lang="ru-RU" sz="1200" kern="1200" dirty="0">
+                        <a:solidFill>
+                          <a:schemeClr val="bg1"/>
+                        </a:solidFill>
+                        <a:effectLst/>
+                        <a:latin typeface="+mn-lt"/>
+                        <a:ea typeface="+mn-ea"/>
+                        <a:cs typeface="+mn-cs"/>
+                      </a:endParaRPr>
+                    </a:p>
+                  </a:txBody>
+                  <a:tcPr marL="68580" marR="68580" marT="0" marB="0" anchor="ctr"/>
+                </a:tc>
+              </a:tr>
+              <a:tr h="339466">
+                <a:tc>
+                  <a:txBody>
+                    <a:bodyPr/>
+                    <a:lstStyle/>
+                    <a:p>
+                      <a:pPr marL="0" algn="l" defTabSz="914400" rtl="0" eaLnBrk="1" latinLnBrk="0" hangingPunct="1">
+                        <a:lnSpc>
+                          <a:spcPct val="150000"/>
+                        </a:lnSpc>
+                        <a:spcAft>
+                          <a:spcPts val="0"/>
+                        </a:spcAft>
+                      </a:pPr>
+                      <a:r>
+                        <a:rPr lang="ru-RU" sz="1200" kern="1200" dirty="0">
+                          <a:solidFill>
+                            <a:schemeClr val="bg1"/>
+                          </a:solidFill>
+                          <a:effectLst/>
+                          <a:latin typeface="+mn-lt"/>
+                          <a:ea typeface="+mn-ea"/>
+                          <a:cs typeface="+mn-cs"/>
+                        </a:rPr>
+                        <a:t>Рабочий проект</a:t>
+                      </a:r>
+                    </a:p>
+                  </a:txBody>
+                  <a:tcPr marL="68580" marR="68580" marT="0" marB="0" anchor="ctr"/>
+                </a:tc>
+                <a:tc>
+                  <a:txBody>
+                    <a:bodyPr/>
+                    <a:lstStyle/>
+                    <a:p>
+                      <a:pPr marL="0" algn="l" defTabSz="914400" rtl="0" eaLnBrk="1" latinLnBrk="0" hangingPunct="1">
+                        <a:lnSpc>
+                          <a:spcPct val="150000"/>
+                        </a:lnSpc>
+                        <a:spcAft>
+                          <a:spcPts val="0"/>
+                        </a:spcAft>
+                      </a:pPr>
+                      <a:r>
+                        <a:rPr lang="ru-RU" sz="1200" kern="1200" dirty="0" smtClean="0">
+                          <a:solidFill>
+                            <a:schemeClr val="bg1"/>
+                          </a:solidFill>
+                          <a:effectLst/>
+                          <a:latin typeface="+mn-lt"/>
+                          <a:ea typeface="+mn-ea"/>
+                          <a:cs typeface="+mn-cs"/>
+                        </a:rPr>
+                        <a:t>27</a:t>
+                      </a:r>
+                      <a:endParaRPr lang="ru-RU" sz="1200" kern="1200" dirty="0">
+                        <a:solidFill>
+                          <a:schemeClr val="bg1"/>
+                        </a:solidFill>
+                        <a:effectLst/>
+                        <a:latin typeface="+mn-lt"/>
+                        <a:ea typeface="+mn-ea"/>
+                        <a:cs typeface="+mn-cs"/>
+                      </a:endParaRPr>
+                    </a:p>
+                  </a:txBody>
+                  <a:tcPr marL="68580" marR="68580" marT="0" marB="0" anchor="ctr"/>
+                </a:tc>
+              </a:tr>
+              <a:tr h="339466">
+                <a:tc>
+                  <a:txBody>
+                    <a:bodyPr/>
+                    <a:lstStyle/>
+                    <a:p>
+                      <a:pPr marL="0" algn="l" defTabSz="914400" rtl="0" eaLnBrk="1" latinLnBrk="0" hangingPunct="1">
+                        <a:lnSpc>
+                          <a:spcPct val="150000"/>
+                        </a:lnSpc>
+                        <a:spcAft>
+                          <a:spcPts val="0"/>
+                        </a:spcAft>
+                      </a:pPr>
+                      <a:r>
+                        <a:rPr lang="ru-RU" sz="1200" kern="1200" dirty="0">
+                          <a:solidFill>
+                            <a:schemeClr val="bg1"/>
+                          </a:solidFill>
+                          <a:effectLst/>
+                          <a:latin typeface="+mn-lt"/>
+                          <a:ea typeface="+mn-ea"/>
+                          <a:cs typeface="+mn-cs"/>
+                        </a:rPr>
+                        <a:t>Внедрение</a:t>
+                      </a:r>
+                    </a:p>
+                  </a:txBody>
+                  <a:tcPr marL="68580" marR="68580" marT="0" marB="0" anchor="ctr"/>
+                </a:tc>
+                <a:tc>
+                  <a:txBody>
+                    <a:bodyPr/>
+                    <a:lstStyle/>
+                    <a:p>
+                      <a:pPr marL="0" algn="l" defTabSz="914400" rtl="0" eaLnBrk="1" latinLnBrk="0" hangingPunct="1">
+                        <a:spcAft>
+                          <a:spcPts val="0"/>
+                        </a:spcAft>
+                      </a:pPr>
+                      <a:r>
+                        <a:rPr lang="ru-RU" sz="1200" kern="1200" dirty="0" smtClean="0">
+                          <a:solidFill>
+                            <a:schemeClr val="bg1"/>
+                          </a:solidFill>
+                          <a:effectLst/>
+                          <a:latin typeface="+mn-lt"/>
+                          <a:ea typeface="+mn-ea"/>
+                          <a:cs typeface="+mn-cs"/>
+                        </a:rPr>
+                        <a:t>20</a:t>
+                      </a:r>
+                      <a:endParaRPr lang="ru-RU" sz="1200" kern="1200" dirty="0">
+                        <a:solidFill>
+                          <a:schemeClr val="bg1"/>
+                        </a:solidFill>
+                        <a:effectLst/>
+                        <a:latin typeface="+mn-lt"/>
+                        <a:ea typeface="+mn-ea"/>
+                        <a:cs typeface="+mn-cs"/>
+                      </a:endParaRPr>
+                    </a:p>
+                  </a:txBody>
+                  <a:tcPr marL="68580" marR="68580" marT="0" marB="0" anchor="ctr"/>
+                </a:tc>
+              </a:tr>
+              <a:tr h="339466">
+                <a:tc>
+                  <a:txBody>
+                    <a:bodyPr/>
+                    <a:lstStyle/>
+                    <a:p>
+                      <a:pPr marL="0" algn="l" defTabSz="914400" rtl="0" eaLnBrk="1" latinLnBrk="0" hangingPunct="1">
+                        <a:lnSpc>
+                          <a:spcPct val="150000"/>
+                        </a:lnSpc>
+                        <a:spcAft>
+                          <a:spcPts val="0"/>
+                        </a:spcAft>
+                      </a:pPr>
+                      <a:r>
+                        <a:rPr lang="ru-RU" sz="1200" kern="1200" dirty="0" smtClean="0">
+                          <a:solidFill>
+                            <a:schemeClr val="bg1"/>
+                          </a:solidFill>
+                          <a:effectLst/>
+                          <a:latin typeface="+mn-lt"/>
+                          <a:ea typeface="+mn-ea"/>
+                          <a:cs typeface="+mn-cs"/>
+                        </a:rPr>
+                        <a:t>Всего</a:t>
+                      </a:r>
+                      <a:endParaRPr lang="ru-RU" sz="1200" kern="1200" dirty="0">
+                        <a:solidFill>
+                          <a:schemeClr val="bg1"/>
+                        </a:solidFill>
+                        <a:effectLst/>
+                        <a:latin typeface="+mn-lt"/>
+                        <a:ea typeface="+mn-ea"/>
+                        <a:cs typeface="+mn-cs"/>
+                      </a:endParaRPr>
+                    </a:p>
+                  </a:txBody>
+                  <a:tcPr marL="68580" marR="68580" marT="0" marB="0" anchor="ctr"/>
+                </a:tc>
+                <a:tc>
+                  <a:txBody>
+                    <a:bodyPr/>
+                    <a:lstStyle/>
+                    <a:p>
+                      <a:pPr marL="0" algn="l" defTabSz="914400" rtl="0" eaLnBrk="1" latinLnBrk="0" hangingPunct="1">
+                        <a:spcAft>
+                          <a:spcPts val="0"/>
+                        </a:spcAft>
+                      </a:pPr>
+                      <a:r>
+                        <a:rPr lang="ru-RU" sz="1200" kern="1200" dirty="0" smtClean="0">
+                          <a:solidFill>
+                            <a:schemeClr val="bg1"/>
+                          </a:solidFill>
+                          <a:effectLst/>
+                          <a:latin typeface="+mn-lt"/>
+                          <a:ea typeface="+mn-ea"/>
+                          <a:cs typeface="+mn-cs"/>
+                        </a:rPr>
+                        <a:t>159</a:t>
+                      </a:r>
+                      <a:endParaRPr lang="ru-RU" sz="1200" kern="1200" dirty="0">
+                        <a:solidFill>
+                          <a:schemeClr val="bg1"/>
+                        </a:solidFill>
+                        <a:effectLst/>
+                        <a:latin typeface="+mn-lt"/>
+                        <a:ea typeface="+mn-ea"/>
+                        <a:cs typeface="+mn-cs"/>
+                      </a:endParaRPr>
+                    </a:p>
+                  </a:txBody>
+                  <a:tcPr marL="68580" marR="68580" marT="0" marB="0" anchor="ctr"/>
+                </a:tc>
+              </a:tr>
+            </a:tbl>
+          </a:graphicData>
+        </a:graphic>
+      </p:graphicFrame>
       <p:sp>
         <p:nvSpPr>
-          <p:cNvPr id="3" name="Объект 2"/>
+          <p:cNvPr id="6" name="Объект 2"/>
           <p:cNvSpPr>
             <a:spLocks noGrp="1"/>
           </p:cNvSpPr>
@@ -13328,11 +17017,26 @@
             <p:ph idx="1"/>
           </p:nvPr>
         </p:nvSpPr>
-        <p:spPr/>
+        <p:spPr>
+          <a:xfrm>
+            <a:off x="5148064" y="1608228"/>
+            <a:ext cx="3168352" cy="511985"/>
+          </a:xfrm>
+        </p:spPr>
         <p:txBody>
-          <a:bodyPr/>
+          <a:bodyPr>
+            <a:normAutofit/>
+          </a:bodyPr>
           <a:lstStyle/>
           <a:p>
+            <a:r>
+              <a:rPr lang="ru-RU" dirty="0" smtClean="0">
+                <a:solidFill>
+                  <a:schemeClr val="bg1"/>
+                </a:solidFill>
+              </a:rPr>
+              <a:t>Окупаемость</a:t>
+            </a:r>
             <a:endParaRPr lang="ru-RU" dirty="0">
               <a:solidFill>
                 <a:schemeClr val="bg1"/>
@@ -13341,15 +17045,1320 @@
           </a:p>
         </p:txBody>
       </p:sp>
+      <p:sp>
+        <p:nvSpPr>
+          <p:cNvPr id="7" name="Объект 2"/>
+          <p:cNvSpPr txBox="1">
+            <a:spLocks/>
+          </p:cNvSpPr>
+          <p:nvPr/>
+        </p:nvSpPr>
+        <p:spPr>
+          <a:xfrm>
+            <a:off x="467544" y="1608228"/>
+            <a:ext cx="3024436" cy="511985"/>
+          </a:xfrm>
+          <a:prstGeom prst="rect">
+            <a:avLst/>
+          </a:prstGeom>
+        </p:spPr>
+        <p:txBody>
+          <a:bodyPr vert="horz" lIns="91440" tIns="45720" rIns="91440" bIns="45720" rtlCol="0">
+            <a:normAutofit/>
+          </a:bodyPr>
+          <a:lstStyle>
+            <a:lvl1pPr marL="342900" indent="-342900" algn="l" defTabSz="457200" rtl="0" eaLnBrk="1" latinLnBrk="0" hangingPunct="1">
+              <a:spcBef>
+                <a:spcPct val="20000"/>
+              </a:spcBef>
+              <a:spcAft>
+                <a:spcPts val="600"/>
+              </a:spcAft>
+              <a:buClr>
+                <a:schemeClr val="accent1"/>
+              </a:buClr>
+              <a:buSzPct val="80000"/>
+              <a:buFont typeface="Wingdings 3" charset="2"/>
+              <a:buChar char=""/>
+              <a:defRPr sz="2000" b="0" i="0" kern="1200">
+                <a:solidFill>
+                  <a:schemeClr val="tx1"/>
+                </a:solidFill>
+                <a:latin typeface="+mj-lt"/>
+                <a:ea typeface="+mj-ea"/>
+                <a:cs typeface="+mj-cs"/>
+              </a:defRPr>
+            </a:lvl1pPr>
+            <a:lvl2pPr marL="742950" indent="-285750" algn="l" defTabSz="457200" rtl="0" eaLnBrk="1" latinLnBrk="0" hangingPunct="1">
+              <a:spcBef>
+                <a:spcPct val="20000"/>
+              </a:spcBef>
+              <a:spcAft>
+                <a:spcPts val="600"/>
+              </a:spcAft>
+              <a:buClr>
+                <a:schemeClr val="accent1"/>
+              </a:buClr>
+              <a:buSzPct val="80000"/>
+              <a:buFont typeface="Wingdings 3" charset="2"/>
+              <a:buChar char=""/>
+              <a:defRPr sz="1800" b="0" i="0" kern="1200">
+                <a:solidFill>
+                  <a:schemeClr val="tx1"/>
+                </a:solidFill>
+                <a:latin typeface="+mj-lt"/>
+                <a:ea typeface="+mj-ea"/>
+                <a:cs typeface="+mj-cs"/>
+              </a:defRPr>
+            </a:lvl2pPr>
+            <a:lvl3pPr marL="1143000" indent="-228600" algn="l" defTabSz="457200" rtl="0" eaLnBrk="1" latinLnBrk="0" hangingPunct="1">
+              <a:spcBef>
+                <a:spcPct val="20000"/>
+              </a:spcBef>
+              <a:spcAft>
+                <a:spcPts val="600"/>
+              </a:spcAft>
+              <a:buClr>
+                <a:schemeClr val="accent1"/>
+              </a:buClr>
+              <a:buSzPct val="80000"/>
+              <a:buFont typeface="Wingdings 3" charset="2"/>
+              <a:buChar char=""/>
+              <a:defRPr sz="1600" b="0" i="0" kern="1200">
+                <a:solidFill>
+                  <a:schemeClr val="tx1"/>
+                </a:solidFill>
+                <a:latin typeface="+mj-lt"/>
+                <a:ea typeface="+mj-ea"/>
+                <a:cs typeface="+mj-cs"/>
+              </a:defRPr>
+            </a:lvl3pPr>
+            <a:lvl4pPr marL="1600200" indent="-228600" algn="l" defTabSz="457200" rtl="0" eaLnBrk="1" latinLnBrk="0" hangingPunct="1">
+              <a:spcBef>
+                <a:spcPct val="20000"/>
+              </a:spcBef>
+              <a:spcAft>
+                <a:spcPts val="600"/>
+              </a:spcAft>
+              <a:buClr>
+                <a:schemeClr val="accent1"/>
+              </a:buClr>
+              <a:buSzPct val="80000"/>
+              <a:buFont typeface="Wingdings 3" charset="2"/>
+              <a:buChar char=""/>
+              <a:defRPr sz="1400" b="0" i="0" kern="1200">
+                <a:solidFill>
+                  <a:schemeClr val="tx1"/>
+                </a:solidFill>
+                <a:latin typeface="+mj-lt"/>
+                <a:ea typeface="+mj-ea"/>
+                <a:cs typeface="+mj-cs"/>
+              </a:defRPr>
+            </a:lvl4pPr>
+            <a:lvl5pPr marL="2057400" indent="-228600" algn="l" defTabSz="457200" rtl="0" eaLnBrk="1" latinLnBrk="0" hangingPunct="1">
+              <a:spcBef>
+                <a:spcPct val="20000"/>
+              </a:spcBef>
+              <a:spcAft>
+                <a:spcPts val="600"/>
+              </a:spcAft>
+              <a:buClr>
+                <a:schemeClr val="accent1"/>
+              </a:buClr>
+              <a:buSzPct val="80000"/>
+              <a:buFont typeface="Wingdings 3" charset="2"/>
+              <a:buChar char=""/>
+              <a:defRPr sz="1400" b="0" i="0" kern="1200">
+                <a:solidFill>
+                  <a:schemeClr val="tx1"/>
+                </a:solidFill>
+                <a:latin typeface="+mj-lt"/>
+                <a:ea typeface="+mj-ea"/>
+                <a:cs typeface="+mj-cs"/>
+              </a:defRPr>
+            </a:lvl5pPr>
+            <a:lvl6pPr marL="2514600" indent="-228600" algn="l" defTabSz="457200" rtl="0" eaLnBrk="1" latinLnBrk="0" hangingPunct="1">
+              <a:spcBef>
+                <a:spcPct val="20000"/>
+              </a:spcBef>
+              <a:spcAft>
+                <a:spcPts val="600"/>
+              </a:spcAft>
+              <a:buClr>
+                <a:schemeClr val="accent1"/>
+              </a:buClr>
+              <a:buSzPct val="80000"/>
+              <a:buFont typeface="Wingdings 3" charset="2"/>
+              <a:buChar char=""/>
+              <a:defRPr sz="1200" b="0" i="0" kern="1200">
+                <a:solidFill>
+                  <a:schemeClr val="tx1"/>
+                </a:solidFill>
+                <a:latin typeface="+mj-lt"/>
+                <a:ea typeface="+mj-ea"/>
+                <a:cs typeface="+mj-cs"/>
+              </a:defRPr>
+            </a:lvl6pPr>
+            <a:lvl7pPr marL="2971800" indent="-228600" algn="l" defTabSz="457200" rtl="0" eaLnBrk="1" latinLnBrk="0" hangingPunct="1">
+              <a:spcBef>
+                <a:spcPct val="20000"/>
+              </a:spcBef>
+              <a:spcAft>
+                <a:spcPts val="600"/>
+              </a:spcAft>
+              <a:buClr>
+                <a:schemeClr val="accent1"/>
+              </a:buClr>
+              <a:buSzPct val="80000"/>
+              <a:buFont typeface="Wingdings 3" charset="2"/>
+              <a:buChar char=""/>
+              <a:defRPr sz="1200" b="0" i="0" kern="1200">
+                <a:solidFill>
+                  <a:schemeClr val="tx1"/>
+                </a:solidFill>
+                <a:latin typeface="+mj-lt"/>
+                <a:ea typeface="+mj-ea"/>
+                <a:cs typeface="+mj-cs"/>
+              </a:defRPr>
+            </a:lvl7pPr>
+            <a:lvl8pPr marL="3429000" indent="-228600" algn="l" defTabSz="457200" rtl="0" eaLnBrk="1" latinLnBrk="0" hangingPunct="1">
+              <a:spcBef>
+                <a:spcPct val="20000"/>
+              </a:spcBef>
+              <a:spcAft>
+                <a:spcPts val="600"/>
+              </a:spcAft>
+              <a:buClr>
+                <a:schemeClr val="accent1"/>
+              </a:buClr>
+              <a:buSzPct val="80000"/>
+              <a:buFont typeface="Wingdings 3" charset="2"/>
+              <a:buChar char=""/>
+              <a:defRPr sz="1200" b="0" i="0" kern="1200">
+                <a:solidFill>
+                  <a:schemeClr val="tx1"/>
+                </a:solidFill>
+                <a:latin typeface="+mj-lt"/>
+                <a:ea typeface="+mj-ea"/>
+                <a:cs typeface="+mj-cs"/>
+              </a:defRPr>
+            </a:lvl8pPr>
+            <a:lvl9pPr marL="3886200" indent="-228600" algn="l" defTabSz="457200" rtl="0" eaLnBrk="1" latinLnBrk="0" hangingPunct="1">
+              <a:spcBef>
+                <a:spcPct val="20000"/>
+              </a:spcBef>
+              <a:spcAft>
+                <a:spcPts val="600"/>
+              </a:spcAft>
+              <a:buClr>
+                <a:schemeClr val="accent1"/>
+              </a:buClr>
+              <a:buSzPct val="80000"/>
+              <a:buFont typeface="Wingdings 3" charset="2"/>
+              <a:buChar char=""/>
+              <a:defRPr sz="1200" b="0" i="0" kern="1200">
+                <a:solidFill>
+                  <a:schemeClr val="tx1"/>
+                </a:solidFill>
+                <a:latin typeface="+mj-lt"/>
+                <a:ea typeface="+mj-ea"/>
+                <a:cs typeface="+mj-cs"/>
+              </a:defRPr>
+            </a:lvl9pPr>
+          </a:lstStyle>
+          <a:p>
+            <a:r>
+              <a:rPr lang="ru-RU" dirty="0" smtClean="0">
+                <a:solidFill>
+                  <a:schemeClr val="bg1"/>
+                </a:solidFill>
+              </a:rPr>
+              <a:t>Трудоемкость</a:t>
+            </a:r>
+            <a:endParaRPr lang="ru-RU" dirty="0">
+              <a:solidFill>
+                <a:schemeClr val="bg1"/>
+              </a:solidFill>
+            </a:endParaRPr>
+          </a:p>
+        </p:txBody>
+      </p:sp>
+      <p:sp>
+        <p:nvSpPr>
+          <p:cNvPr id="8" name="Объект 2"/>
+          <p:cNvSpPr txBox="1">
+            <a:spLocks/>
+          </p:cNvSpPr>
+          <p:nvPr/>
+        </p:nvSpPr>
+        <p:spPr>
+          <a:xfrm>
+            <a:off x="2339752" y="5229200"/>
+            <a:ext cx="4392488" cy="956198"/>
+          </a:xfrm>
+          <a:prstGeom prst="rect">
+            <a:avLst/>
+          </a:prstGeom>
+        </p:spPr>
+        <p:txBody>
+          <a:bodyPr vert="horz" lIns="91440" tIns="45720" rIns="91440" bIns="45720" rtlCol="0">
+            <a:normAutofit fontScale="92500"/>
+          </a:bodyPr>
+          <a:lstStyle>
+            <a:lvl1pPr marL="342900" indent="-342900" algn="l" defTabSz="457200" rtl="0" eaLnBrk="1" latinLnBrk="0" hangingPunct="1">
+              <a:spcBef>
+                <a:spcPct val="20000"/>
+              </a:spcBef>
+              <a:spcAft>
+                <a:spcPts val="600"/>
+              </a:spcAft>
+              <a:buClr>
+                <a:schemeClr val="accent1"/>
+              </a:buClr>
+              <a:buSzPct val="80000"/>
+              <a:buFont typeface="Wingdings 3" charset="2"/>
+              <a:buChar char=""/>
+              <a:defRPr sz="2000" b="0" i="0" kern="1200">
+                <a:solidFill>
+                  <a:schemeClr val="tx1"/>
+                </a:solidFill>
+                <a:latin typeface="+mj-lt"/>
+                <a:ea typeface="+mj-ea"/>
+                <a:cs typeface="+mj-cs"/>
+              </a:defRPr>
+            </a:lvl1pPr>
+            <a:lvl2pPr marL="742950" indent="-285750" algn="l" defTabSz="457200" rtl="0" eaLnBrk="1" latinLnBrk="0" hangingPunct="1">
+              <a:spcBef>
+                <a:spcPct val="20000"/>
+              </a:spcBef>
+              <a:spcAft>
+                <a:spcPts val="600"/>
+              </a:spcAft>
+              <a:buClr>
+                <a:schemeClr val="accent1"/>
+              </a:buClr>
+              <a:buSzPct val="80000"/>
+              <a:buFont typeface="Wingdings 3" charset="2"/>
+              <a:buChar char=""/>
+              <a:defRPr sz="1800" b="0" i="0" kern="1200">
+                <a:solidFill>
+                  <a:schemeClr val="tx1"/>
+                </a:solidFill>
+                <a:latin typeface="+mj-lt"/>
+                <a:ea typeface="+mj-ea"/>
+                <a:cs typeface="+mj-cs"/>
+              </a:defRPr>
+            </a:lvl2pPr>
+            <a:lvl3pPr marL="1143000" indent="-228600" algn="l" defTabSz="457200" rtl="0" eaLnBrk="1" latinLnBrk="0" hangingPunct="1">
+              <a:spcBef>
+                <a:spcPct val="20000"/>
+              </a:spcBef>
+              <a:spcAft>
+                <a:spcPts val="600"/>
+              </a:spcAft>
+              <a:buClr>
+                <a:schemeClr val="accent1"/>
+              </a:buClr>
+              <a:buSzPct val="80000"/>
+              <a:buFont typeface="Wingdings 3" charset="2"/>
+              <a:buChar char=""/>
+              <a:defRPr sz="1600" b="0" i="0" kern="1200">
+                <a:solidFill>
+                  <a:schemeClr val="tx1"/>
+                </a:solidFill>
+                <a:latin typeface="+mj-lt"/>
+                <a:ea typeface="+mj-ea"/>
+                <a:cs typeface="+mj-cs"/>
+              </a:defRPr>
+            </a:lvl3pPr>
+            <a:lvl4pPr marL="1600200" indent="-228600" algn="l" defTabSz="457200" rtl="0" eaLnBrk="1" latinLnBrk="0" hangingPunct="1">
+              <a:spcBef>
+                <a:spcPct val="20000"/>
+              </a:spcBef>
+              <a:spcAft>
+                <a:spcPts val="600"/>
+              </a:spcAft>
+              <a:buClr>
+                <a:schemeClr val="accent1"/>
+              </a:buClr>
+              <a:buSzPct val="80000"/>
+              <a:buFont typeface="Wingdings 3" charset="2"/>
+              <a:buChar char=""/>
+              <a:defRPr sz="1400" b="0" i="0" kern="1200">
+                <a:solidFill>
+                  <a:schemeClr val="tx1"/>
+                </a:solidFill>
+                <a:latin typeface="+mj-lt"/>
+                <a:ea typeface="+mj-ea"/>
+                <a:cs typeface="+mj-cs"/>
+              </a:defRPr>
+            </a:lvl4pPr>
+            <a:lvl5pPr marL="2057400" indent="-228600" algn="l" defTabSz="457200" rtl="0" eaLnBrk="1" latinLnBrk="0" hangingPunct="1">
+              <a:spcBef>
+                <a:spcPct val="20000"/>
+              </a:spcBef>
+              <a:spcAft>
+                <a:spcPts val="600"/>
+              </a:spcAft>
+              <a:buClr>
+                <a:schemeClr val="accent1"/>
+              </a:buClr>
+              <a:buSzPct val="80000"/>
+              <a:buFont typeface="Wingdings 3" charset="2"/>
+              <a:buChar char=""/>
+              <a:defRPr sz="1400" b="0" i="0" kern="1200">
+                <a:solidFill>
+                  <a:schemeClr val="tx1"/>
+                </a:solidFill>
+                <a:latin typeface="+mj-lt"/>
+                <a:ea typeface="+mj-ea"/>
+                <a:cs typeface="+mj-cs"/>
+              </a:defRPr>
+            </a:lvl5pPr>
+            <a:lvl6pPr marL="2514600" indent="-228600" algn="l" defTabSz="457200" rtl="0" eaLnBrk="1" latinLnBrk="0" hangingPunct="1">
+              <a:spcBef>
+                <a:spcPct val="20000"/>
+              </a:spcBef>
+              <a:spcAft>
+                <a:spcPts val="600"/>
+              </a:spcAft>
+              <a:buClr>
+                <a:schemeClr val="accent1"/>
+              </a:buClr>
+              <a:buSzPct val="80000"/>
+              <a:buFont typeface="Wingdings 3" charset="2"/>
+              <a:buChar char=""/>
+              <a:defRPr sz="1200" b="0" i="0" kern="1200">
+                <a:solidFill>
+                  <a:schemeClr val="tx1"/>
+                </a:solidFill>
+                <a:latin typeface="+mj-lt"/>
+                <a:ea typeface="+mj-ea"/>
+                <a:cs typeface="+mj-cs"/>
+              </a:defRPr>
+            </a:lvl6pPr>
+            <a:lvl7pPr marL="2971800" indent="-228600" algn="l" defTabSz="457200" rtl="0" eaLnBrk="1" latinLnBrk="0" hangingPunct="1">
+              <a:spcBef>
+                <a:spcPct val="20000"/>
+              </a:spcBef>
+              <a:spcAft>
+                <a:spcPts val="600"/>
+              </a:spcAft>
+              <a:buClr>
+                <a:schemeClr val="accent1"/>
+              </a:buClr>
+              <a:buSzPct val="80000"/>
+              <a:buFont typeface="Wingdings 3" charset="2"/>
+              <a:buChar char=""/>
+              <a:defRPr sz="1200" b="0" i="0" kern="1200">
+                <a:solidFill>
+                  <a:schemeClr val="tx1"/>
+                </a:solidFill>
+                <a:latin typeface="+mj-lt"/>
+                <a:ea typeface="+mj-ea"/>
+                <a:cs typeface="+mj-cs"/>
+              </a:defRPr>
+            </a:lvl7pPr>
+            <a:lvl8pPr marL="3429000" indent="-228600" algn="l" defTabSz="457200" rtl="0" eaLnBrk="1" latinLnBrk="0" hangingPunct="1">
+              <a:spcBef>
+                <a:spcPct val="20000"/>
+              </a:spcBef>
+              <a:spcAft>
+                <a:spcPts val="600"/>
+              </a:spcAft>
+              <a:buClr>
+                <a:schemeClr val="accent1"/>
+              </a:buClr>
+              <a:buSzPct val="80000"/>
+              <a:buFont typeface="Wingdings 3" charset="2"/>
+              <a:buChar char=""/>
+              <a:defRPr sz="1200" b="0" i="0" kern="1200">
+                <a:solidFill>
+                  <a:schemeClr val="tx1"/>
+                </a:solidFill>
+                <a:latin typeface="+mj-lt"/>
+                <a:ea typeface="+mj-ea"/>
+                <a:cs typeface="+mj-cs"/>
+              </a:defRPr>
+            </a:lvl8pPr>
+            <a:lvl9pPr marL="3886200" indent="-228600" algn="l" defTabSz="457200" rtl="0" eaLnBrk="1" latinLnBrk="0" hangingPunct="1">
+              <a:spcBef>
+                <a:spcPct val="20000"/>
+              </a:spcBef>
+              <a:spcAft>
+                <a:spcPts val="600"/>
+              </a:spcAft>
+              <a:buClr>
+                <a:schemeClr val="accent1"/>
+              </a:buClr>
+              <a:buSzPct val="80000"/>
+              <a:buFont typeface="Wingdings 3" charset="2"/>
+              <a:buChar char=""/>
+              <a:defRPr sz="1200" b="0" i="0" kern="1200">
+                <a:solidFill>
+                  <a:schemeClr val="tx1"/>
+                </a:solidFill>
+                <a:latin typeface="+mj-lt"/>
+                <a:ea typeface="+mj-ea"/>
+                <a:cs typeface="+mj-cs"/>
+              </a:defRPr>
+            </a:lvl9pPr>
+          </a:lstStyle>
+          <a:p>
+            <a:r>
+              <a:rPr lang="ru-RU" dirty="0" smtClean="0">
+                <a:solidFill>
+                  <a:schemeClr val="bg1"/>
+                </a:solidFill>
+              </a:rPr>
+              <a:t>Цена программной продукции</a:t>
+            </a:r>
+          </a:p>
+          <a:p>
+            <a:pPr lvl="1"/>
+            <a:r>
+              <a:rPr lang="ru-RU" b="1" dirty="0" smtClean="0">
+                <a:solidFill>
+                  <a:schemeClr val="bg1"/>
+                </a:solidFill>
+              </a:rPr>
+              <a:t>140900,31 руб.</a:t>
+            </a:r>
+          </a:p>
+          <a:p>
+            <a:pPr lvl="1"/>
+            <a:endParaRPr lang="ru-RU" dirty="0">
+              <a:solidFill>
+                <a:schemeClr val="bg1"/>
+              </a:solidFill>
+            </a:endParaRPr>
+          </a:p>
+        </p:txBody>
+      </p:sp>
+      <p:graphicFrame>
+        <p:nvGraphicFramePr>
+          <p:cNvPr id="10" name="Таблица 9"/>
+          <p:cNvGraphicFramePr>
+            <a:graphicFrameLocks noGrp="1"/>
+          </p:cNvGraphicFramePr>
+          <p:nvPr>
+            <p:extLst>
+              <p:ext uri="{D42A27DB-BD31-4B8C-83A1-F6EECF244321}">
+                <p14:modId xmlns:p14="http://schemas.microsoft.com/office/powerpoint/2010/main" val="91034366"/>
+              </p:ext>
+            </p:extLst>
+          </p:nvPr>
+        </p:nvGraphicFramePr>
+        <p:xfrm>
+          <a:off x="3923928" y="2120213"/>
+          <a:ext cx="4896544" cy="2584358"/>
+        </p:xfrm>
+        <a:graphic>
+          <a:graphicData uri="http://schemas.openxmlformats.org/drawingml/2006/table">
+            <a:tbl>
+              <a:tblPr firstRow="1" lastRow="1">
+                <a:tableStyleId>{69012ECD-51FC-41F1-AA8D-1B2483CD663E}</a:tableStyleId>
+              </a:tblPr>
+              <a:tblGrid>
+                <a:gridCol w="2967602"/>
+                <a:gridCol w="890281"/>
+                <a:gridCol w="1038661"/>
+              </a:tblGrid>
+              <a:tr h="369194">
+                <a:tc>
+                  <a:txBody>
+                    <a:bodyPr/>
+                    <a:lstStyle/>
+                    <a:p>
+                      <a:pPr algn="ctr">
+                        <a:lnSpc>
+                          <a:spcPct val="150000"/>
+                        </a:lnSpc>
+                        <a:spcAft>
+                          <a:spcPts val="1000"/>
+                        </a:spcAft>
+                      </a:pPr>
+                      <a:r>
+                        <a:rPr lang="ru-RU" sz="1000" dirty="0">
+                          <a:solidFill>
+                            <a:schemeClr val="tx1"/>
+                          </a:solidFill>
+                          <a:effectLst/>
+                        </a:rPr>
+                        <a:t>Показатель</a:t>
+                      </a:r>
+                      <a:endParaRPr lang="ru-RU" sz="1000" dirty="0">
+                        <a:solidFill>
+                          <a:schemeClr val="tx1"/>
+                        </a:solidFill>
+                        <a:effectLst/>
+                        <a:latin typeface="Calibri"/>
+                        <a:ea typeface="Calibri"/>
+                        <a:cs typeface="Times New Roman"/>
+                      </a:endParaRPr>
+                    </a:p>
+                  </a:txBody>
+                  <a:tcPr marL="68580" marR="68580" marT="0" marB="0">
+                    <a:solidFill>
+                      <a:schemeClr val="bg2"/>
+                    </a:solidFill>
+                  </a:tcPr>
+                </a:tc>
+                <a:tc>
+                  <a:txBody>
+                    <a:bodyPr/>
+                    <a:lstStyle/>
+                    <a:p>
+                      <a:pPr marL="0" marR="0" indent="0" algn="ctr" defTabSz="457200" rtl="0" eaLnBrk="1" fontAlgn="auto" latinLnBrk="0" hangingPunct="1">
+                        <a:lnSpc>
+                          <a:spcPct val="150000"/>
+                        </a:lnSpc>
+                        <a:spcBef>
+                          <a:spcPts val="0"/>
+                        </a:spcBef>
+                        <a:spcAft>
+                          <a:spcPts val="1000"/>
+                        </a:spcAft>
+                        <a:buClrTx/>
+                        <a:buSzTx/>
+                        <a:buFontTx/>
+                        <a:buNone/>
+                        <a:tabLst/>
+                        <a:defRPr/>
+                      </a:pPr>
+                      <a:r>
+                        <a:rPr lang="ru-RU" sz="1000" dirty="0" smtClean="0">
+                          <a:solidFill>
+                            <a:schemeClr val="tx1"/>
+                          </a:solidFill>
+                          <a:effectLst/>
+                        </a:rPr>
+                        <a:t>Значение</a:t>
+                      </a:r>
+                      <a:endParaRPr lang="ru-RU" sz="1000" dirty="0" smtClean="0">
+                        <a:solidFill>
+                          <a:schemeClr val="tx1"/>
+                        </a:solidFill>
+                        <a:effectLst/>
+                        <a:latin typeface="Calibri"/>
+                        <a:ea typeface="Calibri"/>
+                        <a:cs typeface="Times New Roman"/>
+                      </a:endParaRPr>
+                    </a:p>
+                  </a:txBody>
+                  <a:tcPr marL="68580" marR="68580" marT="0" marB="0">
+                    <a:solidFill>
+                      <a:schemeClr val="bg2"/>
+                    </a:solidFill>
+                  </a:tcPr>
+                </a:tc>
+                <a:tc>
+                  <a:txBody>
+                    <a:bodyPr/>
+                    <a:lstStyle/>
+                    <a:p>
+                      <a:pPr algn="ctr">
+                        <a:lnSpc>
+                          <a:spcPct val="150000"/>
+                        </a:lnSpc>
+                        <a:spcAft>
+                          <a:spcPts val="1000"/>
+                        </a:spcAft>
+                      </a:pPr>
+                      <a:r>
+                        <a:rPr lang="ru-RU" sz="1000" dirty="0" smtClean="0">
+                          <a:solidFill>
+                            <a:schemeClr val="tx1"/>
+                          </a:solidFill>
+                          <a:effectLst/>
+                        </a:rPr>
+                        <a:t>Размерность</a:t>
+                      </a:r>
+                      <a:endParaRPr lang="ru-RU" sz="1000" dirty="0">
+                        <a:solidFill>
+                          <a:schemeClr val="tx1"/>
+                        </a:solidFill>
+                        <a:effectLst/>
+                        <a:latin typeface="Calibri"/>
+                        <a:ea typeface="Calibri"/>
+                        <a:cs typeface="Times New Roman"/>
+                      </a:endParaRPr>
+                    </a:p>
+                  </a:txBody>
+                  <a:tcPr marL="68580" marR="68580" marT="0" marB="0">
+                    <a:solidFill>
+                      <a:schemeClr val="bg2"/>
+                    </a:solidFill>
+                  </a:tcPr>
+                </a:tc>
+              </a:tr>
+              <a:tr h="369194">
+                <a:tc>
+                  <a:txBody>
+                    <a:bodyPr/>
+                    <a:lstStyle/>
+                    <a:p>
+                      <a:pPr algn="l">
+                        <a:lnSpc>
+                          <a:spcPct val="150000"/>
+                        </a:lnSpc>
+                        <a:spcAft>
+                          <a:spcPts val="1000"/>
+                        </a:spcAft>
+                      </a:pPr>
+                      <a:r>
+                        <a:rPr lang="ru-RU" sz="1100" dirty="0">
+                          <a:solidFill>
+                            <a:schemeClr val="bg1"/>
+                          </a:solidFill>
+                          <a:effectLst/>
+                        </a:rPr>
+                        <a:t>Затраты на разработку программы</a:t>
+                      </a:r>
+                      <a:endParaRPr lang="ru-RU" sz="1100" dirty="0">
+                        <a:solidFill>
+                          <a:schemeClr val="bg1"/>
+                        </a:solidFill>
+                        <a:effectLst/>
+                        <a:latin typeface="Calibri"/>
+                        <a:ea typeface="Calibri"/>
+                        <a:cs typeface="Times New Roman"/>
+                      </a:endParaRPr>
+                    </a:p>
+                  </a:txBody>
+                  <a:tcPr marL="68580" marR="68580" marT="0" marB="0"/>
+                </a:tc>
+                <a:tc>
+                  <a:txBody>
+                    <a:bodyPr/>
+                    <a:lstStyle/>
+                    <a:p>
+                      <a:pPr marL="0" indent="0" algn="just">
+                        <a:lnSpc>
+                          <a:spcPct val="150000"/>
+                        </a:lnSpc>
+                        <a:spcAft>
+                          <a:spcPts val="1000"/>
+                        </a:spcAft>
+                        <a:buFont typeface="+mj-lt"/>
+                        <a:buNone/>
+                      </a:pPr>
+                      <a:r>
+                        <a:rPr lang="ru-RU" sz="1100" dirty="0">
+                          <a:solidFill>
+                            <a:schemeClr val="bg1"/>
+                          </a:solidFill>
+                          <a:effectLst/>
+                        </a:rPr>
+                        <a:t>140900,31</a:t>
+                      </a:r>
+                      <a:endParaRPr lang="ru-RU" sz="1100" dirty="0">
+                        <a:solidFill>
+                          <a:schemeClr val="bg1"/>
+                        </a:solidFill>
+                        <a:effectLst/>
+                        <a:latin typeface="Calibri"/>
+                        <a:ea typeface="Calibri"/>
+                        <a:cs typeface="Times New Roman"/>
+                      </a:endParaRPr>
+                    </a:p>
+                  </a:txBody>
+                  <a:tcPr marL="68580" marR="68580" marT="0" marB="0"/>
+                </a:tc>
+                <a:tc>
+                  <a:txBody>
+                    <a:bodyPr/>
+                    <a:lstStyle/>
+                    <a:p>
+                      <a:pPr indent="457200">
+                        <a:lnSpc>
+                          <a:spcPct val="150000"/>
+                        </a:lnSpc>
+                        <a:spcAft>
+                          <a:spcPts val="1000"/>
+                        </a:spcAft>
+                      </a:pPr>
+                      <a:r>
+                        <a:rPr lang="ru-RU" sz="1100" dirty="0">
+                          <a:solidFill>
+                            <a:schemeClr val="bg1"/>
+                          </a:solidFill>
+                          <a:effectLst/>
+                        </a:rPr>
+                        <a:t>р.</a:t>
+                      </a:r>
+                      <a:endParaRPr lang="ru-RU" sz="1100" dirty="0">
+                        <a:solidFill>
+                          <a:schemeClr val="bg1"/>
+                        </a:solidFill>
+                        <a:effectLst/>
+                        <a:latin typeface="Calibri"/>
+                        <a:ea typeface="Calibri"/>
+                        <a:cs typeface="Times New Roman"/>
+                      </a:endParaRPr>
+                    </a:p>
+                  </a:txBody>
+                  <a:tcPr marL="68580" marR="68580" marT="0" marB="0"/>
+                </a:tc>
+              </a:tr>
+              <a:tr h="369194">
+                <a:tc>
+                  <a:txBody>
+                    <a:bodyPr/>
+                    <a:lstStyle/>
+                    <a:p>
+                      <a:pPr algn="l">
+                        <a:lnSpc>
+                          <a:spcPct val="150000"/>
+                        </a:lnSpc>
+                        <a:spcAft>
+                          <a:spcPts val="1000"/>
+                        </a:spcAft>
+                      </a:pPr>
+                      <a:r>
+                        <a:rPr lang="ru-RU" sz="1100" dirty="0">
+                          <a:solidFill>
+                            <a:schemeClr val="bg1"/>
+                          </a:solidFill>
+                          <a:effectLst/>
+                        </a:rPr>
+                        <a:t>Цена программного продукта</a:t>
+                      </a:r>
+                      <a:endParaRPr lang="ru-RU" sz="1100" dirty="0">
+                        <a:solidFill>
+                          <a:schemeClr val="bg1"/>
+                        </a:solidFill>
+                        <a:effectLst/>
+                        <a:latin typeface="Calibri"/>
+                        <a:ea typeface="Calibri"/>
+                        <a:cs typeface="Times New Roman"/>
+                      </a:endParaRPr>
+                    </a:p>
+                  </a:txBody>
+                  <a:tcPr marL="68580" marR="68580" marT="0" marB="0"/>
+                </a:tc>
+                <a:tc>
+                  <a:txBody>
+                    <a:bodyPr/>
+                    <a:lstStyle/>
+                    <a:p>
+                      <a:pPr marL="0" indent="0" algn="just">
+                        <a:lnSpc>
+                          <a:spcPct val="150000"/>
+                        </a:lnSpc>
+                        <a:spcAft>
+                          <a:spcPts val="1000"/>
+                        </a:spcAft>
+                        <a:buFont typeface="+mj-lt"/>
+                        <a:buNone/>
+                      </a:pPr>
+                      <a:r>
+                        <a:rPr lang="ru-RU" sz="1100" dirty="0">
+                          <a:solidFill>
+                            <a:schemeClr val="bg1"/>
+                          </a:solidFill>
+                          <a:effectLst/>
+                        </a:rPr>
+                        <a:t>198669,43</a:t>
+                      </a:r>
+                      <a:endParaRPr lang="ru-RU" sz="1100" dirty="0">
+                        <a:solidFill>
+                          <a:schemeClr val="bg1"/>
+                        </a:solidFill>
+                        <a:effectLst/>
+                        <a:latin typeface="Calibri"/>
+                        <a:ea typeface="Calibri"/>
+                        <a:cs typeface="Times New Roman"/>
+                      </a:endParaRPr>
+                    </a:p>
+                  </a:txBody>
+                  <a:tcPr marL="68580" marR="68580" marT="0" marB="0"/>
+                </a:tc>
+                <a:tc>
+                  <a:txBody>
+                    <a:bodyPr/>
+                    <a:lstStyle/>
+                    <a:p>
+                      <a:pPr indent="457200">
+                        <a:lnSpc>
+                          <a:spcPct val="150000"/>
+                        </a:lnSpc>
+                        <a:spcAft>
+                          <a:spcPts val="1000"/>
+                        </a:spcAft>
+                      </a:pPr>
+                      <a:r>
+                        <a:rPr lang="ru-RU" sz="1100" dirty="0">
+                          <a:solidFill>
+                            <a:schemeClr val="bg1"/>
+                          </a:solidFill>
+                          <a:effectLst/>
+                        </a:rPr>
+                        <a:t>р.</a:t>
+                      </a:r>
+                      <a:endParaRPr lang="ru-RU" sz="1100" dirty="0">
+                        <a:solidFill>
+                          <a:schemeClr val="bg1"/>
+                        </a:solidFill>
+                        <a:effectLst/>
+                        <a:latin typeface="Calibri"/>
+                        <a:ea typeface="Calibri"/>
+                        <a:cs typeface="Times New Roman"/>
+                      </a:endParaRPr>
+                    </a:p>
+                  </a:txBody>
+                  <a:tcPr marL="68580" marR="68580" marT="0" marB="0"/>
+                </a:tc>
+              </a:tr>
+              <a:tr h="369194">
+                <a:tc>
+                  <a:txBody>
+                    <a:bodyPr/>
+                    <a:lstStyle/>
+                    <a:p>
+                      <a:pPr algn="l">
+                        <a:lnSpc>
+                          <a:spcPct val="150000"/>
+                        </a:lnSpc>
+                        <a:spcAft>
+                          <a:spcPts val="1000"/>
+                        </a:spcAft>
+                      </a:pPr>
+                      <a:r>
+                        <a:rPr lang="ru-RU" sz="1100" dirty="0">
+                          <a:solidFill>
+                            <a:schemeClr val="bg1"/>
+                          </a:solidFill>
+                          <a:effectLst/>
+                        </a:rPr>
+                        <a:t>Капитальные вложения</a:t>
+                      </a:r>
+                      <a:endParaRPr lang="ru-RU" sz="1100" dirty="0">
+                        <a:solidFill>
+                          <a:schemeClr val="bg1"/>
+                        </a:solidFill>
+                        <a:effectLst/>
+                        <a:latin typeface="Calibri"/>
+                        <a:ea typeface="Calibri"/>
+                        <a:cs typeface="Times New Roman"/>
+                      </a:endParaRPr>
+                    </a:p>
+                  </a:txBody>
+                  <a:tcPr marL="68580" marR="68580" marT="0" marB="0"/>
+                </a:tc>
+                <a:tc>
+                  <a:txBody>
+                    <a:bodyPr/>
+                    <a:lstStyle/>
+                    <a:p>
+                      <a:pPr marL="0" indent="0" algn="just">
+                        <a:lnSpc>
+                          <a:spcPct val="150000"/>
+                        </a:lnSpc>
+                        <a:spcAft>
+                          <a:spcPts val="1000"/>
+                        </a:spcAft>
+                        <a:buFont typeface="+mj-lt"/>
+                        <a:buNone/>
+                      </a:pPr>
+                      <a:r>
+                        <a:rPr lang="ru-RU" sz="1100" dirty="0">
+                          <a:solidFill>
+                            <a:schemeClr val="bg1"/>
+                          </a:solidFill>
+                          <a:effectLst/>
+                        </a:rPr>
+                        <a:t>203404,28</a:t>
+                      </a:r>
+                      <a:endParaRPr lang="ru-RU" sz="1100" dirty="0">
+                        <a:solidFill>
+                          <a:schemeClr val="bg1"/>
+                        </a:solidFill>
+                        <a:effectLst/>
+                        <a:latin typeface="Calibri"/>
+                        <a:ea typeface="Calibri"/>
+                        <a:cs typeface="Times New Roman"/>
+                      </a:endParaRPr>
+                    </a:p>
+                  </a:txBody>
+                  <a:tcPr marL="68580" marR="68580" marT="0" marB="0"/>
+                </a:tc>
+                <a:tc>
+                  <a:txBody>
+                    <a:bodyPr/>
+                    <a:lstStyle/>
+                    <a:p>
+                      <a:pPr indent="457200">
+                        <a:lnSpc>
+                          <a:spcPct val="150000"/>
+                        </a:lnSpc>
+                        <a:spcAft>
+                          <a:spcPts val="1000"/>
+                        </a:spcAft>
+                      </a:pPr>
+                      <a:r>
+                        <a:rPr lang="ru-RU" sz="1100" dirty="0">
+                          <a:solidFill>
+                            <a:schemeClr val="bg1"/>
+                          </a:solidFill>
+                          <a:effectLst/>
+                        </a:rPr>
+                        <a:t>р./год</a:t>
+                      </a:r>
+                      <a:endParaRPr lang="ru-RU" sz="1100" dirty="0">
+                        <a:solidFill>
+                          <a:schemeClr val="bg1"/>
+                        </a:solidFill>
+                        <a:effectLst/>
+                        <a:latin typeface="Calibri"/>
+                        <a:ea typeface="Calibri"/>
+                        <a:cs typeface="Times New Roman"/>
+                      </a:endParaRPr>
+                    </a:p>
+                  </a:txBody>
+                  <a:tcPr marL="68580" marR="68580" marT="0" marB="0"/>
+                </a:tc>
+              </a:tr>
+              <a:tr h="369194">
+                <a:tc>
+                  <a:txBody>
+                    <a:bodyPr/>
+                    <a:lstStyle/>
+                    <a:p>
+                      <a:pPr algn="l">
+                        <a:lnSpc>
+                          <a:spcPct val="150000"/>
+                        </a:lnSpc>
+                        <a:spcAft>
+                          <a:spcPts val="1000"/>
+                        </a:spcAft>
+                      </a:pPr>
+                      <a:r>
+                        <a:rPr lang="ru-RU" sz="1100" dirty="0">
+                          <a:solidFill>
+                            <a:schemeClr val="bg1"/>
+                          </a:solidFill>
+                          <a:effectLst/>
+                        </a:rPr>
+                        <a:t>Экономия эксплуатационных расходов</a:t>
+                      </a:r>
+                      <a:endParaRPr lang="ru-RU" sz="1100" dirty="0">
+                        <a:solidFill>
+                          <a:schemeClr val="bg1"/>
+                        </a:solidFill>
+                        <a:effectLst/>
+                        <a:latin typeface="Calibri"/>
+                        <a:ea typeface="Calibri"/>
+                        <a:cs typeface="Times New Roman"/>
+                      </a:endParaRPr>
+                    </a:p>
+                  </a:txBody>
+                  <a:tcPr marL="68580" marR="68580" marT="0" marB="0"/>
+                </a:tc>
+                <a:tc>
+                  <a:txBody>
+                    <a:bodyPr/>
+                    <a:lstStyle/>
+                    <a:p>
+                      <a:pPr marL="0" indent="0" algn="just">
+                        <a:lnSpc>
+                          <a:spcPct val="150000"/>
+                        </a:lnSpc>
+                        <a:spcAft>
+                          <a:spcPts val="1000"/>
+                        </a:spcAft>
+                        <a:buFont typeface="+mj-lt"/>
+                        <a:buNone/>
+                      </a:pPr>
+                      <a:r>
+                        <a:rPr lang="ru-RU" sz="1100" dirty="0">
+                          <a:solidFill>
+                            <a:schemeClr val="bg1"/>
+                          </a:solidFill>
+                          <a:effectLst/>
+                        </a:rPr>
+                        <a:t>102486,12</a:t>
+                      </a:r>
+                      <a:endParaRPr lang="ru-RU" sz="1100" dirty="0">
+                        <a:solidFill>
+                          <a:schemeClr val="bg1"/>
+                        </a:solidFill>
+                        <a:effectLst/>
+                        <a:latin typeface="Calibri"/>
+                        <a:ea typeface="Calibri"/>
+                        <a:cs typeface="Times New Roman"/>
+                      </a:endParaRPr>
+                    </a:p>
+                  </a:txBody>
+                  <a:tcPr marL="68580" marR="68580" marT="0" marB="0"/>
+                </a:tc>
+                <a:tc>
+                  <a:txBody>
+                    <a:bodyPr/>
+                    <a:lstStyle/>
+                    <a:p>
+                      <a:pPr indent="457200">
+                        <a:lnSpc>
+                          <a:spcPct val="150000"/>
+                        </a:lnSpc>
+                        <a:spcAft>
+                          <a:spcPts val="1000"/>
+                        </a:spcAft>
+                      </a:pPr>
+                      <a:r>
+                        <a:rPr lang="ru-RU" sz="1100" dirty="0">
+                          <a:solidFill>
+                            <a:schemeClr val="bg1"/>
+                          </a:solidFill>
+                          <a:effectLst/>
+                        </a:rPr>
+                        <a:t>р./год</a:t>
+                      </a:r>
+                      <a:endParaRPr lang="ru-RU" sz="1100" dirty="0">
+                        <a:solidFill>
+                          <a:schemeClr val="bg1"/>
+                        </a:solidFill>
+                        <a:effectLst/>
+                        <a:latin typeface="Calibri"/>
+                        <a:ea typeface="Calibri"/>
+                        <a:cs typeface="Times New Roman"/>
+                      </a:endParaRPr>
+                    </a:p>
+                  </a:txBody>
+                  <a:tcPr marL="68580" marR="68580" marT="0" marB="0"/>
+                </a:tc>
+              </a:tr>
+              <a:tr h="369194">
+                <a:tc>
+                  <a:txBody>
+                    <a:bodyPr/>
+                    <a:lstStyle/>
+                    <a:p>
+                      <a:pPr algn="l">
+                        <a:lnSpc>
+                          <a:spcPct val="150000"/>
+                        </a:lnSpc>
+                        <a:spcAft>
+                          <a:spcPts val="1000"/>
+                        </a:spcAft>
+                      </a:pPr>
+                      <a:r>
+                        <a:rPr lang="ru-RU" sz="1100" dirty="0">
+                          <a:solidFill>
+                            <a:schemeClr val="bg1"/>
+                          </a:solidFill>
+                          <a:effectLst/>
+                        </a:rPr>
+                        <a:t>Годовой экономический эффект</a:t>
+                      </a:r>
+                      <a:endParaRPr lang="ru-RU" sz="1100" dirty="0">
+                        <a:solidFill>
+                          <a:schemeClr val="bg1"/>
+                        </a:solidFill>
+                        <a:effectLst/>
+                        <a:latin typeface="Calibri"/>
+                        <a:ea typeface="Calibri"/>
+                        <a:cs typeface="Times New Roman"/>
+                      </a:endParaRPr>
+                    </a:p>
+                  </a:txBody>
+                  <a:tcPr marL="68580" marR="68580" marT="0" marB="0"/>
+                </a:tc>
+                <a:tc>
+                  <a:txBody>
+                    <a:bodyPr/>
+                    <a:lstStyle/>
+                    <a:p>
+                      <a:pPr marL="0" indent="0" algn="just">
+                        <a:lnSpc>
+                          <a:spcPct val="150000"/>
+                        </a:lnSpc>
+                        <a:spcAft>
+                          <a:spcPts val="1000"/>
+                        </a:spcAft>
+                        <a:buFont typeface="+mj-lt"/>
+                        <a:buNone/>
+                      </a:pPr>
+                      <a:r>
+                        <a:rPr lang="ru-RU" sz="1100" dirty="0">
+                          <a:solidFill>
+                            <a:schemeClr val="bg1"/>
+                          </a:solidFill>
+                          <a:effectLst/>
+                        </a:rPr>
+                        <a:t>132996,76</a:t>
+                      </a:r>
+                      <a:endParaRPr lang="ru-RU" sz="1100" dirty="0">
+                        <a:solidFill>
+                          <a:schemeClr val="bg1"/>
+                        </a:solidFill>
+                        <a:effectLst/>
+                        <a:latin typeface="Calibri"/>
+                        <a:ea typeface="Calibri"/>
+                        <a:cs typeface="Times New Roman"/>
+                      </a:endParaRPr>
+                    </a:p>
+                  </a:txBody>
+                  <a:tcPr marL="68580" marR="68580" marT="0" marB="0"/>
+                </a:tc>
+                <a:tc>
+                  <a:txBody>
+                    <a:bodyPr/>
+                    <a:lstStyle/>
+                    <a:p>
+                      <a:pPr indent="457200">
+                        <a:lnSpc>
+                          <a:spcPct val="150000"/>
+                        </a:lnSpc>
+                        <a:spcAft>
+                          <a:spcPts val="1000"/>
+                        </a:spcAft>
+                      </a:pPr>
+                      <a:r>
+                        <a:rPr lang="ru-RU" sz="1100" dirty="0">
+                          <a:solidFill>
+                            <a:schemeClr val="bg1"/>
+                          </a:solidFill>
+                          <a:effectLst/>
+                        </a:rPr>
+                        <a:t>р./год</a:t>
+                      </a:r>
+                      <a:endParaRPr lang="ru-RU" sz="1100" dirty="0">
+                        <a:solidFill>
+                          <a:schemeClr val="bg1"/>
+                        </a:solidFill>
+                        <a:effectLst/>
+                        <a:latin typeface="Calibri"/>
+                        <a:ea typeface="Calibri"/>
+                        <a:cs typeface="Times New Roman"/>
+                      </a:endParaRPr>
+                    </a:p>
+                  </a:txBody>
+                  <a:tcPr marL="68580" marR="68580" marT="0" marB="0"/>
+                </a:tc>
+              </a:tr>
+              <a:tr h="369194">
+                <a:tc>
+                  <a:txBody>
+                    <a:bodyPr/>
+                    <a:lstStyle/>
+                    <a:p>
+                      <a:pPr algn="l">
+                        <a:lnSpc>
+                          <a:spcPct val="150000"/>
+                        </a:lnSpc>
+                        <a:spcAft>
+                          <a:spcPts val="1000"/>
+                        </a:spcAft>
+                      </a:pPr>
+                      <a:r>
+                        <a:rPr lang="ru-RU" sz="1100" dirty="0">
+                          <a:solidFill>
+                            <a:schemeClr val="bg1"/>
+                          </a:solidFill>
+                          <a:effectLst/>
+                        </a:rPr>
+                        <a:t>Срок окупаемости, Ток</a:t>
+                      </a:r>
+                      <a:endParaRPr lang="ru-RU" sz="1100" dirty="0">
+                        <a:solidFill>
+                          <a:schemeClr val="bg1"/>
+                        </a:solidFill>
+                        <a:effectLst/>
+                        <a:latin typeface="Calibri"/>
+                        <a:ea typeface="Calibri"/>
+                        <a:cs typeface="Times New Roman"/>
+                      </a:endParaRPr>
+                    </a:p>
+                  </a:txBody>
+                  <a:tcPr marL="68580" marR="68580" marT="0" marB="0"/>
+                </a:tc>
+                <a:tc>
+                  <a:txBody>
+                    <a:bodyPr/>
+                    <a:lstStyle/>
+                    <a:p>
+                      <a:pPr marL="0" indent="0" algn="just">
+                        <a:lnSpc>
+                          <a:spcPct val="150000"/>
+                        </a:lnSpc>
+                        <a:spcAft>
+                          <a:spcPts val="1000"/>
+                        </a:spcAft>
+                        <a:buFont typeface="+mj-lt"/>
+                        <a:buNone/>
+                      </a:pPr>
+                      <a:r>
+                        <a:rPr lang="ru-RU" sz="1100" dirty="0">
+                          <a:solidFill>
+                            <a:schemeClr val="bg1"/>
+                          </a:solidFill>
+                          <a:effectLst/>
+                        </a:rPr>
+                        <a:t>1,98</a:t>
+                      </a:r>
+                      <a:endParaRPr lang="ru-RU" sz="1100" dirty="0">
+                        <a:solidFill>
+                          <a:schemeClr val="bg1"/>
+                        </a:solidFill>
+                        <a:effectLst/>
+                        <a:latin typeface="Calibri"/>
+                        <a:ea typeface="Calibri"/>
+                        <a:cs typeface="Times New Roman"/>
+                      </a:endParaRPr>
+                    </a:p>
+                  </a:txBody>
+                  <a:tcPr marL="68580" marR="68580" marT="0" marB="0"/>
+                </a:tc>
+                <a:tc>
+                  <a:txBody>
+                    <a:bodyPr/>
+                    <a:lstStyle/>
+                    <a:p>
+                      <a:pPr indent="457200">
+                        <a:lnSpc>
+                          <a:spcPct val="150000"/>
+                        </a:lnSpc>
+                        <a:spcAft>
+                          <a:spcPts val="1000"/>
+                        </a:spcAft>
+                      </a:pPr>
+                      <a:r>
+                        <a:rPr lang="ru-RU" sz="1100" dirty="0">
+                          <a:solidFill>
+                            <a:schemeClr val="bg1"/>
+                          </a:solidFill>
+                          <a:effectLst/>
+                        </a:rPr>
+                        <a:t>годы</a:t>
+                      </a:r>
+                      <a:endParaRPr lang="ru-RU" sz="1100" dirty="0">
+                        <a:solidFill>
+                          <a:schemeClr val="bg1"/>
+                        </a:solidFill>
+                        <a:effectLst/>
+                        <a:latin typeface="Calibri"/>
+                        <a:ea typeface="Calibri"/>
+                        <a:cs typeface="Times New Roman"/>
+                      </a:endParaRPr>
+                    </a:p>
+                  </a:txBody>
+                  <a:tcPr marL="68580" marR="68580" marT="0" marB="0"/>
+                </a:tc>
+              </a:tr>
+            </a:tbl>
+          </a:graphicData>
+        </a:graphic>
+      </p:graphicFrame>
     </p:spTree>
     <p:extLst>
       <p:ext uri="{BB962C8B-B14F-4D97-AF65-F5344CB8AC3E}">
-        <p14:creationId xmlns:p14="http://schemas.microsoft.com/office/powerpoint/2010/main" val="1990917460"/>
+        <p14:creationId xmlns:p14="http://schemas.microsoft.com/office/powerpoint/2010/main" val="475574760"/>
       </p:ext>
     </p:extLst>
   </p:cSld>
   <p:clrMapOvr>
-    <a:masterClrMapping/>
+    <a:overrideClrMapping bg1="dk1" tx1="lt1" bg2="dk2" tx2="lt2" accent1="accent1" accent2="accent2" accent3="accent3" accent4="accent4" accent5="accent5" accent6="accent6" hlink="hlink" folHlink="folHlink"/>
   </p:clrMapOvr>
   <p:timing>
     <p:tnLst>
@@ -13624,6 +18633,291 @@
 </a:theme>
 </file>
 
+<file path=ppt/theme/theme2.xml><?xml version="1.0" encoding="utf-8"?>
+<a:theme xmlns:a="http://schemas.openxmlformats.org/drawingml/2006/main" name="Тема Office">
+  <a:themeElements>
+    <a:clrScheme name="Стандартная">
+      <a:dk1>
+        <a:sysClr val="windowText" lastClr="000000"/>
+      </a:dk1>
+      <a:lt1>
+        <a:sysClr val="window" lastClr="FFFFFF"/>
+      </a:lt1>
+      <a:dk2>
+        <a:srgbClr val="1F497D"/>
+      </a:dk2>
+      <a:lt2>
+        <a:srgbClr val="EEECE1"/>
+      </a:lt2>
+      <a:accent1>
+        <a:srgbClr val="4F81BD"/>
+      </a:accent1>
+      <a:accent2>
+        <a:srgbClr val="C0504D"/>
+      </a:accent2>
+      <a:accent3>
+        <a:srgbClr val="9BBB59"/>
+      </a:accent3>
+      <a:accent4>
+        <a:srgbClr val="8064A2"/>
+      </a:accent4>
+      <a:accent5>
+        <a:srgbClr val="4BACC6"/>
+      </a:accent5>
+      <a:accent6>
+        <a:srgbClr val="F79646"/>
+      </a:accent6>
+      <a:hlink>
+        <a:srgbClr val="0000FF"/>
+      </a:hlink>
+      <a:folHlink>
+        <a:srgbClr val="800080"/>
+      </a:folHlink>
+    </a:clrScheme>
+    <a:fontScheme name="Стандартная">
+      <a:majorFont>
+        <a:latin typeface="Calibri"/>
+        <a:ea typeface=""/>
+        <a:cs typeface=""/>
+        <a:font script="Jpan" typeface="ＭＳ Ｐゴシック"/>
+        <a:font script="Hang" typeface="맑은 고딕"/>
+        <a:font script="Hans" typeface="宋体"/>
+        <a:font script="Hant" typeface="新細明體"/>
+        <a:font script="Arab" typeface="Times New Roman"/>
+        <a:font script="Hebr" typeface="Times New Roman"/>
+        <a:font script="Thai" typeface="Angsana New"/>
+        <a:font script="Ethi" typeface="Nyala"/>
+        <a:font script="Beng" typeface="Vrinda"/>
+        <a:font script="Gujr" typeface="Shruti"/>
+        <a:font script="Khmr" typeface="MoolBoran"/>
+        <a:font script="Knda" typeface="Tunga"/>
+        <a:font script="Guru" typeface="Raavi"/>
+        <a:font script="Cans" typeface="Euphemia"/>
+        <a:font script="Cher" typeface="Plantagenet Cherokee"/>
+        <a:font script="Yiii" typeface="Microsoft Yi Baiti"/>
+        <a:font script="Tibt" typeface="Microsoft Himalaya"/>
+        <a:font script="Thaa" typeface="MV Boli"/>
+        <a:font script="Deva" typeface="Mangal"/>
+        <a:font script="Telu" typeface="Gautami"/>
+        <a:font script="Taml" typeface="Latha"/>
+        <a:font script="Syrc" typeface="Estrangelo Edessa"/>
+        <a:font script="Orya" typeface="Kalinga"/>
+        <a:font script="Mlym" typeface="Kartika"/>
+        <a:font script="Laoo" typeface="DokChampa"/>
+        <a:font script="Sinh" typeface="Iskoola Pota"/>
+        <a:font script="Mong" typeface="Mongolian Baiti"/>
+        <a:font script="Viet" typeface="Times New Roman"/>
+        <a:font script="Uigh" typeface="Microsoft Uighur"/>
+        <a:font script="Geor" typeface="Sylfaen"/>
+      </a:majorFont>
+      <a:minorFont>
+        <a:latin typeface="Calibri"/>
+        <a:ea typeface=""/>
+        <a:cs typeface=""/>
+        <a:font script="Jpan" typeface="ＭＳ Ｐゴシック"/>
+        <a:font script="Hang" typeface="맑은 고딕"/>
+        <a:font script="Hans" typeface="宋体"/>
+        <a:font script="Hant" typeface="新細明體"/>
+        <a:font script="Arab" typeface="Arial"/>
+        <a:font script="Hebr" typeface="Arial"/>
+        <a:font script="Thai" typeface="Cordia New"/>
+        <a:font script="Ethi" typeface="Nyala"/>
+        <a:font script="Beng" typeface="Vrinda"/>
+        <a:font script="Gujr" typeface="Shruti"/>
+        <a:font script="Khmr" typeface="DaunPenh"/>
+        <a:font script="Knda" typeface="Tunga"/>
+        <a:font script="Guru" typeface="Raavi"/>
+        <a:font script="Cans" typeface="Euphemia"/>
+        <a:font script="Cher" typeface="Plantagenet Cherokee"/>
+        <a:font script="Yiii" typeface="Microsoft Yi Baiti"/>
+        <a:font script="Tibt" typeface="Microsoft Himalaya"/>
+        <a:font script="Thaa" typeface="MV Boli"/>
+        <a:font script="Deva" typeface="Mangal"/>
+        <a:font script="Telu" typeface="Gautami"/>
+        <a:font script="Taml" typeface="Latha"/>
+        <a:font script="Syrc" typeface="Estrangelo Edessa"/>
+        <a:font script="Orya" typeface="Kalinga"/>
+        <a:font script="Mlym" typeface="Kartika"/>
+        <a:font script="Laoo" typeface="DokChampa"/>
+        <a:font script="Sinh" typeface="Iskoola Pota"/>
+        <a:font script="Mong" typeface="Mongolian Baiti"/>
+        <a:font script="Viet" typeface="Arial"/>
+        <a:font script="Uigh" typeface="Microsoft Uighur"/>
+        <a:font script="Geor" typeface="Sylfaen"/>
+      </a:minorFont>
+    </a:fontScheme>
+    <a:fmtScheme name="Стандартная">
+      <a:fillStyleLst>
+        <a:solidFill>
+          <a:schemeClr val="phClr"/>
+        </a:solidFill>
+        <a:gradFill rotWithShape="1">
+          <a:gsLst>
+            <a:gs pos="0">
+              <a:schemeClr val="phClr">
+                <a:tint val="50000"/>
+                <a:satMod val="300000"/>
+              </a:schemeClr>
+            </a:gs>
+            <a:gs pos="35000">
+              <a:schemeClr val="phClr">
+                <a:tint val="37000"/>
+                <a:satMod val="300000"/>
+              </a:schemeClr>
+            </a:gs>
+            <a:gs pos="100000">
+              <a:schemeClr val="phClr">
+                <a:tint val="15000"/>
+                <a:satMod val="350000"/>
+              </a:schemeClr>
+            </a:gs>
+          </a:gsLst>
+          <a:lin ang="16200000" scaled="1"/>
+        </a:gradFill>
+        <a:gradFill rotWithShape="1">
+          <a:gsLst>
+            <a:gs pos="0">
+              <a:schemeClr val="phClr">
+                <a:shade val="51000"/>
+                <a:satMod val="130000"/>
+              </a:schemeClr>
+            </a:gs>
+            <a:gs pos="80000">
+              <a:schemeClr val="phClr">
+                <a:shade val="93000"/>
+                <a:satMod val="130000"/>
+              </a:schemeClr>
+            </a:gs>
+            <a:gs pos="100000">
+              <a:schemeClr val="phClr">
+                <a:shade val="94000"/>
+                <a:satMod val="135000"/>
+              </a:schemeClr>
+            </a:gs>
+          </a:gsLst>
+          <a:lin ang="16200000" scaled="0"/>
+        </a:gradFill>
+      </a:fillStyleLst>
+      <a:lnStyleLst>
+        <a:ln w="9525" cap="flat" cmpd="sng" algn="ctr">
+          <a:solidFill>
+            <a:schemeClr val="phClr">
+              <a:shade val="95000"/>
+              <a:satMod val="105000"/>
+            </a:schemeClr>
+          </a:solidFill>
+          <a:prstDash val="solid"/>
+        </a:ln>
+        <a:ln w="25400" cap="flat" cmpd="sng" algn="ctr">
+          <a:solidFill>
+            <a:schemeClr val="phClr"/>
+          </a:solidFill>
+          <a:prstDash val="solid"/>
+        </a:ln>
+        <a:ln w="38100" cap="flat" cmpd="sng" algn="ctr">
+          <a:solidFill>
+            <a:schemeClr val="phClr"/>
+          </a:solidFill>
+          <a:prstDash val="solid"/>
+        </a:ln>
+      </a:lnStyleLst>
+      <a:effectStyleLst>
+        <a:effectStyle>
+          <a:effectLst>
+            <a:outerShdw blurRad="40000" dist="20000" dir="5400000" rotWithShape="0">
+              <a:srgbClr val="000000">
+                <a:alpha val="38000"/>
+              </a:srgbClr>
+            </a:outerShdw>
+          </a:effectLst>
+        </a:effectStyle>
+        <a:effectStyle>
+          <a:effectLst>
+            <a:outerShdw blurRad="40000" dist="23000" dir="5400000" rotWithShape="0">
+              <a:srgbClr val="000000">
+                <a:alpha val="35000"/>
+              </a:srgbClr>
+            </a:outerShdw>
+          </a:effectLst>
+        </a:effectStyle>
+        <a:effectStyle>
+          <a:effectLst>
+            <a:outerShdw blurRad="40000" dist="23000" dir="5400000" rotWithShape="0">
+              <a:srgbClr val="000000">
+                <a:alpha val="35000"/>
+              </a:srgbClr>
+            </a:outerShdw>
+          </a:effectLst>
+          <a:scene3d>
+            <a:camera prst="orthographicFront">
+              <a:rot lat="0" lon="0" rev="0"/>
+            </a:camera>
+            <a:lightRig rig="threePt" dir="t">
+              <a:rot lat="0" lon="0" rev="1200000"/>
+            </a:lightRig>
+          </a:scene3d>
+          <a:sp3d>
+            <a:bevelT w="63500" h="25400"/>
+          </a:sp3d>
+        </a:effectStyle>
+      </a:effectStyleLst>
+      <a:bgFillStyleLst>
+        <a:solidFill>
+          <a:schemeClr val="phClr"/>
+        </a:solidFill>
+        <a:gradFill rotWithShape="1">
+          <a:gsLst>
+            <a:gs pos="0">
+              <a:schemeClr val="phClr">
+                <a:tint val="40000"/>
+                <a:satMod val="350000"/>
+              </a:schemeClr>
+            </a:gs>
+            <a:gs pos="40000">
+              <a:schemeClr val="phClr">
+                <a:tint val="45000"/>
+                <a:shade val="99000"/>
+                <a:satMod val="350000"/>
+              </a:schemeClr>
+            </a:gs>
+            <a:gs pos="100000">
+              <a:schemeClr val="phClr">
+                <a:shade val="20000"/>
+                <a:satMod val="255000"/>
+              </a:schemeClr>
+            </a:gs>
+          </a:gsLst>
+          <a:path path="circle">
+            <a:fillToRect l="50000" t="-80000" r="50000" b="180000"/>
+          </a:path>
+        </a:gradFill>
+        <a:gradFill rotWithShape="1">
+          <a:gsLst>
+            <a:gs pos="0">
+              <a:schemeClr val="phClr">
+                <a:tint val="80000"/>
+                <a:satMod val="300000"/>
+              </a:schemeClr>
+            </a:gs>
+            <a:gs pos="100000">
+              <a:schemeClr val="phClr">
+                <a:shade val="30000"/>
+                <a:satMod val="200000"/>
+              </a:schemeClr>
+            </a:gs>
+          </a:gsLst>
+          <a:path path="circle">
+            <a:fillToRect l="50000" t="50000" r="50000" b="50000"/>
+          </a:path>
+        </a:gradFill>
+      </a:bgFillStyleLst>
+    </a:fmtScheme>
+  </a:themeElements>
+  <a:objectDefaults/>
+  <a:extraClrSchemeLst/>
+</a:theme>
+</file>
+
 <file path=ppt/theme/themeOverride1.xml><?xml version="1.0" encoding="utf-8"?>
 <a:themeOverride xmlns:a="http://schemas.openxmlformats.org/drawingml/2006/main">
   <a:clrScheme name="Ion Red">

--- a/Danilov_O_V.pptx
+++ b/Danilov_O_V.pptx
@@ -1642,15 +1642,7 @@
                 <a:schemeClr val="bg1"/>
               </a:solidFill>
             </a:rPr>
-            <a:t>Raspberry </a:t>
-          </a:r>
-          <a:r>
-            <a:rPr lang="en-US" sz="3600" dirty="0" smtClean="0">
-              <a:solidFill>
-                <a:schemeClr val="bg1"/>
-              </a:solidFill>
-            </a:rPr>
-            <a:t>Pi</a:t>
+            <a:t>Raspberry Pi</a:t>
           </a:r>
           <a:endParaRPr lang="ru-RU" sz="3600" dirty="0">
             <a:solidFill>
@@ -2044,17 +2036,17 @@
     </dgm:pt>
   </dgm:ptLst>
   <dgm:cxnLst>
-    <dgm:cxn modelId="{4285453C-EE74-42F0-AA49-134F3C71F6C9}" srcId="{DC22E362-1B56-4FE3-BC76-3587C39463D2}" destId="{EFA36495-0CD1-4EB0-A055-4D49CCAA9E37}" srcOrd="0" destOrd="0" parTransId="{FAA75B10-E3B8-449B-BECF-9227DE56DD7E}" sibTransId="{4E85C018-C94D-44C7-9F4E-AD68F099A4FA}"/>
+    <dgm:cxn modelId="{ECF9F691-AD87-4DD8-8663-DEC2328FE603}" srcId="{DC22E362-1B56-4FE3-BC76-3587C39463D2}" destId="{B8C7E5EC-3AA9-4395-A4B8-BF6D100A624B}" srcOrd="1" destOrd="0" parTransId="{7D91DB15-B797-4D07-AEED-40B4E06C4B00}" sibTransId="{CACE5B48-EE4E-4D0A-94A4-AFBDD84F178C}"/>
+    <dgm:cxn modelId="{54AADF90-BAB2-4123-A79B-8003AFF1AB64}" srcId="{E8981571-4B30-48BE-AB53-A77D8C88DD26}" destId="{5BB97951-B1D9-4513-BF77-AFFCF458816E}" srcOrd="0" destOrd="0" parTransId="{3594ABC9-794C-4A32-8BE9-A213B26BA108}" sibTransId="{88281537-BAE1-4560-AA48-80E9179176A2}"/>
+    <dgm:cxn modelId="{C0488E3D-69FA-439B-B5EA-A292DD5E1407}" srcId="{5BB97951-B1D9-4513-BF77-AFFCF458816E}" destId="{E2606766-5255-4799-B1E2-575D0A6FC66E}" srcOrd="0" destOrd="0" parTransId="{56F856AE-9359-47B2-8D8C-77E34C4BF2A9}" sibTransId="{CDCEAB5C-B9AF-493A-B6B5-4574D2FC871C}"/>
     <dgm:cxn modelId="{276760AE-E148-4403-A4AD-6FE6BE7C459F}" type="presOf" srcId="{EFA36495-0CD1-4EB0-A055-4D49CCAA9E37}" destId="{98854701-A7F9-4A74-AB71-F3297A715894}" srcOrd="0" destOrd="0" presId="urn:microsoft.com/office/officeart/2005/8/layout/hList1"/>
     <dgm:cxn modelId="{1AB0C23A-9C02-46AD-BA08-4C7A1B20A9D1}" srcId="{E8981571-4B30-48BE-AB53-A77D8C88DD26}" destId="{DC22E362-1B56-4FE3-BC76-3587C39463D2}" srcOrd="1" destOrd="0" parTransId="{0ED6733C-F2A0-4CAF-9751-D4C83C376BEF}" sibTransId="{9B197B5E-C95D-4238-B02D-CD6FF83122A9}"/>
+    <dgm:cxn modelId="{4285453C-EE74-42F0-AA49-134F3C71F6C9}" srcId="{DC22E362-1B56-4FE3-BC76-3587C39463D2}" destId="{EFA36495-0CD1-4EB0-A055-4D49CCAA9E37}" srcOrd="0" destOrd="0" parTransId="{FAA75B10-E3B8-449B-BECF-9227DE56DD7E}" sibTransId="{4E85C018-C94D-44C7-9F4E-AD68F099A4FA}"/>
+    <dgm:cxn modelId="{0787ADED-D2B0-412C-A555-B612E758D4A1}" type="presOf" srcId="{E2606766-5255-4799-B1E2-575D0A6FC66E}" destId="{3ED971AE-4D23-4EDC-8D38-56CA33C4E94D}" srcOrd="0" destOrd="0" presId="urn:microsoft.com/office/officeart/2005/8/layout/hList1"/>
+    <dgm:cxn modelId="{AF8AA440-8B0A-4E7E-A355-F5CCBFC73FC0}" type="presOf" srcId="{B8C7E5EC-3AA9-4395-A4B8-BF6D100A624B}" destId="{98854701-A7F9-4A74-AB71-F3297A715894}" srcOrd="0" destOrd="1" presId="urn:microsoft.com/office/officeart/2005/8/layout/hList1"/>
+    <dgm:cxn modelId="{0A9C0509-1667-4C00-9E92-B05CCDD85F51}" type="presOf" srcId="{5BB97951-B1D9-4513-BF77-AFFCF458816E}" destId="{5914D28F-7E48-4807-9A8D-F110B7CCDF2F}" srcOrd="0" destOrd="0" presId="urn:microsoft.com/office/officeart/2005/8/layout/hList1"/>
     <dgm:cxn modelId="{57CD3A96-0372-44EC-B19D-26490AD1DCA2}" type="presOf" srcId="{E8981571-4B30-48BE-AB53-A77D8C88DD26}" destId="{DA238B71-330F-4E33-9AE2-D39819134810}" srcOrd="0" destOrd="0" presId="urn:microsoft.com/office/officeart/2005/8/layout/hList1"/>
-    <dgm:cxn modelId="{54AADF90-BAB2-4123-A79B-8003AFF1AB64}" srcId="{E8981571-4B30-48BE-AB53-A77D8C88DD26}" destId="{5BB97951-B1D9-4513-BF77-AFFCF458816E}" srcOrd="0" destOrd="0" parTransId="{3594ABC9-794C-4A32-8BE9-A213B26BA108}" sibTransId="{88281537-BAE1-4560-AA48-80E9179176A2}"/>
-    <dgm:cxn modelId="{AF8AA440-8B0A-4E7E-A355-F5CCBFC73FC0}" type="presOf" srcId="{B8C7E5EC-3AA9-4395-A4B8-BF6D100A624B}" destId="{98854701-A7F9-4A74-AB71-F3297A715894}" srcOrd="0" destOrd="1" presId="urn:microsoft.com/office/officeart/2005/8/layout/hList1"/>
-    <dgm:cxn modelId="{C0488E3D-69FA-439B-B5EA-A292DD5E1407}" srcId="{5BB97951-B1D9-4513-BF77-AFFCF458816E}" destId="{E2606766-5255-4799-B1E2-575D0A6FC66E}" srcOrd="0" destOrd="0" parTransId="{56F856AE-9359-47B2-8D8C-77E34C4BF2A9}" sibTransId="{CDCEAB5C-B9AF-493A-B6B5-4574D2FC871C}"/>
-    <dgm:cxn modelId="{0A9C0509-1667-4C00-9E92-B05CCDD85F51}" type="presOf" srcId="{5BB97951-B1D9-4513-BF77-AFFCF458816E}" destId="{5914D28F-7E48-4807-9A8D-F110B7CCDF2F}" srcOrd="0" destOrd="0" presId="urn:microsoft.com/office/officeart/2005/8/layout/hList1"/>
-    <dgm:cxn modelId="{ECF9F691-AD87-4DD8-8663-DEC2328FE603}" srcId="{DC22E362-1B56-4FE3-BC76-3587C39463D2}" destId="{B8C7E5EC-3AA9-4395-A4B8-BF6D100A624B}" srcOrd="1" destOrd="0" parTransId="{7D91DB15-B797-4D07-AEED-40B4E06C4B00}" sibTransId="{CACE5B48-EE4E-4D0A-94A4-AFBDD84F178C}"/>
     <dgm:cxn modelId="{A5CA3D49-C0DB-49B9-A6A5-C44BF9E2AD33}" type="presOf" srcId="{DC22E362-1B56-4FE3-BC76-3587C39463D2}" destId="{011F0678-E60A-43FD-BE77-AA0B30E72AA6}" srcOrd="0" destOrd="0" presId="urn:microsoft.com/office/officeart/2005/8/layout/hList1"/>
-    <dgm:cxn modelId="{0787ADED-D2B0-412C-A555-B612E758D4A1}" type="presOf" srcId="{E2606766-5255-4799-B1E2-575D0A6FC66E}" destId="{3ED971AE-4D23-4EDC-8D38-56CA33C4E94D}" srcOrd="0" destOrd="0" presId="urn:microsoft.com/office/officeart/2005/8/layout/hList1"/>
     <dgm:cxn modelId="{D1577723-6162-4A7E-A34E-44F889556939}" type="presParOf" srcId="{DA238B71-330F-4E33-9AE2-D39819134810}" destId="{11B1B388-9929-4101-B3F2-64974A6C8D6F}" srcOrd="0" destOrd="0" presId="urn:microsoft.com/office/officeart/2005/8/layout/hList1"/>
     <dgm:cxn modelId="{D5502A5B-0391-4ED9-BE9D-A37EFC674886}" type="presParOf" srcId="{11B1B388-9929-4101-B3F2-64974A6C8D6F}" destId="{5914D28F-7E48-4807-9A8D-F110B7CCDF2F}" srcOrd="0" destOrd="0" presId="urn:microsoft.com/office/officeart/2005/8/layout/hList1"/>
     <dgm:cxn modelId="{155356B6-8279-41AE-B5AF-B44E44226278}" type="presParOf" srcId="{11B1B388-9929-4101-B3F2-64974A6C8D6F}" destId="{3ED971AE-4D23-4EDC-8D38-56CA33C4E94D}" srcOrd="1" destOrd="0" presId="urn:microsoft.com/office/officeart/2005/8/layout/hList1"/>
@@ -2184,15 +2176,7 @@
                 <a:schemeClr val="bg1"/>
               </a:solidFill>
             </a:rPr>
-            <a:t>Raspberry </a:t>
-          </a:r>
-          <a:r>
-            <a:rPr lang="en-US" sz="3600" kern="1200" dirty="0" smtClean="0">
-              <a:solidFill>
-                <a:schemeClr val="bg1"/>
-              </a:solidFill>
-            </a:rPr>
-            <a:t>Pi</a:t>
+            <a:t>Raspberry Pi</a:t>
           </a:r>
           <a:endParaRPr lang="ru-RU" sz="3600" kern="1200" dirty="0">
             <a:solidFill>
@@ -5378,7 +5362,7 @@
           <a:p>
             <a:fld id="{DEDD2965-0A37-43BF-996E-E7DD70B19663}" type="datetimeFigureOut">
               <a:rPr lang="ru-RU" smtClean="0"/>
-              <a:t>16.06.2014</a:t>
+              <a:t>17.06.2014</a:t>
             </a:fld>
             <a:endParaRPr lang="ru-RU"/>
           </a:p>
@@ -5997,7 +5981,7 @@
           <a:p>
             <a:fld id="{B4C71EC6-210F-42DE-9C53-41977AD35B3D}" type="datetimeFigureOut">
               <a:rPr lang="ru-RU" smtClean="0"/>
-              <a:t>16.06.2014</a:t>
+              <a:t>17.06.2014</a:t>
             </a:fld>
             <a:endParaRPr lang="ru-RU"/>
           </a:p>
@@ -6279,7 +6263,7 @@
           <a:p>
             <a:fld id="{B4C71EC6-210F-42DE-9C53-41977AD35B3D}" type="datetimeFigureOut">
               <a:rPr lang="ru-RU" smtClean="0"/>
-              <a:t>16.06.2014</a:t>
+              <a:t>17.06.2014</a:t>
             </a:fld>
             <a:endParaRPr lang="ru-RU"/>
           </a:p>
@@ -6413,7 +6397,7 @@
           <a:p>
             <a:fld id="{B4C71EC6-210F-42DE-9C53-41977AD35B3D}" type="datetimeFigureOut">
               <a:rPr lang="ru-RU" smtClean="0"/>
-              <a:t>16.06.2014</a:t>
+              <a:t>17.06.2014</a:t>
             </a:fld>
             <a:endParaRPr lang="ru-RU"/>
           </a:p>
@@ -6614,7 +6598,7 @@
           <a:p>
             <a:fld id="{B4C71EC6-210F-42DE-9C53-41977AD35B3D}" type="datetimeFigureOut">
               <a:rPr lang="ru-RU" smtClean="0"/>
-              <a:t>16.06.2014</a:t>
+              <a:t>17.06.2014</a:t>
             </a:fld>
             <a:endParaRPr lang="ru-RU"/>
           </a:p>
@@ -7116,7 +7100,7 @@
           <a:p>
             <a:fld id="{B4C71EC6-210F-42DE-9C53-41977AD35B3D}" type="datetimeFigureOut">
               <a:rPr lang="ru-RU" smtClean="0"/>
-              <a:t>16.06.2014</a:t>
+              <a:t>17.06.2014</a:t>
             </a:fld>
             <a:endParaRPr lang="ru-RU"/>
           </a:p>
@@ -7250,7 +7234,7 @@
           <a:p>
             <a:fld id="{B4C71EC6-210F-42DE-9C53-41977AD35B3D}" type="datetimeFigureOut">
               <a:rPr lang="ru-RU" smtClean="0"/>
-              <a:t>16.06.2014</a:t>
+              <a:t>17.06.2014</a:t>
             </a:fld>
             <a:endParaRPr lang="ru-RU"/>
           </a:p>
@@ -7568,7 +7552,7 @@
           <a:p>
             <a:fld id="{B4C71EC6-210F-42DE-9C53-41977AD35B3D}" type="datetimeFigureOut">
               <a:rPr lang="ru-RU" smtClean="0"/>
-              <a:t>16.06.2014</a:t>
+              <a:t>17.06.2014</a:t>
             </a:fld>
             <a:endParaRPr lang="ru-RU"/>
           </a:p>
@@ -8326,7 +8310,7 @@
           <a:p>
             <a:fld id="{B4C71EC6-210F-42DE-9C53-41977AD35B3D}" type="datetimeFigureOut">
               <a:rPr lang="ru-RU" smtClean="0"/>
-              <a:t>16.06.2014</a:t>
+              <a:t>17.06.2014</a:t>
             </a:fld>
             <a:endParaRPr lang="ru-RU"/>
           </a:p>
@@ -9180,7 +9164,7 @@
           <a:p>
             <a:fld id="{B4C71EC6-210F-42DE-9C53-41977AD35B3D}" type="datetimeFigureOut">
               <a:rPr lang="ru-RU" smtClean="0"/>
-              <a:t>16.06.2014</a:t>
+              <a:t>17.06.2014</a:t>
             </a:fld>
             <a:endParaRPr lang="ru-RU"/>
           </a:p>
@@ -9357,7 +9341,7 @@
           <a:p>
             <a:fld id="{B4C71EC6-210F-42DE-9C53-41977AD35B3D}" type="datetimeFigureOut">
               <a:rPr lang="ru-RU" smtClean="0"/>
-              <a:t>16.06.2014</a:t>
+              <a:t>17.06.2014</a:t>
             </a:fld>
             <a:endParaRPr lang="ru-RU"/>
           </a:p>
@@ -9544,7 +9528,7 @@
           <a:p>
             <a:fld id="{B4C71EC6-210F-42DE-9C53-41977AD35B3D}" type="datetimeFigureOut">
               <a:rPr lang="ru-RU" smtClean="0"/>
-              <a:t>16.06.2014</a:t>
+              <a:t>17.06.2014</a:t>
             </a:fld>
             <a:endParaRPr lang="ru-RU"/>
           </a:p>
@@ -9721,7 +9705,7 @@
           <a:p>
             <a:fld id="{B4C71EC6-210F-42DE-9C53-41977AD35B3D}" type="datetimeFigureOut">
               <a:rPr lang="ru-RU" smtClean="0"/>
-              <a:t>16.06.2014</a:t>
+              <a:t>17.06.2014</a:t>
             </a:fld>
             <a:endParaRPr lang="ru-RU"/>
           </a:p>
@@ -9972,7 +9956,7 @@
           <a:p>
             <a:fld id="{B4C71EC6-210F-42DE-9C53-41977AD35B3D}" type="datetimeFigureOut">
               <a:rPr lang="ru-RU" smtClean="0"/>
-              <a:t>16.06.2014</a:t>
+              <a:t>17.06.2014</a:t>
             </a:fld>
             <a:endParaRPr lang="ru-RU"/>
           </a:p>
@@ -10271,7 +10255,7 @@
           <a:p>
             <a:fld id="{B4C71EC6-210F-42DE-9C53-41977AD35B3D}" type="datetimeFigureOut">
               <a:rPr lang="ru-RU" smtClean="0"/>
-              <a:t>16.06.2014</a:t>
+              <a:t>17.06.2014</a:t>
             </a:fld>
             <a:endParaRPr lang="ru-RU"/>
           </a:p>
@@ -10716,7 +10700,7 @@
           <a:p>
             <a:fld id="{B4C71EC6-210F-42DE-9C53-41977AD35B3D}" type="datetimeFigureOut">
               <a:rPr lang="ru-RU" smtClean="0"/>
-              <a:t>16.06.2014</a:t>
+              <a:t>17.06.2014</a:t>
             </a:fld>
             <a:endParaRPr lang="ru-RU"/>
           </a:p>
@@ -10841,7 +10825,7 @@
           <a:p>
             <a:fld id="{B4C71EC6-210F-42DE-9C53-41977AD35B3D}" type="datetimeFigureOut">
               <a:rPr lang="ru-RU" smtClean="0"/>
-              <a:t>16.06.2014</a:t>
+              <a:t>17.06.2014</a:t>
             </a:fld>
             <a:endParaRPr lang="ru-RU"/>
           </a:p>
@@ -10943,7 +10927,7 @@
           <a:p>
             <a:fld id="{B4C71EC6-210F-42DE-9C53-41977AD35B3D}" type="datetimeFigureOut">
               <a:rPr lang="ru-RU" smtClean="0"/>
-              <a:t>16.06.2014</a:t>
+              <a:t>17.06.2014</a:t>
             </a:fld>
             <a:endParaRPr lang="ru-RU"/>
           </a:p>
@@ -11229,7 +11213,7 @@
           <a:p>
             <a:fld id="{B4C71EC6-210F-42DE-9C53-41977AD35B3D}" type="datetimeFigureOut">
               <a:rPr lang="ru-RU" smtClean="0"/>
-              <a:t>16.06.2014</a:t>
+              <a:t>17.06.2014</a:t>
             </a:fld>
             <a:endParaRPr lang="ru-RU"/>
           </a:p>
@@ -11511,7 +11495,7 @@
           <a:p>
             <a:fld id="{B4C71EC6-210F-42DE-9C53-41977AD35B3D}" type="datetimeFigureOut">
               <a:rPr lang="ru-RU" smtClean="0"/>
-              <a:t>16.06.2014</a:t>
+              <a:t>17.06.2014</a:t>
             </a:fld>
             <a:endParaRPr lang="ru-RU"/>
           </a:p>
@@ -12131,7 +12115,7 @@
           <a:p>
             <a:fld id="{B4C71EC6-210F-42DE-9C53-41977AD35B3D}" type="datetimeFigureOut">
               <a:rPr lang="ru-RU" smtClean="0"/>
-              <a:t>16.06.2014</a:t>
+              <a:t>17.06.2014</a:t>
             </a:fld>
             <a:endParaRPr lang="ru-RU"/>
           </a:p>
@@ -12708,15 +12692,7 @@
                   <a:schemeClr val="bg2"/>
                 </a:solidFill>
               </a:rPr>
-              <a:t>Данилов </a:t>
-            </a:r>
-            <a:r>
-              <a:rPr lang="ru-RU" sz="2800" dirty="0" smtClean="0">
-                <a:solidFill>
-                  <a:schemeClr val="bg2"/>
-                </a:solidFill>
-              </a:rPr>
-              <a:t>О.В.</a:t>
+              <a:t>Данилов О.В.</a:t>
             </a:r>
             <a:endParaRPr lang="ru-RU" sz="2800" dirty="0">
               <a:solidFill>
@@ -12865,13 +12841,18 @@
           <a:p>
             <a:pPr lvl="1"/>
             <a:r>
-              <a:rPr lang="ru-RU" dirty="0" smtClean="0">
+              <a:rPr lang="ru-RU" smtClean="0">
                 <a:solidFill>
                   <a:schemeClr val="bg1"/>
                 </a:solidFill>
               </a:rPr>
-              <a:t>Добавление других алгоритмов шифрования</a:t>
+              <a:t>Улучшение производительности</a:t>
             </a:r>
+            <a:endParaRPr lang="ru-RU" dirty="0" smtClean="0">
+              <a:solidFill>
+                <a:schemeClr val="bg1"/>
+              </a:solidFill>
+            </a:endParaRPr>
           </a:p>
           <a:p>
             <a:pPr lvl="1"/>
@@ -13051,23 +13032,7 @@
                   <a:schemeClr val="bg2"/>
                 </a:solidFill>
               </a:rPr>
-              <a:t>Схема системы </a:t>
-            </a:r>
-            <a:r>
-              <a:rPr lang="ru-RU" sz="3200" b="1" dirty="0" smtClean="0">
-                <a:solidFill>
-                  <a:schemeClr val="bg2"/>
-                </a:solidFill>
-              </a:rPr>
-              <a:t>«З</a:t>
-            </a:r>
-            <a:r>
-              <a:rPr lang="ru-RU" sz="3200" b="1" dirty="0" smtClean="0">
-                <a:solidFill>
-                  <a:schemeClr val="bg2"/>
-                </a:solidFill>
-              </a:rPr>
-              <a:t>везда»</a:t>
+              <a:t>Схема системы «Звезда»</a:t>
             </a:r>
             <a:endParaRPr lang="ru-RU" sz="3200" b="1" dirty="0">
               <a:solidFill>
@@ -13443,11 +13408,6 @@
               </a:rPr>
               <a:t>MMC</a:t>
             </a:r>
-            <a:endParaRPr lang="en-US" sz="1600" dirty="0" smtClean="0">
-              <a:solidFill>
-                <a:schemeClr val="bg1"/>
-              </a:solidFill>
-            </a:endParaRPr>
           </a:p>
           <a:p>
             <a:r>
@@ -13458,11 +13418,6 @@
               </a:rPr>
               <a:t>GPIO, JTAG, SPI, I2C, DSI</a:t>
             </a:r>
-            <a:endParaRPr lang="en-US" sz="1600" dirty="0" smtClean="0">
-              <a:solidFill>
-                <a:schemeClr val="bg1"/>
-              </a:solidFill>
-            </a:endParaRPr>
           </a:p>
         </p:txBody>
       </p:sp>
@@ -14300,7 +14255,7 @@
         </p:nvGraphicFramePr>
         <p:xfrm>
           <a:off x="579470" y="4067751"/>
-          <a:ext cx="8064896" cy="1809521"/>
+          <a:ext cx="8064896" cy="1891433"/>
         </p:xfrm>
         <a:graphic>
           <a:graphicData uri="http://schemas.openxmlformats.org/drawingml/2006/table">
@@ -18627,7 +18582,7 @@
   <a:extraClrSchemeLst/>
   <a:extLst>
     <a:ext uri="{05A4C25C-085E-4340-85A3-A5531E510DB2}">
-      <thm15:themeFamily xmlns="" xmlns:thm15="http://schemas.microsoft.com/office/thememl/2012/main" name="Ion" id="{B8441ADB-2E43-4AF7-B97A-BD870242C6A8}" vid="{5A2F9111-B2DB-470C-BA56-608F9B658826}"/>
+      <thm15:themeFamily xmlns:thm15="http://schemas.microsoft.com/office/thememl/2012/main" xmlns="" name="Ion" id="{B8441ADB-2E43-4AF7-B97A-BD870242C6A8}" vid="{5A2F9111-B2DB-470C-BA56-608F9B658826}"/>
     </a:ext>
   </a:extLst>
 </a:theme>
